--- a/problem_presentation.pptx
+++ b/problem_presentation.pptx
@@ -7,6 +7,9 @@
   <p:sldIdLst>
     <p:sldId id="256" r:id="rId2"/>
     <p:sldId id="257" r:id="rId3"/>
+    <p:sldId id="258" r:id="rId4"/>
+    <p:sldId id="259" r:id="rId5"/>
+    <p:sldId id="260" r:id="rId6"/>
   </p:sldIdLst>
   <p:sldSz cx="12192000" cy="6858000"/>
   <p:notesSz cx="6858000" cy="9144000"/>
@@ -262,7 +265,7 @@
           <a:p>
             <a:fld id="{7E5A36A6-AF8C-4D74-B4ED-EE1D5753B021}" type="datetimeFigureOut">
               <a:rPr lang="hu-HU" smtClean="0"/>
-              <a:t>2022. 04. 25.</a:t>
+              <a:t>2022. 04. 27.</a:t>
             </a:fld>
             <a:endParaRPr lang="hu-HU"/>
           </a:p>
@@ -462,7 +465,7 @@
           <a:p>
             <a:fld id="{7E5A36A6-AF8C-4D74-B4ED-EE1D5753B021}" type="datetimeFigureOut">
               <a:rPr lang="hu-HU" smtClean="0"/>
-              <a:t>2022. 04. 25.</a:t>
+              <a:t>2022. 04. 27.</a:t>
             </a:fld>
             <a:endParaRPr lang="hu-HU"/>
           </a:p>
@@ -672,7 +675,7 @@
           <a:p>
             <a:fld id="{7E5A36A6-AF8C-4D74-B4ED-EE1D5753B021}" type="datetimeFigureOut">
               <a:rPr lang="hu-HU" smtClean="0"/>
-              <a:t>2022. 04. 25.</a:t>
+              <a:t>2022. 04. 27.</a:t>
             </a:fld>
             <a:endParaRPr lang="hu-HU"/>
           </a:p>
@@ -872,7 +875,7 @@
           <a:p>
             <a:fld id="{7E5A36A6-AF8C-4D74-B4ED-EE1D5753B021}" type="datetimeFigureOut">
               <a:rPr lang="hu-HU" smtClean="0"/>
-              <a:t>2022. 04. 25.</a:t>
+              <a:t>2022. 04. 27.</a:t>
             </a:fld>
             <a:endParaRPr lang="hu-HU"/>
           </a:p>
@@ -1148,7 +1151,7 @@
           <a:p>
             <a:fld id="{7E5A36A6-AF8C-4D74-B4ED-EE1D5753B021}" type="datetimeFigureOut">
               <a:rPr lang="hu-HU" smtClean="0"/>
-              <a:t>2022. 04. 25.</a:t>
+              <a:t>2022. 04. 27.</a:t>
             </a:fld>
             <a:endParaRPr lang="hu-HU"/>
           </a:p>
@@ -1416,7 +1419,7 @@
           <a:p>
             <a:fld id="{7E5A36A6-AF8C-4D74-B4ED-EE1D5753B021}" type="datetimeFigureOut">
               <a:rPr lang="hu-HU" smtClean="0"/>
-              <a:t>2022. 04. 25.</a:t>
+              <a:t>2022. 04. 27.</a:t>
             </a:fld>
             <a:endParaRPr lang="hu-HU"/>
           </a:p>
@@ -1831,7 +1834,7 @@
           <a:p>
             <a:fld id="{7E5A36A6-AF8C-4D74-B4ED-EE1D5753B021}" type="datetimeFigureOut">
               <a:rPr lang="hu-HU" smtClean="0"/>
-              <a:t>2022. 04. 25.</a:t>
+              <a:t>2022. 04. 27.</a:t>
             </a:fld>
             <a:endParaRPr lang="hu-HU"/>
           </a:p>
@@ -1973,7 +1976,7 @@
           <a:p>
             <a:fld id="{7E5A36A6-AF8C-4D74-B4ED-EE1D5753B021}" type="datetimeFigureOut">
               <a:rPr lang="hu-HU" smtClean="0"/>
-              <a:t>2022. 04. 25.</a:t>
+              <a:t>2022. 04. 27.</a:t>
             </a:fld>
             <a:endParaRPr lang="hu-HU"/>
           </a:p>
@@ -2086,7 +2089,7 @@
           <a:p>
             <a:fld id="{7E5A36A6-AF8C-4D74-B4ED-EE1D5753B021}" type="datetimeFigureOut">
               <a:rPr lang="hu-HU" smtClean="0"/>
-              <a:t>2022. 04. 25.</a:t>
+              <a:t>2022. 04. 27.</a:t>
             </a:fld>
             <a:endParaRPr lang="hu-HU"/>
           </a:p>
@@ -2399,7 +2402,7 @@
           <a:p>
             <a:fld id="{7E5A36A6-AF8C-4D74-B4ED-EE1D5753B021}" type="datetimeFigureOut">
               <a:rPr lang="hu-HU" smtClean="0"/>
-              <a:t>2022. 04. 25.</a:t>
+              <a:t>2022. 04. 27.</a:t>
             </a:fld>
             <a:endParaRPr lang="hu-HU"/>
           </a:p>
@@ -2688,7 +2691,7 @@
           <a:p>
             <a:fld id="{7E5A36A6-AF8C-4D74-B4ED-EE1D5753B021}" type="datetimeFigureOut">
               <a:rPr lang="hu-HU" smtClean="0"/>
-              <a:t>2022. 04. 25.</a:t>
+              <a:t>2022. 04. 27.</a:t>
             </a:fld>
             <a:endParaRPr lang="hu-HU"/>
           </a:p>
@@ -2931,7 +2934,7 @@
           <a:p>
             <a:fld id="{7E5A36A6-AF8C-4D74-B4ED-EE1D5753B021}" type="datetimeFigureOut">
               <a:rPr lang="hu-HU" smtClean="0"/>
-              <a:t>2022. 04. 25.</a:t>
+              <a:t>2022. 04. 27.</a:t>
             </a:fld>
             <a:endParaRPr lang="hu-HU"/>
           </a:p>
@@ -3409,7 +3412,7 @@
                 <a:latin typeface="Segoe UI" panose="020B0502040204020203" pitchFamily="34" charset="0"/>
                 <a:cs typeface="Segoe UI" panose="020B0502040204020203" pitchFamily="34" charset="0"/>
               </a:rPr>
-              <a:t>subtitle</a:t>
+              <a:t>Sam, Ben, Chris, Gavin</a:t>
             </a:r>
             <a:endParaRPr lang="hu-HU" dirty="0">
               <a:latin typeface="Segoe UI" panose="020B0502040204020203" pitchFamily="34" charset="0"/>
@@ -4441,6 +4444,986 @@
 </p:sld>
 </file>
 
+<file path=ppt/slides/slide3.xml><?xml version="1.0" encoding="utf-8"?>
+<p:sld xmlns:a="http://schemas.openxmlformats.org/drawingml/2006/main" xmlns:r="http://schemas.openxmlformats.org/officeDocument/2006/relationships" xmlns:p="http://schemas.openxmlformats.org/presentationml/2006/main">
+  <p:cSld>
+    <p:spTree>
+      <p:nvGrpSpPr>
+        <p:cNvPr id="1" name=""/>
+        <p:cNvGrpSpPr/>
+        <p:nvPr/>
+      </p:nvGrpSpPr>
+      <p:grpSpPr>
+        <a:xfrm>
+          <a:off x="0" y="0"/>
+          <a:ext cx="0" cy="0"/>
+          <a:chOff x="0" y="0"/>
+          <a:chExt cx="0" cy="0"/>
+        </a:xfrm>
+      </p:grpSpPr>
+      <p:sp>
+        <p:nvSpPr>
+          <p:cNvPr id="4" name="Rectangle: Rounded Corners 3">
+            <a:extLst>
+              <a:ext uri="{FF2B5EF4-FFF2-40B4-BE49-F238E27FC236}">
+                <a16:creationId xmlns:a16="http://schemas.microsoft.com/office/drawing/2014/main" id="{646CC432-DEDD-478C-8289-64F4545C5DDF}"/>
+              </a:ext>
+            </a:extLst>
+          </p:cNvPr>
+          <p:cNvSpPr/>
+          <p:nvPr/>
+        </p:nvSpPr>
+        <p:spPr>
+          <a:xfrm>
+            <a:off x="628650" y="1494692"/>
+            <a:ext cx="6541476" cy="4682271"/>
+          </a:xfrm>
+          <a:prstGeom prst="roundRect">
+            <a:avLst/>
+          </a:prstGeom>
+          <a:solidFill>
+            <a:schemeClr val="bg1">
+              <a:lumMod val="95000"/>
+            </a:schemeClr>
+          </a:solidFill>
+          <a:ln>
+            <a:noFill/>
+          </a:ln>
+          <a:effectLst>
+            <a:outerShdw blurRad="50800" dist="38100" dir="2700000" algn="tl" rotWithShape="0">
+              <a:prstClr val="black">
+                <a:alpha val="40000"/>
+              </a:prstClr>
+            </a:outerShdw>
+          </a:effectLst>
+        </p:spPr>
+        <p:style>
+          <a:lnRef idx="2">
+            <a:schemeClr val="accent1">
+              <a:shade val="50000"/>
+            </a:schemeClr>
+          </a:lnRef>
+          <a:fillRef idx="1">
+            <a:schemeClr val="accent1"/>
+          </a:fillRef>
+          <a:effectRef idx="0">
+            <a:schemeClr val="accent1"/>
+          </a:effectRef>
+          <a:fontRef idx="minor">
+            <a:schemeClr val="lt1"/>
+          </a:fontRef>
+        </p:style>
+        <p:txBody>
+          <a:bodyPr rtlCol="0" anchor="ctr"/>
+          <a:lstStyle/>
+          <a:p>
+            <a:pPr algn="ctr"/>
+            <a:endParaRPr lang="hu-HU"/>
+          </a:p>
+        </p:txBody>
+      </p:sp>
+      <p:sp>
+        <p:nvSpPr>
+          <p:cNvPr id="2" name="Title 1">
+            <a:extLst>
+              <a:ext uri="{FF2B5EF4-FFF2-40B4-BE49-F238E27FC236}">
+                <a16:creationId xmlns:a16="http://schemas.microsoft.com/office/drawing/2014/main" id="{9C508B4B-FACF-42E2-8E36-496ABB6FEA31}"/>
+              </a:ext>
+            </a:extLst>
+          </p:cNvPr>
+          <p:cNvSpPr>
+            <a:spLocks noGrp="1"/>
+          </p:cNvSpPr>
+          <p:nvPr>
+            <p:ph type="title"/>
+          </p:nvPr>
+        </p:nvSpPr>
+        <p:spPr>
+          <a:xfrm>
+            <a:off x="838200" y="365125"/>
+            <a:ext cx="6331926" cy="1325563"/>
+          </a:xfrm>
+        </p:spPr>
+        <p:txBody>
+          <a:bodyPr/>
+          <a:lstStyle/>
+          <a:p>
+            <a:r>
+              <a:rPr lang="en-US" dirty="0">
+                <a:latin typeface="Segoe UI Semibold" panose="020B0702040204020203" pitchFamily="34" charset="0"/>
+                <a:cs typeface="Segoe UI Semibold" panose="020B0702040204020203" pitchFamily="34" charset="0"/>
+              </a:rPr>
+              <a:t>Sample Input</a:t>
+            </a:r>
+            <a:endParaRPr lang="hu-HU" dirty="0">
+              <a:latin typeface="Segoe UI Semibold" panose="020B0702040204020203" pitchFamily="34" charset="0"/>
+              <a:cs typeface="Segoe UI Semibold" panose="020B0702040204020203" pitchFamily="34" charset="0"/>
+            </a:endParaRPr>
+          </a:p>
+        </p:txBody>
+      </p:sp>
+      <p:sp>
+        <p:nvSpPr>
+          <p:cNvPr id="3" name="Content Placeholder 2">
+            <a:extLst>
+              <a:ext uri="{FF2B5EF4-FFF2-40B4-BE49-F238E27FC236}">
+                <a16:creationId xmlns:a16="http://schemas.microsoft.com/office/drawing/2014/main" id="{1C3EB100-A0AE-4D03-8FF5-296623074D43}"/>
+              </a:ext>
+            </a:extLst>
+          </p:cNvPr>
+          <p:cNvSpPr>
+            <a:spLocks noGrp="1"/>
+          </p:cNvSpPr>
+          <p:nvPr>
+            <p:ph idx="1"/>
+          </p:nvPr>
+        </p:nvSpPr>
+        <p:spPr>
+          <a:xfrm>
+            <a:off x="838199" y="1825625"/>
+            <a:ext cx="6331927" cy="4351338"/>
+          </a:xfrm>
+        </p:spPr>
+        <p:txBody>
+          <a:bodyPr/>
+          <a:lstStyle/>
+          <a:p>
+            <a:pPr marL="0" indent="0">
+              <a:buNone/>
+            </a:pPr>
+            <a:r>
+              <a:rPr lang="en-US" dirty="0">
+                <a:latin typeface="Segoe UI" panose="020B0502040204020203" pitchFamily="34" charset="0"/>
+                <a:cs typeface="Segoe UI" panose="020B0502040204020203" pitchFamily="34" charset="0"/>
+              </a:rPr>
+              <a:t>The input is formatted in the same way as lab 9: acyclic detection:</a:t>
+            </a:r>
+          </a:p>
+          <a:p>
+            <a:pPr marL="0" indent="0">
+              <a:buNone/>
+            </a:pPr>
+            <a:r>
+              <a:rPr lang="en-US" sz="2200" dirty="0">
+                <a:latin typeface="Segoe UI" panose="020B0502040204020203" pitchFamily="34" charset="0"/>
+                <a:cs typeface="Segoe UI" panose="020B0502040204020203" pitchFamily="34" charset="0"/>
+              </a:rPr>
+              <a:t>The first line is an integer n representing the number of vertices in the graph.</a:t>
+            </a:r>
+          </a:p>
+          <a:p>
+            <a:pPr marL="0" indent="0">
+              <a:buNone/>
+            </a:pPr>
+            <a:r>
+              <a:rPr lang="en-US" sz="2200" dirty="0">
+                <a:latin typeface="Segoe UI" panose="020B0502040204020203" pitchFamily="34" charset="0"/>
+                <a:cs typeface="Segoe UI" panose="020B0502040204020203" pitchFamily="34" charset="0"/>
+              </a:rPr>
+              <a:t>The next n lines begin with an integer representing the source vertex, followed by up to n – 1 integers (which range from 0 to n) representing destination nodes for the graph’s edges.</a:t>
+            </a:r>
+          </a:p>
+        </p:txBody>
+      </p:sp>
+      <p:grpSp>
+        <p:nvGrpSpPr>
+          <p:cNvPr id="10" name="Group 9">
+            <a:extLst>
+              <a:ext uri="{FF2B5EF4-FFF2-40B4-BE49-F238E27FC236}">
+                <a16:creationId xmlns:a16="http://schemas.microsoft.com/office/drawing/2014/main" id="{C5F40761-52AE-4954-B562-2630B3AC4F7A}"/>
+              </a:ext>
+            </a:extLst>
+          </p:cNvPr>
+          <p:cNvGrpSpPr/>
+          <p:nvPr/>
+        </p:nvGrpSpPr>
+        <p:grpSpPr>
+          <a:xfrm>
+            <a:off x="8598875" y="1206308"/>
+            <a:ext cx="2343152" cy="5259037"/>
+            <a:chOff x="7829548" y="1009529"/>
+            <a:chExt cx="2343152" cy="5259037"/>
+          </a:xfrm>
+        </p:grpSpPr>
+        <p:sp>
+          <p:nvSpPr>
+            <p:cNvPr id="21" name="Content Placeholder 2">
+              <a:extLst>
+                <a:ext uri="{FF2B5EF4-FFF2-40B4-BE49-F238E27FC236}">
+                  <a16:creationId xmlns:a16="http://schemas.microsoft.com/office/drawing/2014/main" id="{AD99ECFF-FED0-4740-BEEB-D3EE8FE57598}"/>
+                </a:ext>
+              </a:extLst>
+            </p:cNvPr>
+            <p:cNvSpPr txBox="1">
+              <a:spLocks/>
+            </p:cNvSpPr>
+            <p:nvPr/>
+          </p:nvSpPr>
+          <p:spPr>
+            <a:xfrm>
+              <a:off x="7829548" y="1009529"/>
+              <a:ext cx="2343152" cy="4351338"/>
+            </a:xfrm>
+            <a:prstGeom prst="rect">
+              <a:avLst/>
+            </a:prstGeom>
+          </p:spPr>
+          <p:txBody>
+            <a:bodyPr vert="horz" lIns="91440" tIns="45720" rIns="91440" bIns="45720" rtlCol="0">
+              <a:normAutofit lnSpcReduction="10000"/>
+            </a:bodyPr>
+            <a:lstStyle>
+              <a:lvl1pPr marL="228600" indent="-228600" algn="l" defTabSz="914400" rtl="0" eaLnBrk="1" latinLnBrk="0" hangingPunct="1">
+                <a:lnSpc>
+                  <a:spcPct val="90000"/>
+                </a:lnSpc>
+                <a:spcBef>
+                  <a:spcPts val="1000"/>
+                </a:spcBef>
+                <a:buFont typeface="Arial" panose="020B0604020202020204" pitchFamily="34" charset="0"/>
+                <a:buChar char="•"/>
+                <a:defRPr sz="2800" kern="1200">
+                  <a:solidFill>
+                    <a:schemeClr val="tx1"/>
+                  </a:solidFill>
+                  <a:latin typeface="+mn-lt"/>
+                  <a:ea typeface="+mn-ea"/>
+                  <a:cs typeface="+mn-cs"/>
+                </a:defRPr>
+              </a:lvl1pPr>
+              <a:lvl2pPr marL="685800" indent="-228600" algn="l" defTabSz="914400" rtl="0" eaLnBrk="1" latinLnBrk="0" hangingPunct="1">
+                <a:lnSpc>
+                  <a:spcPct val="90000"/>
+                </a:lnSpc>
+                <a:spcBef>
+                  <a:spcPts val="500"/>
+                </a:spcBef>
+                <a:buFont typeface="Arial" panose="020B0604020202020204" pitchFamily="34" charset="0"/>
+                <a:buChar char="•"/>
+                <a:defRPr sz="2400" kern="1200">
+                  <a:solidFill>
+                    <a:schemeClr val="tx1"/>
+                  </a:solidFill>
+                  <a:latin typeface="+mn-lt"/>
+                  <a:ea typeface="+mn-ea"/>
+                  <a:cs typeface="+mn-cs"/>
+                </a:defRPr>
+              </a:lvl2pPr>
+              <a:lvl3pPr marL="1143000" indent="-228600" algn="l" defTabSz="914400" rtl="0" eaLnBrk="1" latinLnBrk="0" hangingPunct="1">
+                <a:lnSpc>
+                  <a:spcPct val="90000"/>
+                </a:lnSpc>
+                <a:spcBef>
+                  <a:spcPts val="500"/>
+                </a:spcBef>
+                <a:buFont typeface="Arial" panose="020B0604020202020204" pitchFamily="34" charset="0"/>
+                <a:buChar char="•"/>
+                <a:defRPr sz="2000" kern="1200">
+                  <a:solidFill>
+                    <a:schemeClr val="tx1"/>
+                  </a:solidFill>
+                  <a:latin typeface="+mn-lt"/>
+                  <a:ea typeface="+mn-ea"/>
+                  <a:cs typeface="+mn-cs"/>
+                </a:defRPr>
+              </a:lvl3pPr>
+              <a:lvl4pPr marL="1600200" indent="-228600" algn="l" defTabSz="914400" rtl="0" eaLnBrk="1" latinLnBrk="0" hangingPunct="1">
+                <a:lnSpc>
+                  <a:spcPct val="90000"/>
+                </a:lnSpc>
+                <a:spcBef>
+                  <a:spcPts val="500"/>
+                </a:spcBef>
+                <a:buFont typeface="Arial" panose="020B0604020202020204" pitchFamily="34" charset="0"/>
+                <a:buChar char="•"/>
+                <a:defRPr sz="1800" kern="1200">
+                  <a:solidFill>
+                    <a:schemeClr val="tx1"/>
+                  </a:solidFill>
+                  <a:latin typeface="+mn-lt"/>
+                  <a:ea typeface="+mn-ea"/>
+                  <a:cs typeface="+mn-cs"/>
+                </a:defRPr>
+              </a:lvl4pPr>
+              <a:lvl5pPr marL="2057400" indent="-228600" algn="l" defTabSz="914400" rtl="0" eaLnBrk="1" latinLnBrk="0" hangingPunct="1">
+                <a:lnSpc>
+                  <a:spcPct val="90000"/>
+                </a:lnSpc>
+                <a:spcBef>
+                  <a:spcPts val="500"/>
+                </a:spcBef>
+                <a:buFont typeface="Arial" panose="020B0604020202020204" pitchFamily="34" charset="0"/>
+                <a:buChar char="•"/>
+                <a:defRPr sz="1800" kern="1200">
+                  <a:solidFill>
+                    <a:schemeClr val="tx1"/>
+                  </a:solidFill>
+                  <a:latin typeface="+mn-lt"/>
+                  <a:ea typeface="+mn-ea"/>
+                  <a:cs typeface="+mn-cs"/>
+                </a:defRPr>
+              </a:lvl5pPr>
+              <a:lvl6pPr marL="2514600" indent="-228600" algn="l" defTabSz="914400" rtl="0" eaLnBrk="1" latinLnBrk="0" hangingPunct="1">
+                <a:lnSpc>
+                  <a:spcPct val="90000"/>
+                </a:lnSpc>
+                <a:spcBef>
+                  <a:spcPts val="500"/>
+                </a:spcBef>
+                <a:buFont typeface="Arial" panose="020B0604020202020204" pitchFamily="34" charset="0"/>
+                <a:buChar char="•"/>
+                <a:defRPr sz="1800" kern="1200">
+                  <a:solidFill>
+                    <a:schemeClr val="tx1"/>
+                  </a:solidFill>
+                  <a:latin typeface="+mn-lt"/>
+                  <a:ea typeface="+mn-ea"/>
+                  <a:cs typeface="+mn-cs"/>
+                </a:defRPr>
+              </a:lvl6pPr>
+              <a:lvl7pPr marL="2971800" indent="-228600" algn="l" defTabSz="914400" rtl="0" eaLnBrk="1" latinLnBrk="0" hangingPunct="1">
+                <a:lnSpc>
+                  <a:spcPct val="90000"/>
+                </a:lnSpc>
+                <a:spcBef>
+                  <a:spcPts val="500"/>
+                </a:spcBef>
+                <a:buFont typeface="Arial" panose="020B0604020202020204" pitchFamily="34" charset="0"/>
+                <a:buChar char="•"/>
+                <a:defRPr sz="1800" kern="1200">
+                  <a:solidFill>
+                    <a:schemeClr val="tx1"/>
+                  </a:solidFill>
+                  <a:latin typeface="+mn-lt"/>
+                  <a:ea typeface="+mn-ea"/>
+                  <a:cs typeface="+mn-cs"/>
+                </a:defRPr>
+              </a:lvl7pPr>
+              <a:lvl8pPr marL="3429000" indent="-228600" algn="l" defTabSz="914400" rtl="0" eaLnBrk="1" latinLnBrk="0" hangingPunct="1">
+                <a:lnSpc>
+                  <a:spcPct val="90000"/>
+                </a:lnSpc>
+                <a:spcBef>
+                  <a:spcPts val="500"/>
+                </a:spcBef>
+                <a:buFont typeface="Arial" panose="020B0604020202020204" pitchFamily="34" charset="0"/>
+                <a:buChar char="•"/>
+                <a:defRPr sz="1800" kern="1200">
+                  <a:solidFill>
+                    <a:schemeClr val="tx1"/>
+                  </a:solidFill>
+                  <a:latin typeface="+mn-lt"/>
+                  <a:ea typeface="+mn-ea"/>
+                  <a:cs typeface="+mn-cs"/>
+                </a:defRPr>
+              </a:lvl8pPr>
+              <a:lvl9pPr marL="3886200" indent="-228600" algn="l" defTabSz="914400" rtl="0" eaLnBrk="1" latinLnBrk="0" hangingPunct="1">
+                <a:lnSpc>
+                  <a:spcPct val="90000"/>
+                </a:lnSpc>
+                <a:spcBef>
+                  <a:spcPts val="500"/>
+                </a:spcBef>
+                <a:buFont typeface="Arial" panose="020B0604020202020204" pitchFamily="34" charset="0"/>
+                <a:buChar char="•"/>
+                <a:defRPr sz="1800" kern="1200">
+                  <a:solidFill>
+                    <a:schemeClr val="tx1"/>
+                  </a:solidFill>
+                  <a:latin typeface="+mn-lt"/>
+                  <a:ea typeface="+mn-ea"/>
+                  <a:cs typeface="+mn-cs"/>
+                </a:defRPr>
+              </a:lvl9pPr>
+            </a:lstStyle>
+            <a:p>
+              <a:pPr marL="0" indent="0">
+                <a:buFont typeface="Arial" panose="020B0604020202020204" pitchFamily="34" charset="0"/>
+                <a:buNone/>
+              </a:pPr>
+              <a:r>
+                <a:rPr lang="en-US" sz="2200" dirty="0">
+                  <a:latin typeface="Segoe UI" panose="020B0502040204020203" pitchFamily="34" charset="0"/>
+                  <a:cs typeface="Segoe UI" panose="020B0502040204020203" pitchFamily="34" charset="0"/>
+                </a:rPr>
+                <a:t>10</a:t>
+              </a:r>
+            </a:p>
+            <a:p>
+              <a:pPr marL="0" indent="0">
+                <a:buFont typeface="Arial" panose="020B0604020202020204" pitchFamily="34" charset="0"/>
+                <a:buNone/>
+              </a:pPr>
+              <a:r>
+                <a:rPr lang="en-US" sz="2200" dirty="0">
+                  <a:latin typeface="Segoe UI" panose="020B0502040204020203" pitchFamily="34" charset="0"/>
+                  <a:cs typeface="Segoe UI" panose="020B0502040204020203" pitchFamily="34" charset="0"/>
+                </a:rPr>
+                <a:t>0 3 4 6 7 8 1 6</a:t>
+              </a:r>
+            </a:p>
+            <a:p>
+              <a:pPr marL="0" indent="0">
+                <a:buFont typeface="Arial" panose="020B0604020202020204" pitchFamily="34" charset="0"/>
+                <a:buNone/>
+              </a:pPr>
+              <a:r>
+                <a:rPr lang="en-US" sz="2200" dirty="0">
+                  <a:latin typeface="Segoe UI" panose="020B0502040204020203" pitchFamily="34" charset="0"/>
+                  <a:cs typeface="Segoe UI" panose="020B0502040204020203" pitchFamily="34" charset="0"/>
+                </a:rPr>
+                <a:t>1 5</a:t>
+              </a:r>
+            </a:p>
+            <a:p>
+              <a:pPr marL="0" indent="0">
+                <a:buFont typeface="Arial" panose="020B0604020202020204" pitchFamily="34" charset="0"/>
+                <a:buNone/>
+              </a:pPr>
+              <a:r>
+                <a:rPr lang="en-US" sz="2200" dirty="0">
+                  <a:latin typeface="Segoe UI" panose="020B0502040204020203" pitchFamily="34" charset="0"/>
+                  <a:cs typeface="Segoe UI" panose="020B0502040204020203" pitchFamily="34" charset="0"/>
+                </a:rPr>
+                <a:t>2 3</a:t>
+              </a:r>
+            </a:p>
+            <a:p>
+              <a:pPr marL="0" indent="0">
+                <a:buFont typeface="Arial" panose="020B0604020202020204" pitchFamily="34" charset="0"/>
+                <a:buNone/>
+              </a:pPr>
+              <a:r>
+                <a:rPr lang="en-US" sz="2200" dirty="0">
+                  <a:latin typeface="Segoe UI" panose="020B0502040204020203" pitchFamily="34" charset="0"/>
+                  <a:cs typeface="Segoe UI" panose="020B0502040204020203" pitchFamily="34" charset="0"/>
+                </a:rPr>
+                <a:t>3 0 4 6 7 8 8</a:t>
+              </a:r>
+            </a:p>
+            <a:p>
+              <a:pPr marL="0" indent="0">
+                <a:buFont typeface="Arial" panose="020B0604020202020204" pitchFamily="34" charset="0"/>
+                <a:buNone/>
+              </a:pPr>
+              <a:r>
+                <a:rPr lang="en-US" sz="2200" dirty="0">
+                  <a:latin typeface="Segoe UI" panose="020B0502040204020203" pitchFamily="34" charset="0"/>
+                  <a:cs typeface="Segoe UI" panose="020B0502040204020203" pitchFamily="34" charset="0"/>
+                </a:rPr>
+                <a:t>4 0 3 6 7 8</a:t>
+              </a:r>
+            </a:p>
+            <a:p>
+              <a:pPr marL="0" indent="0">
+                <a:buFont typeface="Arial" panose="020B0604020202020204" pitchFamily="34" charset="0"/>
+                <a:buNone/>
+              </a:pPr>
+              <a:r>
+                <a:rPr lang="en-US" sz="2200" dirty="0">
+                  <a:latin typeface="Segoe UI" panose="020B0502040204020203" pitchFamily="34" charset="0"/>
+                  <a:cs typeface="Segoe UI" panose="020B0502040204020203" pitchFamily="34" charset="0"/>
+                </a:rPr>
+                <a:t>5 </a:t>
+              </a:r>
+            </a:p>
+            <a:p>
+              <a:pPr marL="0" indent="0">
+                <a:buFont typeface="Arial" panose="020B0604020202020204" pitchFamily="34" charset="0"/>
+                <a:buNone/>
+              </a:pPr>
+              <a:r>
+                <a:rPr lang="en-US" sz="2200" dirty="0">
+                  <a:latin typeface="Segoe UI" panose="020B0502040204020203" pitchFamily="34" charset="0"/>
+                  <a:cs typeface="Segoe UI" panose="020B0502040204020203" pitchFamily="34" charset="0"/>
+                </a:rPr>
+                <a:t>6 0 3 4 7 8</a:t>
+              </a:r>
+            </a:p>
+            <a:p>
+              <a:pPr marL="0" indent="0">
+                <a:buFont typeface="Arial" panose="020B0604020202020204" pitchFamily="34" charset="0"/>
+                <a:buNone/>
+              </a:pPr>
+              <a:r>
+                <a:rPr lang="en-US" sz="2200" dirty="0">
+                  <a:latin typeface="Segoe UI" panose="020B0502040204020203" pitchFamily="34" charset="0"/>
+                  <a:cs typeface="Segoe UI" panose="020B0502040204020203" pitchFamily="34" charset="0"/>
+                </a:rPr>
+                <a:t>7 0 3 4 6 8</a:t>
+              </a:r>
+            </a:p>
+            <a:p>
+              <a:pPr marL="0" indent="0">
+                <a:buFont typeface="Arial" panose="020B0604020202020204" pitchFamily="34" charset="0"/>
+                <a:buNone/>
+              </a:pPr>
+              <a:r>
+                <a:rPr lang="en-US" sz="2200" dirty="0">
+                  <a:latin typeface="Segoe UI" panose="020B0502040204020203" pitchFamily="34" charset="0"/>
+                  <a:cs typeface="Segoe UI" panose="020B0502040204020203" pitchFamily="34" charset="0"/>
+                </a:rPr>
+                <a:t>8 0 3 4 6 7</a:t>
+              </a:r>
+            </a:p>
+            <a:p>
+              <a:pPr marL="0" indent="0">
+                <a:buFont typeface="Arial" panose="020B0604020202020204" pitchFamily="34" charset="0"/>
+                <a:buNone/>
+              </a:pPr>
+              <a:r>
+                <a:rPr lang="en-US" sz="2200" dirty="0">
+                  <a:latin typeface="Segoe UI" panose="020B0502040204020203" pitchFamily="34" charset="0"/>
+                  <a:cs typeface="Segoe UI" panose="020B0502040204020203" pitchFamily="34" charset="0"/>
+                </a:rPr>
+                <a:t>9 </a:t>
+              </a:r>
+              <a:endParaRPr lang="hu-HU" sz="2200" dirty="0">
+                <a:latin typeface="Segoe UI" panose="020B0502040204020203" pitchFamily="34" charset="0"/>
+                <a:cs typeface="Segoe UI" panose="020B0502040204020203" pitchFamily="34" charset="0"/>
+              </a:endParaRPr>
+            </a:p>
+          </p:txBody>
+        </p:sp>
+        <p:sp>
+          <p:nvSpPr>
+            <p:cNvPr id="23" name="TextBox 22">
+              <a:extLst>
+                <a:ext uri="{FF2B5EF4-FFF2-40B4-BE49-F238E27FC236}">
+                  <a16:creationId xmlns:a16="http://schemas.microsoft.com/office/drawing/2014/main" id="{51AA5A6C-9B86-486B-86D7-0F4643749A09}"/>
+                </a:ext>
+              </a:extLst>
+            </p:cNvPr>
+            <p:cNvSpPr txBox="1"/>
+            <p:nvPr/>
+          </p:nvSpPr>
+          <p:spPr>
+            <a:xfrm>
+              <a:off x="7829548" y="5345236"/>
+              <a:ext cx="2343152" cy="923330"/>
+            </a:xfrm>
+            <a:prstGeom prst="rect">
+              <a:avLst/>
+            </a:prstGeom>
+            <a:noFill/>
+          </p:spPr>
+          <p:txBody>
+            <a:bodyPr wrap="square" rtlCol="0">
+              <a:spAutoFit/>
+            </a:bodyPr>
+            <a:lstStyle/>
+            <a:p>
+              <a:pPr algn="ctr"/>
+              <a:r>
+                <a:rPr lang="en-US" dirty="0">
+                  <a:latin typeface="Segoe UI" panose="020B0502040204020203" pitchFamily="34" charset="0"/>
+                  <a:cs typeface="Segoe UI" panose="020B0502040204020203" pitchFamily="34" charset="0"/>
+                </a:rPr>
+                <a:t>Sample input containing a clique of size 6.</a:t>
+              </a:r>
+              <a:endParaRPr lang="hu-HU" dirty="0">
+                <a:latin typeface="Segoe UI" panose="020B0502040204020203" pitchFamily="34" charset="0"/>
+                <a:cs typeface="Segoe UI" panose="020B0502040204020203" pitchFamily="34" charset="0"/>
+              </a:endParaRPr>
+            </a:p>
+          </p:txBody>
+        </p:sp>
+      </p:grpSp>
+    </p:spTree>
+    <p:extLst>
+      <p:ext uri="{BB962C8B-B14F-4D97-AF65-F5344CB8AC3E}">
+        <p14:creationId xmlns:p14="http://schemas.microsoft.com/office/powerpoint/2010/main" val="3266340456"/>
+      </p:ext>
+    </p:extLst>
+  </p:cSld>
+  <p:clrMapOvr>
+    <a:masterClrMapping/>
+  </p:clrMapOvr>
+</p:sld>
+</file>
+
+<file path=ppt/slides/slide4.xml><?xml version="1.0" encoding="utf-8"?>
+<p:sld xmlns:a="http://schemas.openxmlformats.org/drawingml/2006/main" xmlns:r="http://schemas.openxmlformats.org/officeDocument/2006/relationships" xmlns:p="http://schemas.openxmlformats.org/presentationml/2006/main">
+  <p:cSld>
+    <p:spTree>
+      <p:nvGrpSpPr>
+        <p:cNvPr id="1" name=""/>
+        <p:cNvGrpSpPr/>
+        <p:nvPr/>
+      </p:nvGrpSpPr>
+      <p:grpSpPr>
+        <a:xfrm>
+          <a:off x="0" y="0"/>
+          <a:ext cx="0" cy="0"/>
+          <a:chOff x="0" y="0"/>
+          <a:chExt cx="0" cy="0"/>
+        </a:xfrm>
+      </p:grpSpPr>
+      <p:sp>
+        <p:nvSpPr>
+          <p:cNvPr id="4" name="Rectangle: Rounded Corners 3">
+            <a:extLst>
+              <a:ext uri="{FF2B5EF4-FFF2-40B4-BE49-F238E27FC236}">
+                <a16:creationId xmlns:a16="http://schemas.microsoft.com/office/drawing/2014/main" id="{646CC432-DEDD-478C-8289-64F4545C5DDF}"/>
+              </a:ext>
+            </a:extLst>
+          </p:cNvPr>
+          <p:cNvSpPr/>
+          <p:nvPr/>
+        </p:nvSpPr>
+        <p:spPr>
+          <a:xfrm>
+            <a:off x="628650" y="1494692"/>
+            <a:ext cx="6541476" cy="4682271"/>
+          </a:xfrm>
+          <a:prstGeom prst="roundRect">
+            <a:avLst/>
+          </a:prstGeom>
+          <a:solidFill>
+            <a:schemeClr val="bg1">
+              <a:lumMod val="95000"/>
+            </a:schemeClr>
+          </a:solidFill>
+          <a:ln>
+            <a:noFill/>
+          </a:ln>
+          <a:effectLst>
+            <a:outerShdw blurRad="50800" dist="38100" dir="2700000" algn="tl" rotWithShape="0">
+              <a:prstClr val="black">
+                <a:alpha val="40000"/>
+              </a:prstClr>
+            </a:outerShdw>
+          </a:effectLst>
+        </p:spPr>
+        <p:style>
+          <a:lnRef idx="2">
+            <a:schemeClr val="accent1">
+              <a:shade val="50000"/>
+            </a:schemeClr>
+          </a:lnRef>
+          <a:fillRef idx="1">
+            <a:schemeClr val="accent1"/>
+          </a:fillRef>
+          <a:effectRef idx="0">
+            <a:schemeClr val="accent1"/>
+          </a:effectRef>
+          <a:fontRef idx="minor">
+            <a:schemeClr val="lt1"/>
+          </a:fontRef>
+        </p:style>
+        <p:txBody>
+          <a:bodyPr rtlCol="0" anchor="ctr"/>
+          <a:lstStyle/>
+          <a:p>
+            <a:pPr algn="ctr"/>
+            <a:endParaRPr lang="hu-HU"/>
+          </a:p>
+        </p:txBody>
+      </p:sp>
+      <p:sp>
+        <p:nvSpPr>
+          <p:cNvPr id="2" name="Title 1">
+            <a:extLst>
+              <a:ext uri="{FF2B5EF4-FFF2-40B4-BE49-F238E27FC236}">
+                <a16:creationId xmlns:a16="http://schemas.microsoft.com/office/drawing/2014/main" id="{9C508B4B-FACF-42E2-8E36-496ABB6FEA31}"/>
+              </a:ext>
+            </a:extLst>
+          </p:cNvPr>
+          <p:cNvSpPr>
+            <a:spLocks noGrp="1"/>
+          </p:cNvSpPr>
+          <p:nvPr>
+            <p:ph type="title"/>
+          </p:nvPr>
+        </p:nvSpPr>
+        <p:spPr>
+          <a:xfrm>
+            <a:off x="838200" y="365125"/>
+            <a:ext cx="11256390" cy="1325563"/>
+          </a:xfrm>
+        </p:spPr>
+        <p:txBody>
+          <a:bodyPr>
+            <a:normAutofit/>
+          </a:bodyPr>
+          <a:lstStyle/>
+          <a:p>
+            <a:r>
+              <a:rPr lang="en-US" dirty="0">
+                <a:latin typeface="Segoe UI Semibold" panose="020B0702040204020203" pitchFamily="34" charset="0"/>
+                <a:cs typeface="Segoe UI Semibold" panose="020B0702040204020203" pitchFamily="34" charset="0"/>
+              </a:rPr>
+              <a:t>Reduction</a:t>
+            </a:r>
+            <a:endParaRPr lang="hu-HU" dirty="0">
+              <a:latin typeface="Segoe UI Semibold" panose="020B0702040204020203" pitchFamily="34" charset="0"/>
+              <a:cs typeface="Segoe UI Semibold" panose="020B0702040204020203" pitchFamily="34" charset="0"/>
+            </a:endParaRPr>
+          </a:p>
+        </p:txBody>
+      </p:sp>
+      <p:sp>
+        <p:nvSpPr>
+          <p:cNvPr id="3" name="Content Placeholder 2">
+            <a:extLst>
+              <a:ext uri="{FF2B5EF4-FFF2-40B4-BE49-F238E27FC236}">
+                <a16:creationId xmlns:a16="http://schemas.microsoft.com/office/drawing/2014/main" id="{1C3EB100-A0AE-4D03-8FF5-296623074D43}"/>
+              </a:ext>
+            </a:extLst>
+          </p:cNvPr>
+          <p:cNvSpPr>
+            <a:spLocks noGrp="1"/>
+          </p:cNvSpPr>
+          <p:nvPr>
+            <p:ph idx="1"/>
+          </p:nvPr>
+        </p:nvSpPr>
+        <p:spPr>
+          <a:xfrm>
+            <a:off x="838200" y="1690688"/>
+            <a:ext cx="6331926" cy="4486275"/>
+          </a:xfrm>
+        </p:spPr>
+        <p:txBody>
+          <a:bodyPr/>
+          <a:lstStyle/>
+          <a:p>
+            <a:pPr marL="0" indent="0">
+              <a:buNone/>
+            </a:pPr>
+            <a:r>
+              <a:rPr lang="en-US" sz="2200" dirty="0">
+                <a:latin typeface="Segoe UI" panose="020B0502040204020203" pitchFamily="34" charset="0"/>
+                <a:cs typeface="Segoe UI" panose="020B0502040204020203" pitchFamily="34" charset="0"/>
+              </a:rPr>
+              <a:t>To reduce Independent Set to the clique decision problem given a graph G = (V, E), the first step is to construct a complementary graph G’ such that:</a:t>
+            </a:r>
+          </a:p>
+          <a:p>
+            <a:pPr marL="0" indent="0">
+              <a:buNone/>
+            </a:pPr>
+            <a:endParaRPr lang="en-US" sz="2200" dirty="0">
+              <a:latin typeface="Segoe UI" panose="020B0502040204020203" pitchFamily="34" charset="0"/>
+              <a:cs typeface="Segoe UI" panose="020B0502040204020203" pitchFamily="34" charset="0"/>
+            </a:endParaRPr>
+          </a:p>
+          <a:p>
+            <a:pPr marL="0" indent="0">
+              <a:buNone/>
+            </a:pPr>
+            <a:r>
+              <a:rPr lang="en-US" sz="2200" dirty="0">
+                <a:latin typeface="Segoe UI" panose="020B0502040204020203" pitchFamily="34" charset="0"/>
+                <a:cs typeface="Segoe UI" panose="020B0502040204020203" pitchFamily="34" charset="0"/>
+              </a:rPr>
+              <a:t>V’ = V </a:t>
+            </a:r>
+          </a:p>
+          <a:p>
+            <a:pPr marL="0" indent="0">
+              <a:buNone/>
+            </a:pPr>
+            <a:r>
+              <a:rPr lang="en-US" sz="2200" dirty="0">
+                <a:latin typeface="Segoe UI" panose="020B0502040204020203" pitchFamily="34" charset="0"/>
+                <a:cs typeface="Segoe UI" panose="020B0502040204020203" pitchFamily="34" charset="0"/>
+              </a:rPr>
+              <a:t>E’ = all edges </a:t>
+            </a:r>
+            <a:r>
+              <a:rPr lang="en-US" sz="2200" b="1" dirty="0">
+                <a:latin typeface="Segoe UI" panose="020B0502040204020203" pitchFamily="34" charset="0"/>
+                <a:cs typeface="Segoe UI" panose="020B0502040204020203" pitchFamily="34" charset="0"/>
+              </a:rPr>
+              <a:t>not</a:t>
+            </a:r>
+            <a:r>
+              <a:rPr lang="en-US" sz="2200" dirty="0">
+                <a:latin typeface="Segoe UI" panose="020B0502040204020203" pitchFamily="34" charset="0"/>
+                <a:cs typeface="Segoe UI" panose="020B0502040204020203" pitchFamily="34" charset="0"/>
+              </a:rPr>
+              <a:t> present in G.</a:t>
+            </a:r>
+          </a:p>
+          <a:p>
+            <a:pPr marL="0" indent="0">
+              <a:buNone/>
+            </a:pPr>
+            <a:endParaRPr lang="en-US" sz="2200" dirty="0">
+              <a:latin typeface="Segoe UI" panose="020B0502040204020203" pitchFamily="34" charset="0"/>
+              <a:cs typeface="Segoe UI" panose="020B0502040204020203" pitchFamily="34" charset="0"/>
+            </a:endParaRPr>
+          </a:p>
+          <a:p>
+            <a:pPr marL="0" indent="0">
+              <a:buNone/>
+            </a:pPr>
+            <a:r>
+              <a:rPr lang="en-US" sz="2200" dirty="0">
+                <a:latin typeface="Segoe UI" panose="020B0502040204020203" pitchFamily="34" charset="0"/>
+                <a:cs typeface="Segoe UI" panose="020B0502040204020203" pitchFamily="34" charset="0"/>
+              </a:rPr>
+              <a:t>If there is a clique of size k within G, it means that all vertices in the clique are connected to each other. Since E’ contains all edges</a:t>
+            </a:r>
+            <a:r>
+              <a:rPr lang="en-US" sz="2200" b="1" dirty="0">
+                <a:latin typeface="Segoe UI" panose="020B0502040204020203" pitchFamily="34" charset="0"/>
+                <a:cs typeface="Segoe UI" panose="020B0502040204020203" pitchFamily="34" charset="0"/>
+              </a:rPr>
+              <a:t> not</a:t>
+            </a:r>
+            <a:r>
+              <a:rPr lang="en-US" sz="2200" dirty="0">
+                <a:latin typeface="Segoe UI" panose="020B0502040204020203" pitchFamily="34" charset="0"/>
+                <a:cs typeface="Segoe UI" panose="020B0502040204020203" pitchFamily="34" charset="0"/>
+              </a:rPr>
+              <a:t> in G, the vertices of the clique form an independent set in G’ of size k.</a:t>
+            </a:r>
+          </a:p>
+        </p:txBody>
+      </p:sp>
+    </p:spTree>
+    <p:extLst>
+      <p:ext uri="{BB962C8B-B14F-4D97-AF65-F5344CB8AC3E}">
+        <p14:creationId xmlns:p14="http://schemas.microsoft.com/office/powerpoint/2010/main" val="2258896446"/>
+      </p:ext>
+    </p:extLst>
+  </p:cSld>
+  <p:clrMapOvr>
+    <a:masterClrMapping/>
+  </p:clrMapOvr>
+</p:sld>
+</file>
+
+<file path=ppt/slides/slide5.xml><?xml version="1.0" encoding="utf-8"?>
+<p:sld xmlns:a="http://schemas.openxmlformats.org/drawingml/2006/main" xmlns:r="http://schemas.openxmlformats.org/officeDocument/2006/relationships" xmlns:p="http://schemas.openxmlformats.org/presentationml/2006/main">
+  <p:cSld>
+    <p:spTree>
+      <p:nvGrpSpPr>
+        <p:cNvPr id="1" name=""/>
+        <p:cNvGrpSpPr/>
+        <p:nvPr/>
+      </p:nvGrpSpPr>
+      <p:grpSpPr>
+        <a:xfrm>
+          <a:off x="0" y="0"/>
+          <a:ext cx="0" cy="0"/>
+          <a:chOff x="0" y="0"/>
+          <a:chExt cx="0" cy="0"/>
+        </a:xfrm>
+      </p:grpSpPr>
+      <p:sp>
+        <p:nvSpPr>
+          <p:cNvPr id="2" name="Title 1">
+            <a:extLst>
+              <a:ext uri="{FF2B5EF4-FFF2-40B4-BE49-F238E27FC236}">
+                <a16:creationId xmlns:a16="http://schemas.microsoft.com/office/drawing/2014/main" id="{75945223-524E-48B9-BD6D-0AC5864ACD6D}"/>
+              </a:ext>
+            </a:extLst>
+          </p:cNvPr>
+          <p:cNvSpPr>
+            <a:spLocks noGrp="1"/>
+          </p:cNvSpPr>
+          <p:nvPr>
+            <p:ph type="title"/>
+          </p:nvPr>
+        </p:nvSpPr>
+        <p:spPr/>
+        <p:txBody>
+          <a:bodyPr/>
+          <a:lstStyle/>
+          <a:p>
+            <a:endParaRPr lang="hu-HU"/>
+          </a:p>
+        </p:txBody>
+      </p:sp>
+      <p:sp>
+        <p:nvSpPr>
+          <p:cNvPr id="3" name="Content Placeholder 2">
+            <a:extLst>
+              <a:ext uri="{FF2B5EF4-FFF2-40B4-BE49-F238E27FC236}">
+                <a16:creationId xmlns:a16="http://schemas.microsoft.com/office/drawing/2014/main" id="{92FE70CF-BF3D-45C2-841E-505E767264F7}"/>
+              </a:ext>
+            </a:extLst>
+          </p:cNvPr>
+          <p:cNvSpPr>
+            <a:spLocks noGrp="1"/>
+          </p:cNvSpPr>
+          <p:nvPr>
+            <p:ph idx="1"/>
+          </p:nvPr>
+        </p:nvSpPr>
+        <p:spPr/>
+        <p:txBody>
+          <a:bodyPr/>
+          <a:lstStyle/>
+          <a:p>
+            <a:endParaRPr lang="hu-HU" dirty="0"/>
+          </a:p>
+        </p:txBody>
+      </p:sp>
+      <p:pic>
+        <p:nvPicPr>
+          <p:cNvPr id="1026" name="Picture 2">
+            <a:hlinkClick r:id="rId2"/>
+            <a:extLst>
+              <a:ext uri="{FF2B5EF4-FFF2-40B4-BE49-F238E27FC236}">
+                <a16:creationId xmlns:a16="http://schemas.microsoft.com/office/drawing/2014/main" id="{59FE4712-79E6-4708-99C3-B512D1902022}"/>
+              </a:ext>
+            </a:extLst>
+          </p:cNvPr>
+          <p:cNvPicPr>
+            <a:picLocks noChangeAspect="1" noChangeArrowheads="1"/>
+          </p:cNvPicPr>
+          <p:nvPr/>
+        </p:nvPicPr>
+        <p:blipFill>
+          <a:blip r:embed="rId3">
+            <a:extLst>
+              <a:ext uri="{28A0092B-C50C-407E-A947-70E740481C1C}">
+                <a14:useLocalDpi xmlns:a14="http://schemas.microsoft.com/office/drawing/2010/main" val="0"/>
+              </a:ext>
+            </a:extLst>
+          </a:blip>
+          <a:srcRect/>
+          <a:stretch>
+            <a:fillRect/>
+          </a:stretch>
+        </p:blipFill>
+        <p:spPr bwMode="auto">
+          <a:xfrm>
+            <a:off x="4667250" y="2014538"/>
+            <a:ext cx="2857500" cy="2828925"/>
+          </a:xfrm>
+          <a:prstGeom prst="rect">
+            <a:avLst/>
+          </a:prstGeom>
+          <a:noFill/>
+          <a:extLst>
+            <a:ext uri="{909E8E84-426E-40DD-AFC4-6F175D3DCCD1}">
+              <a14:hiddenFill xmlns:a14="http://schemas.microsoft.com/office/drawing/2010/main">
+                <a:solidFill>
+                  <a:srgbClr val="FFFFFF"/>
+                </a:solidFill>
+              </a14:hiddenFill>
+            </a:ext>
+          </a:extLst>
+        </p:spPr>
+      </p:pic>
+    </p:spTree>
+    <p:extLst>
+      <p:ext uri="{BB962C8B-B14F-4D97-AF65-F5344CB8AC3E}">
+        <p14:creationId xmlns:p14="http://schemas.microsoft.com/office/powerpoint/2010/main" val="3175013801"/>
+      </p:ext>
+    </p:extLst>
+  </p:cSld>
+  <p:clrMapOvr>
+    <a:masterClrMapping/>
+  </p:clrMapOvr>
+</p:sld>
+</file>
+
 <file path=ppt/theme/theme1.xml><?xml version="1.0" encoding="utf-8"?>
 <a:theme xmlns:a="http://schemas.openxmlformats.org/drawingml/2006/main" name="Office Theme">
   <a:themeElements>

--- a/problem_presentation.pptx
+++ b/problem_presentation.pptx
@@ -9,7 +9,8 @@
     <p:sldId id="257" r:id="rId3"/>
     <p:sldId id="258" r:id="rId4"/>
     <p:sldId id="259" r:id="rId5"/>
-    <p:sldId id="260" r:id="rId6"/>
+    <p:sldId id="261" r:id="rId6"/>
+    <p:sldId id="260" r:id="rId7"/>
   </p:sldIdLst>
   <p:sldSz cx="12192000" cy="6858000"/>
   <p:notesSz cx="6858000" cy="9144000"/>
@@ -5138,7 +5139,7 @@
         </p:nvSpPr>
         <p:spPr>
           <a:xfrm>
-            <a:off x="838200" y="365125"/>
+            <a:off x="829408" y="365125"/>
             <a:ext cx="11256390" cy="1325563"/>
           </a:xfrm>
         </p:spPr>
@@ -5153,7 +5154,7 @@
                 <a:latin typeface="Segoe UI Semibold" panose="020B0702040204020203" pitchFamily="34" charset="0"/>
                 <a:cs typeface="Segoe UI Semibold" panose="020B0702040204020203" pitchFamily="34" charset="0"/>
               </a:rPr>
-              <a:t>Reduction</a:t>
+              <a:t>Reduction – Independent Set to Max Clique</a:t>
             </a:r>
             <a:endParaRPr lang="hu-HU" dirty="0">
               <a:latin typeface="Segoe UI Semibold" panose="020B0702040204020203" pitchFamily="34" charset="0"/>
@@ -5279,6 +5280,239 @@
                 <a:cs typeface="Segoe UI" panose="020B0502040204020203" pitchFamily="34" charset="0"/>
               </a:rPr>
               <a:t> in G, the vertices of the clique form an independent set in G’ of size k.</a:t>
+            </a:r>
+          </a:p>
+        </p:txBody>
+      </p:sp>
+      <p:sp>
+        <p:nvSpPr>
+          <p:cNvPr id="26" name="Content Placeholder 2">
+            <a:extLst>
+              <a:ext uri="{FF2B5EF4-FFF2-40B4-BE49-F238E27FC236}">
+                <a16:creationId xmlns:a16="http://schemas.microsoft.com/office/drawing/2014/main" id="{DE0B2EB6-4BEF-4850-8505-9DEB0098C408}"/>
+              </a:ext>
+            </a:extLst>
+          </p:cNvPr>
+          <p:cNvSpPr txBox="1">
+            <a:spLocks/>
+          </p:cNvSpPr>
+          <p:nvPr/>
+        </p:nvSpPr>
+        <p:spPr>
+          <a:xfrm>
+            <a:off x="7379676" y="1592689"/>
+            <a:ext cx="4481146" cy="4486275"/>
+          </a:xfrm>
+          <a:prstGeom prst="rect">
+            <a:avLst/>
+          </a:prstGeom>
+        </p:spPr>
+        <p:txBody>
+          <a:bodyPr vert="horz" lIns="91440" tIns="45720" rIns="91440" bIns="45720" rtlCol="0" anchor="ctr">
+            <a:normAutofit/>
+          </a:bodyPr>
+          <a:lstStyle>
+            <a:lvl1pPr marL="228600" indent="-228600" algn="l" defTabSz="914400" rtl="0" eaLnBrk="1" latinLnBrk="0" hangingPunct="1">
+              <a:lnSpc>
+                <a:spcPct val="90000"/>
+              </a:lnSpc>
+              <a:spcBef>
+                <a:spcPts val="1000"/>
+              </a:spcBef>
+              <a:buFont typeface="Arial" panose="020B0604020202020204" pitchFamily="34" charset="0"/>
+              <a:buChar char="•"/>
+              <a:defRPr sz="2800" kern="1200">
+                <a:solidFill>
+                  <a:schemeClr val="tx1"/>
+                </a:solidFill>
+                <a:latin typeface="+mn-lt"/>
+                <a:ea typeface="+mn-ea"/>
+                <a:cs typeface="+mn-cs"/>
+              </a:defRPr>
+            </a:lvl1pPr>
+            <a:lvl2pPr marL="685800" indent="-228600" algn="l" defTabSz="914400" rtl="0" eaLnBrk="1" latinLnBrk="0" hangingPunct="1">
+              <a:lnSpc>
+                <a:spcPct val="90000"/>
+              </a:lnSpc>
+              <a:spcBef>
+                <a:spcPts val="500"/>
+              </a:spcBef>
+              <a:buFont typeface="Arial" panose="020B0604020202020204" pitchFamily="34" charset="0"/>
+              <a:buChar char="•"/>
+              <a:defRPr sz="2400" kern="1200">
+                <a:solidFill>
+                  <a:schemeClr val="tx1"/>
+                </a:solidFill>
+                <a:latin typeface="+mn-lt"/>
+                <a:ea typeface="+mn-ea"/>
+                <a:cs typeface="+mn-cs"/>
+              </a:defRPr>
+            </a:lvl2pPr>
+            <a:lvl3pPr marL="1143000" indent="-228600" algn="l" defTabSz="914400" rtl="0" eaLnBrk="1" latinLnBrk="0" hangingPunct="1">
+              <a:lnSpc>
+                <a:spcPct val="90000"/>
+              </a:lnSpc>
+              <a:spcBef>
+                <a:spcPts val="500"/>
+              </a:spcBef>
+              <a:buFont typeface="Arial" panose="020B0604020202020204" pitchFamily="34" charset="0"/>
+              <a:buChar char="•"/>
+              <a:defRPr sz="2000" kern="1200">
+                <a:solidFill>
+                  <a:schemeClr val="tx1"/>
+                </a:solidFill>
+                <a:latin typeface="+mn-lt"/>
+                <a:ea typeface="+mn-ea"/>
+                <a:cs typeface="+mn-cs"/>
+              </a:defRPr>
+            </a:lvl3pPr>
+            <a:lvl4pPr marL="1600200" indent="-228600" algn="l" defTabSz="914400" rtl="0" eaLnBrk="1" latinLnBrk="0" hangingPunct="1">
+              <a:lnSpc>
+                <a:spcPct val="90000"/>
+              </a:lnSpc>
+              <a:spcBef>
+                <a:spcPts val="500"/>
+              </a:spcBef>
+              <a:buFont typeface="Arial" panose="020B0604020202020204" pitchFamily="34" charset="0"/>
+              <a:buChar char="•"/>
+              <a:defRPr sz="1800" kern="1200">
+                <a:solidFill>
+                  <a:schemeClr val="tx1"/>
+                </a:solidFill>
+                <a:latin typeface="+mn-lt"/>
+                <a:ea typeface="+mn-ea"/>
+                <a:cs typeface="+mn-cs"/>
+              </a:defRPr>
+            </a:lvl4pPr>
+            <a:lvl5pPr marL="2057400" indent="-228600" algn="l" defTabSz="914400" rtl="0" eaLnBrk="1" latinLnBrk="0" hangingPunct="1">
+              <a:lnSpc>
+                <a:spcPct val="90000"/>
+              </a:lnSpc>
+              <a:spcBef>
+                <a:spcPts val="500"/>
+              </a:spcBef>
+              <a:buFont typeface="Arial" panose="020B0604020202020204" pitchFamily="34" charset="0"/>
+              <a:buChar char="•"/>
+              <a:defRPr sz="1800" kern="1200">
+                <a:solidFill>
+                  <a:schemeClr val="tx1"/>
+                </a:solidFill>
+                <a:latin typeface="+mn-lt"/>
+                <a:ea typeface="+mn-ea"/>
+                <a:cs typeface="+mn-cs"/>
+              </a:defRPr>
+            </a:lvl5pPr>
+            <a:lvl6pPr marL="2514600" indent="-228600" algn="l" defTabSz="914400" rtl="0" eaLnBrk="1" latinLnBrk="0" hangingPunct="1">
+              <a:lnSpc>
+                <a:spcPct val="90000"/>
+              </a:lnSpc>
+              <a:spcBef>
+                <a:spcPts val="500"/>
+              </a:spcBef>
+              <a:buFont typeface="Arial" panose="020B0604020202020204" pitchFamily="34" charset="0"/>
+              <a:buChar char="•"/>
+              <a:defRPr sz="1800" kern="1200">
+                <a:solidFill>
+                  <a:schemeClr val="tx1"/>
+                </a:solidFill>
+                <a:latin typeface="+mn-lt"/>
+                <a:ea typeface="+mn-ea"/>
+                <a:cs typeface="+mn-cs"/>
+              </a:defRPr>
+            </a:lvl6pPr>
+            <a:lvl7pPr marL="2971800" indent="-228600" algn="l" defTabSz="914400" rtl="0" eaLnBrk="1" latinLnBrk="0" hangingPunct="1">
+              <a:lnSpc>
+                <a:spcPct val="90000"/>
+              </a:lnSpc>
+              <a:spcBef>
+                <a:spcPts val="500"/>
+              </a:spcBef>
+              <a:buFont typeface="Arial" panose="020B0604020202020204" pitchFamily="34" charset="0"/>
+              <a:buChar char="•"/>
+              <a:defRPr sz="1800" kern="1200">
+                <a:solidFill>
+                  <a:schemeClr val="tx1"/>
+                </a:solidFill>
+                <a:latin typeface="+mn-lt"/>
+                <a:ea typeface="+mn-ea"/>
+                <a:cs typeface="+mn-cs"/>
+              </a:defRPr>
+            </a:lvl7pPr>
+            <a:lvl8pPr marL="3429000" indent="-228600" algn="l" defTabSz="914400" rtl="0" eaLnBrk="1" latinLnBrk="0" hangingPunct="1">
+              <a:lnSpc>
+                <a:spcPct val="90000"/>
+              </a:lnSpc>
+              <a:spcBef>
+                <a:spcPts val="500"/>
+              </a:spcBef>
+              <a:buFont typeface="Arial" panose="020B0604020202020204" pitchFamily="34" charset="0"/>
+              <a:buChar char="•"/>
+              <a:defRPr sz="1800" kern="1200">
+                <a:solidFill>
+                  <a:schemeClr val="tx1"/>
+                </a:solidFill>
+                <a:latin typeface="+mn-lt"/>
+                <a:ea typeface="+mn-ea"/>
+                <a:cs typeface="+mn-cs"/>
+              </a:defRPr>
+            </a:lvl8pPr>
+            <a:lvl9pPr marL="3886200" indent="-228600" algn="l" defTabSz="914400" rtl="0" eaLnBrk="1" latinLnBrk="0" hangingPunct="1">
+              <a:lnSpc>
+                <a:spcPct val="90000"/>
+              </a:lnSpc>
+              <a:spcBef>
+                <a:spcPts val="500"/>
+              </a:spcBef>
+              <a:buFont typeface="Arial" panose="020B0604020202020204" pitchFamily="34" charset="0"/>
+              <a:buChar char="•"/>
+              <a:defRPr sz="1800" kern="1200">
+                <a:solidFill>
+                  <a:schemeClr val="tx1"/>
+                </a:solidFill>
+                <a:latin typeface="+mn-lt"/>
+                <a:ea typeface="+mn-ea"/>
+                <a:cs typeface="+mn-cs"/>
+              </a:defRPr>
+            </a:lvl9pPr>
+          </a:lstStyle>
+          <a:p>
+            <a:pPr marL="0" indent="0" algn="ctr">
+              <a:buFont typeface="Arial" panose="020B0604020202020204" pitchFamily="34" charset="0"/>
+              <a:buNone/>
+            </a:pPr>
+            <a:r>
+              <a:rPr lang="en-US" sz="2200" dirty="0">
+                <a:latin typeface="Segoe UI" panose="020B0502040204020203" pitchFamily="34" charset="0"/>
+                <a:cs typeface="Segoe UI" panose="020B0502040204020203" pitchFamily="34" charset="0"/>
+              </a:rPr>
+              <a:t>Since G’ can be constructed in polynomial time…</a:t>
+            </a:r>
+          </a:p>
+          <a:p>
+            <a:pPr marL="0" indent="0" algn="ctr">
+              <a:buFont typeface="Arial" panose="020B0604020202020204" pitchFamily="34" charset="0"/>
+              <a:buNone/>
+            </a:pPr>
+            <a:r>
+              <a:rPr lang="en-US" dirty="0">
+                <a:latin typeface="Segoe UI Semibold" panose="020B0702040204020203" pitchFamily="34" charset="0"/>
+                <a:cs typeface="Segoe UI Semibold" panose="020B0702040204020203" pitchFamily="34" charset="0"/>
+              </a:rPr>
+              <a:t>Independent Set ≤</a:t>
+            </a:r>
+            <a:r>
+              <a:rPr lang="en-US" baseline="-25000" dirty="0">
+                <a:latin typeface="Segoe UI Semibold" panose="020B0702040204020203" pitchFamily="34" charset="0"/>
+                <a:cs typeface="Segoe UI Semibold" panose="020B0702040204020203" pitchFamily="34" charset="0"/>
+              </a:rPr>
+              <a:t>P</a:t>
+            </a:r>
+            <a:r>
+              <a:rPr lang="en-US" dirty="0">
+                <a:latin typeface="Segoe UI Semibold" panose="020B0702040204020203" pitchFamily="34" charset="0"/>
+                <a:cs typeface="Segoe UI Semibold" panose="020B0702040204020203" pitchFamily="34" charset="0"/>
+              </a:rPr>
+              <a:t> Max Clique</a:t>
             </a:r>
           </a:p>
         </p:txBody>
@@ -5297,6 +5531,1263 @@
 </file>
 
 <file path=ppt/slides/slide5.xml><?xml version="1.0" encoding="utf-8"?>
+<p:sld xmlns:a="http://schemas.openxmlformats.org/drawingml/2006/main" xmlns:r="http://schemas.openxmlformats.org/officeDocument/2006/relationships" xmlns:p="http://schemas.openxmlformats.org/presentationml/2006/main">
+  <p:cSld>
+    <p:spTree>
+      <p:nvGrpSpPr>
+        <p:cNvPr id="1" name=""/>
+        <p:cNvGrpSpPr/>
+        <p:nvPr/>
+      </p:nvGrpSpPr>
+      <p:grpSpPr>
+        <a:xfrm>
+          <a:off x="0" y="0"/>
+          <a:ext cx="0" cy="0"/>
+          <a:chOff x="0" y="0"/>
+          <a:chExt cx="0" cy="0"/>
+        </a:xfrm>
+      </p:grpSpPr>
+      <p:sp>
+        <p:nvSpPr>
+          <p:cNvPr id="34" name="Title 1">
+            <a:extLst>
+              <a:ext uri="{FF2B5EF4-FFF2-40B4-BE49-F238E27FC236}">
+                <a16:creationId xmlns:a16="http://schemas.microsoft.com/office/drawing/2014/main" id="{4457CAC1-F202-46CC-8899-D651232B4A0B}"/>
+              </a:ext>
+            </a:extLst>
+          </p:cNvPr>
+          <p:cNvSpPr>
+            <a:spLocks noGrp="1"/>
+          </p:cNvSpPr>
+          <p:nvPr>
+            <p:ph type="title"/>
+          </p:nvPr>
+        </p:nvSpPr>
+        <p:spPr>
+          <a:xfrm>
+            <a:off x="8200286" y="1499836"/>
+            <a:ext cx="852298" cy="1325563"/>
+          </a:xfrm>
+        </p:spPr>
+        <p:txBody>
+          <a:bodyPr>
+            <a:normAutofit/>
+          </a:bodyPr>
+          <a:lstStyle/>
+          <a:p>
+            <a:pPr algn="ctr"/>
+            <a:r>
+              <a:rPr lang="en-US" dirty="0">
+                <a:latin typeface="Segoe UI Semibold" panose="020B0702040204020203" pitchFamily="34" charset="0"/>
+                <a:cs typeface="Segoe UI Semibold" panose="020B0702040204020203" pitchFamily="34" charset="0"/>
+              </a:rPr>
+              <a:t>G</a:t>
+            </a:r>
+            <a:endParaRPr lang="hu-HU" dirty="0">
+              <a:latin typeface="Segoe UI Semibold" panose="020B0702040204020203" pitchFamily="34" charset="0"/>
+              <a:cs typeface="Segoe UI Semibold" panose="020B0702040204020203" pitchFamily="34" charset="0"/>
+            </a:endParaRPr>
+          </a:p>
+        </p:txBody>
+      </p:sp>
+      <p:grpSp>
+        <p:nvGrpSpPr>
+          <p:cNvPr id="42" name="Group 41">
+            <a:extLst>
+              <a:ext uri="{FF2B5EF4-FFF2-40B4-BE49-F238E27FC236}">
+                <a16:creationId xmlns:a16="http://schemas.microsoft.com/office/drawing/2014/main" id="{B8FC6F31-CA8F-4C14-B22C-855486E20529}"/>
+              </a:ext>
+            </a:extLst>
+          </p:cNvPr>
+          <p:cNvGrpSpPr/>
+          <p:nvPr/>
+        </p:nvGrpSpPr>
+        <p:grpSpPr>
+          <a:xfrm>
+            <a:off x="7090261" y="2758444"/>
+            <a:ext cx="3072351" cy="2844812"/>
+            <a:chOff x="901217" y="1483566"/>
+            <a:chExt cx="3072351" cy="2844812"/>
+          </a:xfrm>
+        </p:grpSpPr>
+        <p:grpSp>
+          <p:nvGrpSpPr>
+            <p:cNvPr id="35" name="Group 34">
+              <a:extLst>
+                <a:ext uri="{FF2B5EF4-FFF2-40B4-BE49-F238E27FC236}">
+                  <a16:creationId xmlns:a16="http://schemas.microsoft.com/office/drawing/2014/main" id="{AB4B44CD-C6DF-4875-828B-7B0C9E8DB053}"/>
+                </a:ext>
+              </a:extLst>
+            </p:cNvPr>
+            <p:cNvGrpSpPr/>
+            <p:nvPr/>
+          </p:nvGrpSpPr>
+          <p:grpSpPr>
+            <a:xfrm>
+              <a:off x="901217" y="1483566"/>
+              <a:ext cx="3072351" cy="2844812"/>
+              <a:chOff x="901217" y="1483566"/>
+              <a:chExt cx="3072351" cy="2844812"/>
+            </a:xfrm>
+          </p:grpSpPr>
+          <p:sp>
+            <p:nvSpPr>
+              <p:cNvPr id="19" name="Oval 18">
+                <a:extLst>
+                  <a:ext uri="{FF2B5EF4-FFF2-40B4-BE49-F238E27FC236}">
+                    <a16:creationId xmlns:a16="http://schemas.microsoft.com/office/drawing/2014/main" id="{6332BC66-3FDD-4D80-A609-54411250E4A7}"/>
+                  </a:ext>
+                </a:extLst>
+              </p:cNvPr>
+              <p:cNvSpPr/>
+              <p:nvPr/>
+            </p:nvSpPr>
+            <p:spPr>
+              <a:xfrm>
+                <a:off x="901217" y="1483566"/>
+                <a:ext cx="914400" cy="914400"/>
+              </a:xfrm>
+              <a:prstGeom prst="ellipse">
+                <a:avLst/>
+              </a:prstGeom>
+              <a:solidFill>
+                <a:schemeClr val="bg1">
+                  <a:lumMod val="95000"/>
+                </a:schemeClr>
+              </a:solidFill>
+              <a:ln w="76200">
+                <a:solidFill>
+                  <a:srgbClr val="8409B5"/>
+                </a:solidFill>
+              </a:ln>
+            </p:spPr>
+            <p:style>
+              <a:lnRef idx="2">
+                <a:schemeClr val="accent1">
+                  <a:shade val="50000"/>
+                </a:schemeClr>
+              </a:lnRef>
+              <a:fillRef idx="1">
+                <a:schemeClr val="accent1"/>
+              </a:fillRef>
+              <a:effectRef idx="0">
+                <a:schemeClr val="accent1"/>
+              </a:effectRef>
+              <a:fontRef idx="minor">
+                <a:schemeClr val="lt1"/>
+              </a:fontRef>
+            </p:style>
+            <p:txBody>
+              <a:bodyPr rtlCol="0" anchor="ctr"/>
+              <a:lstStyle/>
+              <a:p>
+                <a:pPr algn="ctr"/>
+                <a:r>
+                  <a:rPr lang="en-US" sz="4000" dirty="0">
+                    <a:solidFill>
+                      <a:schemeClr val="tx1"/>
+                    </a:solidFill>
+                    <a:latin typeface="Segoe UI Semibold" panose="020B0702040204020203" pitchFamily="34" charset="0"/>
+                    <a:cs typeface="Segoe UI Semibold" panose="020B0702040204020203" pitchFamily="34" charset="0"/>
+                  </a:rPr>
+                  <a:t>A</a:t>
+                </a:r>
+                <a:endParaRPr lang="hu-HU" sz="4000" dirty="0">
+                  <a:solidFill>
+                    <a:schemeClr val="tx1"/>
+                  </a:solidFill>
+                  <a:latin typeface="Segoe UI Semibold" panose="020B0702040204020203" pitchFamily="34" charset="0"/>
+                  <a:cs typeface="Segoe UI Semibold" panose="020B0702040204020203" pitchFamily="34" charset="0"/>
+                </a:endParaRPr>
+              </a:p>
+            </p:txBody>
+          </p:sp>
+          <p:sp>
+            <p:nvSpPr>
+              <p:cNvPr id="20" name="Oval 19">
+                <a:extLst>
+                  <a:ext uri="{FF2B5EF4-FFF2-40B4-BE49-F238E27FC236}">
+                    <a16:creationId xmlns:a16="http://schemas.microsoft.com/office/drawing/2014/main" id="{4E72FF20-CC8E-48DA-AA04-E3DF5AA23B63}"/>
+                  </a:ext>
+                </a:extLst>
+              </p:cNvPr>
+              <p:cNvSpPr/>
+              <p:nvPr/>
+            </p:nvSpPr>
+            <p:spPr>
+              <a:xfrm>
+                <a:off x="3059168" y="1483566"/>
+                <a:ext cx="914400" cy="914400"/>
+              </a:xfrm>
+              <a:prstGeom prst="ellipse">
+                <a:avLst/>
+              </a:prstGeom>
+              <a:solidFill>
+                <a:schemeClr val="bg1">
+                  <a:lumMod val="95000"/>
+                </a:schemeClr>
+              </a:solidFill>
+              <a:ln w="76200">
+                <a:solidFill>
+                  <a:srgbClr val="8409B5"/>
+                </a:solidFill>
+              </a:ln>
+            </p:spPr>
+            <p:style>
+              <a:lnRef idx="2">
+                <a:schemeClr val="accent1">
+                  <a:shade val="50000"/>
+                </a:schemeClr>
+              </a:lnRef>
+              <a:fillRef idx="1">
+                <a:schemeClr val="accent1"/>
+              </a:fillRef>
+              <a:effectRef idx="0">
+                <a:schemeClr val="accent1"/>
+              </a:effectRef>
+              <a:fontRef idx="minor">
+                <a:schemeClr val="lt1"/>
+              </a:fontRef>
+            </p:style>
+            <p:txBody>
+              <a:bodyPr rtlCol="0" anchor="ctr"/>
+              <a:lstStyle/>
+              <a:p>
+                <a:pPr algn="ctr"/>
+                <a:r>
+                  <a:rPr lang="en-US" sz="4000" dirty="0">
+                    <a:solidFill>
+                      <a:schemeClr val="tx1"/>
+                    </a:solidFill>
+                    <a:latin typeface="Segoe UI Semibold" panose="020B0702040204020203" pitchFamily="34" charset="0"/>
+                    <a:cs typeface="Segoe UI Semibold" panose="020B0702040204020203" pitchFamily="34" charset="0"/>
+                  </a:rPr>
+                  <a:t>B</a:t>
+                </a:r>
+                <a:endParaRPr lang="hu-HU" sz="4000" dirty="0">
+                  <a:solidFill>
+                    <a:schemeClr val="tx1"/>
+                  </a:solidFill>
+                  <a:latin typeface="Segoe UI Semibold" panose="020B0702040204020203" pitchFamily="34" charset="0"/>
+                  <a:cs typeface="Segoe UI Semibold" panose="020B0702040204020203" pitchFamily="34" charset="0"/>
+                </a:endParaRPr>
+              </a:p>
+            </p:txBody>
+          </p:sp>
+          <p:sp>
+            <p:nvSpPr>
+              <p:cNvPr id="21" name="Oval 20">
+                <a:extLst>
+                  <a:ext uri="{FF2B5EF4-FFF2-40B4-BE49-F238E27FC236}">
+                    <a16:creationId xmlns:a16="http://schemas.microsoft.com/office/drawing/2014/main" id="{4270C8FA-CF44-4A4A-BADE-6F5321F7A1F3}"/>
+                  </a:ext>
+                </a:extLst>
+              </p:cNvPr>
+              <p:cNvSpPr/>
+              <p:nvPr/>
+            </p:nvSpPr>
+            <p:spPr>
+              <a:xfrm>
+                <a:off x="901217" y="3413978"/>
+                <a:ext cx="914400" cy="914400"/>
+              </a:xfrm>
+              <a:prstGeom prst="ellipse">
+                <a:avLst/>
+              </a:prstGeom>
+              <a:solidFill>
+                <a:schemeClr val="bg1">
+                  <a:lumMod val="95000"/>
+                </a:schemeClr>
+              </a:solidFill>
+              <a:ln w="76200">
+                <a:solidFill>
+                  <a:srgbClr val="8409B5"/>
+                </a:solidFill>
+              </a:ln>
+            </p:spPr>
+            <p:style>
+              <a:lnRef idx="2">
+                <a:schemeClr val="accent1">
+                  <a:shade val="50000"/>
+                </a:schemeClr>
+              </a:lnRef>
+              <a:fillRef idx="1">
+                <a:schemeClr val="accent1"/>
+              </a:fillRef>
+              <a:effectRef idx="0">
+                <a:schemeClr val="accent1"/>
+              </a:effectRef>
+              <a:fontRef idx="minor">
+                <a:schemeClr val="lt1"/>
+              </a:fontRef>
+            </p:style>
+            <p:txBody>
+              <a:bodyPr rtlCol="0" anchor="ctr"/>
+              <a:lstStyle/>
+              <a:p>
+                <a:pPr algn="ctr"/>
+                <a:r>
+                  <a:rPr lang="en-US" sz="4000" dirty="0">
+                    <a:solidFill>
+                      <a:schemeClr val="tx1"/>
+                    </a:solidFill>
+                    <a:latin typeface="Segoe UI Semibold" panose="020B0702040204020203" pitchFamily="34" charset="0"/>
+                    <a:cs typeface="Segoe UI Semibold" panose="020B0702040204020203" pitchFamily="34" charset="0"/>
+                  </a:rPr>
+                  <a:t>C</a:t>
+                </a:r>
+                <a:endParaRPr lang="hu-HU" sz="4000" dirty="0">
+                  <a:solidFill>
+                    <a:schemeClr val="tx1"/>
+                  </a:solidFill>
+                  <a:latin typeface="Segoe UI Semibold" panose="020B0702040204020203" pitchFamily="34" charset="0"/>
+                  <a:cs typeface="Segoe UI Semibold" panose="020B0702040204020203" pitchFamily="34" charset="0"/>
+                </a:endParaRPr>
+              </a:p>
+            </p:txBody>
+          </p:sp>
+          <p:sp>
+            <p:nvSpPr>
+              <p:cNvPr id="22" name="Oval 21">
+                <a:extLst>
+                  <a:ext uri="{FF2B5EF4-FFF2-40B4-BE49-F238E27FC236}">
+                    <a16:creationId xmlns:a16="http://schemas.microsoft.com/office/drawing/2014/main" id="{32D8EF98-E1F6-4B38-A8C0-495FB398E1C9}"/>
+                  </a:ext>
+                </a:extLst>
+              </p:cNvPr>
+              <p:cNvSpPr/>
+              <p:nvPr/>
+            </p:nvSpPr>
+            <p:spPr>
+              <a:xfrm>
+                <a:off x="3059168" y="3409081"/>
+                <a:ext cx="914400" cy="914400"/>
+              </a:xfrm>
+              <a:prstGeom prst="ellipse">
+                <a:avLst/>
+              </a:prstGeom>
+              <a:solidFill>
+                <a:schemeClr val="bg1">
+                  <a:lumMod val="95000"/>
+                </a:schemeClr>
+              </a:solidFill>
+              <a:ln w="76200">
+                <a:solidFill>
+                  <a:srgbClr val="8409B5"/>
+                </a:solidFill>
+              </a:ln>
+            </p:spPr>
+            <p:style>
+              <a:lnRef idx="2">
+                <a:schemeClr val="accent1">
+                  <a:shade val="50000"/>
+                </a:schemeClr>
+              </a:lnRef>
+              <a:fillRef idx="1">
+                <a:schemeClr val="accent1"/>
+              </a:fillRef>
+              <a:effectRef idx="0">
+                <a:schemeClr val="accent1"/>
+              </a:effectRef>
+              <a:fontRef idx="minor">
+                <a:schemeClr val="lt1"/>
+              </a:fontRef>
+            </p:style>
+            <p:txBody>
+              <a:bodyPr rtlCol="0" anchor="ctr"/>
+              <a:lstStyle/>
+              <a:p>
+                <a:pPr algn="ctr"/>
+                <a:r>
+                  <a:rPr lang="en-US" sz="4000" dirty="0">
+                    <a:solidFill>
+                      <a:schemeClr val="tx1"/>
+                    </a:solidFill>
+                    <a:latin typeface="Segoe UI Semibold" panose="020B0702040204020203" pitchFamily="34" charset="0"/>
+                    <a:cs typeface="Segoe UI Semibold" panose="020B0702040204020203" pitchFamily="34" charset="0"/>
+                  </a:rPr>
+                  <a:t>D</a:t>
+                </a:r>
+                <a:endParaRPr lang="hu-HU" sz="4000" dirty="0">
+                  <a:solidFill>
+                    <a:schemeClr val="tx1"/>
+                  </a:solidFill>
+                  <a:latin typeface="Segoe UI Semibold" panose="020B0702040204020203" pitchFamily="34" charset="0"/>
+                  <a:cs typeface="Segoe UI Semibold" panose="020B0702040204020203" pitchFamily="34" charset="0"/>
+                </a:endParaRPr>
+              </a:p>
+            </p:txBody>
+          </p:sp>
+        </p:grpSp>
+        <p:cxnSp>
+          <p:nvCxnSpPr>
+            <p:cNvPr id="24" name="Straight Connector 23">
+              <a:extLst>
+                <a:ext uri="{FF2B5EF4-FFF2-40B4-BE49-F238E27FC236}">
+                  <a16:creationId xmlns:a16="http://schemas.microsoft.com/office/drawing/2014/main" id="{226C8E1D-2E88-4500-9741-1E3D16312CD4}"/>
+                </a:ext>
+              </a:extLst>
+            </p:cNvPr>
+            <p:cNvCxnSpPr>
+              <a:stCxn id="19" idx="6"/>
+              <a:endCxn id="20" idx="2"/>
+            </p:cNvCxnSpPr>
+            <p:nvPr/>
+          </p:nvCxnSpPr>
+          <p:spPr>
+            <a:xfrm>
+              <a:off x="1815617" y="1940766"/>
+              <a:ext cx="1243551" cy="0"/>
+            </a:xfrm>
+            <a:prstGeom prst="line">
+              <a:avLst/>
+            </a:prstGeom>
+            <a:ln w="38100">
+              <a:solidFill>
+                <a:schemeClr val="tx1"/>
+              </a:solidFill>
+            </a:ln>
+          </p:spPr>
+          <p:style>
+            <a:lnRef idx="1">
+              <a:schemeClr val="accent1"/>
+            </a:lnRef>
+            <a:fillRef idx="0">
+              <a:schemeClr val="accent1"/>
+            </a:fillRef>
+            <a:effectRef idx="0">
+              <a:schemeClr val="accent1"/>
+            </a:effectRef>
+            <a:fontRef idx="minor">
+              <a:schemeClr val="tx1"/>
+            </a:fontRef>
+          </p:style>
+        </p:cxnSp>
+        <p:cxnSp>
+          <p:nvCxnSpPr>
+            <p:cNvPr id="25" name="Straight Connector 24">
+              <a:extLst>
+                <a:ext uri="{FF2B5EF4-FFF2-40B4-BE49-F238E27FC236}">
+                  <a16:creationId xmlns:a16="http://schemas.microsoft.com/office/drawing/2014/main" id="{5F60E8CC-5436-4422-B186-349911A589B6}"/>
+                </a:ext>
+              </a:extLst>
+            </p:cNvPr>
+            <p:cNvCxnSpPr>
+              <a:cxnSpLocks/>
+              <a:stCxn id="20" idx="4"/>
+              <a:endCxn id="22" idx="0"/>
+            </p:cNvCxnSpPr>
+            <p:nvPr/>
+          </p:nvCxnSpPr>
+          <p:spPr>
+            <a:xfrm>
+              <a:off x="3516368" y="2397966"/>
+              <a:ext cx="0" cy="1011115"/>
+            </a:xfrm>
+            <a:prstGeom prst="line">
+              <a:avLst/>
+            </a:prstGeom>
+            <a:ln w="38100">
+              <a:solidFill>
+                <a:schemeClr val="tx1"/>
+              </a:solidFill>
+            </a:ln>
+          </p:spPr>
+          <p:style>
+            <a:lnRef idx="1">
+              <a:schemeClr val="accent1"/>
+            </a:lnRef>
+            <a:fillRef idx="0">
+              <a:schemeClr val="accent1"/>
+            </a:fillRef>
+            <a:effectRef idx="0">
+              <a:schemeClr val="accent1"/>
+            </a:effectRef>
+            <a:fontRef idx="minor">
+              <a:schemeClr val="tx1"/>
+            </a:fontRef>
+          </p:style>
+        </p:cxnSp>
+        <p:cxnSp>
+          <p:nvCxnSpPr>
+            <p:cNvPr id="28" name="Straight Connector 27">
+              <a:extLst>
+                <a:ext uri="{FF2B5EF4-FFF2-40B4-BE49-F238E27FC236}">
+                  <a16:creationId xmlns:a16="http://schemas.microsoft.com/office/drawing/2014/main" id="{B2558A8A-8E8F-4443-A523-1806262B6238}"/>
+                </a:ext>
+              </a:extLst>
+            </p:cNvPr>
+            <p:cNvCxnSpPr>
+              <a:cxnSpLocks/>
+              <a:stCxn id="19" idx="4"/>
+              <a:endCxn id="21" idx="0"/>
+            </p:cNvCxnSpPr>
+            <p:nvPr/>
+          </p:nvCxnSpPr>
+          <p:spPr>
+            <a:xfrm>
+              <a:off x="1358417" y="2397966"/>
+              <a:ext cx="0" cy="1016012"/>
+            </a:xfrm>
+            <a:prstGeom prst="line">
+              <a:avLst/>
+            </a:prstGeom>
+            <a:ln w="38100">
+              <a:solidFill>
+                <a:schemeClr val="tx1"/>
+              </a:solidFill>
+            </a:ln>
+          </p:spPr>
+          <p:style>
+            <a:lnRef idx="1">
+              <a:schemeClr val="accent1"/>
+            </a:lnRef>
+            <a:fillRef idx="0">
+              <a:schemeClr val="accent1"/>
+            </a:fillRef>
+            <a:effectRef idx="0">
+              <a:schemeClr val="accent1"/>
+            </a:effectRef>
+            <a:fontRef idx="minor">
+              <a:schemeClr val="tx1"/>
+            </a:fontRef>
+          </p:style>
+        </p:cxnSp>
+        <p:cxnSp>
+          <p:nvCxnSpPr>
+            <p:cNvPr id="31" name="Straight Connector 30">
+              <a:extLst>
+                <a:ext uri="{FF2B5EF4-FFF2-40B4-BE49-F238E27FC236}">
+                  <a16:creationId xmlns:a16="http://schemas.microsoft.com/office/drawing/2014/main" id="{2CC09586-CC42-48C5-B981-58BE6CAD448C}"/>
+                </a:ext>
+              </a:extLst>
+            </p:cNvPr>
+            <p:cNvCxnSpPr>
+              <a:cxnSpLocks/>
+              <a:stCxn id="20" idx="3"/>
+              <a:endCxn id="21" idx="7"/>
+            </p:cNvCxnSpPr>
+            <p:nvPr/>
+          </p:nvCxnSpPr>
+          <p:spPr>
+            <a:xfrm flipH="1">
+              <a:off x="1681706" y="2264055"/>
+              <a:ext cx="1511373" cy="1283834"/>
+            </a:xfrm>
+            <a:prstGeom prst="line">
+              <a:avLst/>
+            </a:prstGeom>
+            <a:ln w="38100">
+              <a:solidFill>
+                <a:schemeClr val="tx1"/>
+              </a:solidFill>
+            </a:ln>
+          </p:spPr>
+          <p:style>
+            <a:lnRef idx="1">
+              <a:schemeClr val="accent1"/>
+            </a:lnRef>
+            <a:fillRef idx="0">
+              <a:schemeClr val="accent1"/>
+            </a:fillRef>
+            <a:effectRef idx="0">
+              <a:schemeClr val="accent1"/>
+            </a:effectRef>
+            <a:fontRef idx="minor">
+              <a:schemeClr val="tx1"/>
+            </a:fontRef>
+          </p:style>
+        </p:cxnSp>
+      </p:grpSp>
+      <p:sp>
+        <p:nvSpPr>
+          <p:cNvPr id="41" name="TextBox 40">
+            <a:extLst>
+              <a:ext uri="{FF2B5EF4-FFF2-40B4-BE49-F238E27FC236}">
+                <a16:creationId xmlns:a16="http://schemas.microsoft.com/office/drawing/2014/main" id="{B03141C3-0118-4F6B-AF07-FA85B79E6370}"/>
+              </a:ext>
+            </a:extLst>
+          </p:cNvPr>
+          <p:cNvSpPr txBox="1"/>
+          <p:nvPr/>
+        </p:nvSpPr>
+        <p:spPr>
+          <a:xfrm>
+            <a:off x="7731818" y="5833882"/>
+            <a:ext cx="1789235" cy="369332"/>
+          </a:xfrm>
+          <a:prstGeom prst="rect">
+            <a:avLst/>
+          </a:prstGeom>
+          <a:noFill/>
+        </p:spPr>
+        <p:txBody>
+          <a:bodyPr wrap="square" rtlCol="0">
+            <a:spAutoFit/>
+          </a:bodyPr>
+          <a:lstStyle/>
+          <a:p>
+            <a:r>
+              <a:rPr lang="en-US" dirty="0">
+                <a:latin typeface="Segoe UI" panose="020B0502040204020203" pitchFamily="34" charset="0"/>
+                <a:cs typeface="Segoe UI" panose="020B0502040204020203" pitchFamily="34" charset="0"/>
+              </a:rPr>
+              <a:t>Clique of size 3</a:t>
+            </a:r>
+            <a:endParaRPr lang="hu-HU" dirty="0">
+              <a:latin typeface="Segoe UI" panose="020B0502040204020203" pitchFamily="34" charset="0"/>
+              <a:cs typeface="Segoe UI" panose="020B0502040204020203" pitchFamily="34" charset="0"/>
+            </a:endParaRPr>
+          </a:p>
+        </p:txBody>
+      </p:sp>
+      <p:grpSp>
+        <p:nvGrpSpPr>
+          <p:cNvPr id="72" name="Group 71">
+            <a:extLst>
+              <a:ext uri="{FF2B5EF4-FFF2-40B4-BE49-F238E27FC236}">
+                <a16:creationId xmlns:a16="http://schemas.microsoft.com/office/drawing/2014/main" id="{CD3CCCFC-6290-4C60-ADF6-C0D9740AAB3C}"/>
+              </a:ext>
+            </a:extLst>
+          </p:cNvPr>
+          <p:cNvGrpSpPr/>
+          <p:nvPr/>
+        </p:nvGrpSpPr>
+        <p:grpSpPr>
+          <a:xfrm>
+            <a:off x="1737042" y="1441991"/>
+            <a:ext cx="3072351" cy="4703379"/>
+            <a:chOff x="7157216" y="1499836"/>
+            <a:chExt cx="3072351" cy="4703379"/>
+          </a:xfrm>
+        </p:grpSpPr>
+        <p:grpSp>
+          <p:nvGrpSpPr>
+            <p:cNvPr id="36" name="Group 35">
+              <a:extLst>
+                <a:ext uri="{FF2B5EF4-FFF2-40B4-BE49-F238E27FC236}">
+                  <a16:creationId xmlns:a16="http://schemas.microsoft.com/office/drawing/2014/main" id="{097BBBF0-B4CD-42AE-AA9C-E539EE3D6694}"/>
+                </a:ext>
+              </a:extLst>
+            </p:cNvPr>
+            <p:cNvGrpSpPr/>
+            <p:nvPr/>
+          </p:nvGrpSpPr>
+          <p:grpSpPr>
+            <a:xfrm>
+              <a:off x="7157216" y="2758445"/>
+              <a:ext cx="3072351" cy="2844812"/>
+              <a:chOff x="901217" y="1483566"/>
+              <a:chExt cx="3072351" cy="2844812"/>
+            </a:xfrm>
+          </p:grpSpPr>
+          <p:sp>
+            <p:nvSpPr>
+              <p:cNvPr id="37" name="Oval 36">
+                <a:extLst>
+                  <a:ext uri="{FF2B5EF4-FFF2-40B4-BE49-F238E27FC236}">
+                    <a16:creationId xmlns:a16="http://schemas.microsoft.com/office/drawing/2014/main" id="{840ECC40-BC9B-44D0-8D28-7703975AF75C}"/>
+                  </a:ext>
+                </a:extLst>
+              </p:cNvPr>
+              <p:cNvSpPr/>
+              <p:nvPr/>
+            </p:nvSpPr>
+            <p:spPr>
+              <a:xfrm>
+                <a:off x="901217" y="1483566"/>
+                <a:ext cx="914400" cy="914400"/>
+              </a:xfrm>
+              <a:prstGeom prst="ellipse">
+                <a:avLst/>
+              </a:prstGeom>
+              <a:solidFill>
+                <a:schemeClr val="bg1">
+                  <a:lumMod val="95000"/>
+                </a:schemeClr>
+              </a:solidFill>
+              <a:ln w="76200">
+                <a:solidFill>
+                  <a:srgbClr val="8409B5"/>
+                </a:solidFill>
+              </a:ln>
+            </p:spPr>
+            <p:style>
+              <a:lnRef idx="2">
+                <a:schemeClr val="accent1">
+                  <a:shade val="50000"/>
+                </a:schemeClr>
+              </a:lnRef>
+              <a:fillRef idx="1">
+                <a:schemeClr val="accent1"/>
+              </a:fillRef>
+              <a:effectRef idx="0">
+                <a:schemeClr val="accent1"/>
+              </a:effectRef>
+              <a:fontRef idx="minor">
+                <a:schemeClr val="lt1"/>
+              </a:fontRef>
+            </p:style>
+            <p:txBody>
+              <a:bodyPr rtlCol="0" anchor="ctr"/>
+              <a:lstStyle/>
+              <a:p>
+                <a:pPr algn="ctr"/>
+                <a:r>
+                  <a:rPr lang="en-US" sz="4000" dirty="0">
+                    <a:solidFill>
+                      <a:schemeClr val="tx1"/>
+                    </a:solidFill>
+                    <a:latin typeface="Segoe UI Semibold" panose="020B0702040204020203" pitchFamily="34" charset="0"/>
+                    <a:cs typeface="Segoe UI Semibold" panose="020B0702040204020203" pitchFamily="34" charset="0"/>
+                  </a:rPr>
+                  <a:t>A</a:t>
+                </a:r>
+                <a:endParaRPr lang="hu-HU" sz="4000" dirty="0">
+                  <a:solidFill>
+                    <a:schemeClr val="tx1"/>
+                  </a:solidFill>
+                  <a:latin typeface="Segoe UI Semibold" panose="020B0702040204020203" pitchFamily="34" charset="0"/>
+                  <a:cs typeface="Segoe UI Semibold" panose="020B0702040204020203" pitchFamily="34" charset="0"/>
+                </a:endParaRPr>
+              </a:p>
+            </p:txBody>
+          </p:sp>
+          <p:sp>
+            <p:nvSpPr>
+              <p:cNvPr id="38" name="Oval 37">
+                <a:extLst>
+                  <a:ext uri="{FF2B5EF4-FFF2-40B4-BE49-F238E27FC236}">
+                    <a16:creationId xmlns:a16="http://schemas.microsoft.com/office/drawing/2014/main" id="{5E639B1B-FD63-4FAA-999B-76EA1C74EB86}"/>
+                  </a:ext>
+                </a:extLst>
+              </p:cNvPr>
+              <p:cNvSpPr/>
+              <p:nvPr/>
+            </p:nvSpPr>
+            <p:spPr>
+              <a:xfrm>
+                <a:off x="3059168" y="1483566"/>
+                <a:ext cx="914400" cy="914400"/>
+              </a:xfrm>
+              <a:prstGeom prst="ellipse">
+                <a:avLst/>
+              </a:prstGeom>
+              <a:solidFill>
+                <a:schemeClr val="bg1">
+                  <a:lumMod val="95000"/>
+                </a:schemeClr>
+              </a:solidFill>
+              <a:ln w="76200">
+                <a:solidFill>
+                  <a:srgbClr val="8409B5"/>
+                </a:solidFill>
+              </a:ln>
+            </p:spPr>
+            <p:style>
+              <a:lnRef idx="2">
+                <a:schemeClr val="accent1">
+                  <a:shade val="50000"/>
+                </a:schemeClr>
+              </a:lnRef>
+              <a:fillRef idx="1">
+                <a:schemeClr val="accent1"/>
+              </a:fillRef>
+              <a:effectRef idx="0">
+                <a:schemeClr val="accent1"/>
+              </a:effectRef>
+              <a:fontRef idx="minor">
+                <a:schemeClr val="lt1"/>
+              </a:fontRef>
+            </p:style>
+            <p:txBody>
+              <a:bodyPr rtlCol="0" anchor="ctr"/>
+              <a:lstStyle/>
+              <a:p>
+                <a:pPr algn="ctr"/>
+                <a:r>
+                  <a:rPr lang="en-US" sz="4000" dirty="0">
+                    <a:solidFill>
+                      <a:schemeClr val="tx1"/>
+                    </a:solidFill>
+                    <a:latin typeface="Segoe UI Semibold" panose="020B0702040204020203" pitchFamily="34" charset="0"/>
+                    <a:cs typeface="Segoe UI Semibold" panose="020B0702040204020203" pitchFamily="34" charset="0"/>
+                  </a:rPr>
+                  <a:t>B</a:t>
+                </a:r>
+                <a:endParaRPr lang="hu-HU" sz="4000" dirty="0">
+                  <a:solidFill>
+                    <a:schemeClr val="tx1"/>
+                  </a:solidFill>
+                  <a:latin typeface="Segoe UI Semibold" panose="020B0702040204020203" pitchFamily="34" charset="0"/>
+                  <a:cs typeface="Segoe UI Semibold" panose="020B0702040204020203" pitchFamily="34" charset="0"/>
+                </a:endParaRPr>
+              </a:p>
+            </p:txBody>
+          </p:sp>
+          <p:sp>
+            <p:nvSpPr>
+              <p:cNvPr id="39" name="Oval 38">
+                <a:extLst>
+                  <a:ext uri="{FF2B5EF4-FFF2-40B4-BE49-F238E27FC236}">
+                    <a16:creationId xmlns:a16="http://schemas.microsoft.com/office/drawing/2014/main" id="{0615CD48-1046-4A9C-B556-1373D9CDF6B5}"/>
+                  </a:ext>
+                </a:extLst>
+              </p:cNvPr>
+              <p:cNvSpPr/>
+              <p:nvPr/>
+            </p:nvSpPr>
+            <p:spPr>
+              <a:xfrm>
+                <a:off x="901217" y="3413978"/>
+                <a:ext cx="914400" cy="914400"/>
+              </a:xfrm>
+              <a:prstGeom prst="ellipse">
+                <a:avLst/>
+              </a:prstGeom>
+              <a:solidFill>
+                <a:schemeClr val="bg1">
+                  <a:lumMod val="95000"/>
+                </a:schemeClr>
+              </a:solidFill>
+              <a:ln w="76200">
+                <a:solidFill>
+                  <a:srgbClr val="8409B5"/>
+                </a:solidFill>
+              </a:ln>
+            </p:spPr>
+            <p:style>
+              <a:lnRef idx="2">
+                <a:schemeClr val="accent1">
+                  <a:shade val="50000"/>
+                </a:schemeClr>
+              </a:lnRef>
+              <a:fillRef idx="1">
+                <a:schemeClr val="accent1"/>
+              </a:fillRef>
+              <a:effectRef idx="0">
+                <a:schemeClr val="accent1"/>
+              </a:effectRef>
+              <a:fontRef idx="minor">
+                <a:schemeClr val="lt1"/>
+              </a:fontRef>
+            </p:style>
+            <p:txBody>
+              <a:bodyPr rtlCol="0" anchor="ctr"/>
+              <a:lstStyle/>
+              <a:p>
+                <a:pPr algn="ctr"/>
+                <a:r>
+                  <a:rPr lang="en-US" sz="4000" dirty="0">
+                    <a:solidFill>
+                      <a:schemeClr val="tx1"/>
+                    </a:solidFill>
+                    <a:latin typeface="Segoe UI Semibold" panose="020B0702040204020203" pitchFamily="34" charset="0"/>
+                    <a:cs typeface="Segoe UI Semibold" panose="020B0702040204020203" pitchFamily="34" charset="0"/>
+                  </a:rPr>
+                  <a:t>C</a:t>
+                </a:r>
+                <a:endParaRPr lang="hu-HU" sz="4000" dirty="0">
+                  <a:solidFill>
+                    <a:schemeClr val="tx1"/>
+                  </a:solidFill>
+                  <a:latin typeface="Segoe UI Semibold" panose="020B0702040204020203" pitchFamily="34" charset="0"/>
+                  <a:cs typeface="Segoe UI Semibold" panose="020B0702040204020203" pitchFamily="34" charset="0"/>
+                </a:endParaRPr>
+              </a:p>
+            </p:txBody>
+          </p:sp>
+          <p:sp>
+            <p:nvSpPr>
+              <p:cNvPr id="40" name="Oval 39">
+                <a:extLst>
+                  <a:ext uri="{FF2B5EF4-FFF2-40B4-BE49-F238E27FC236}">
+                    <a16:creationId xmlns:a16="http://schemas.microsoft.com/office/drawing/2014/main" id="{5D0A987D-991A-4253-A62A-9C736E3C3882}"/>
+                  </a:ext>
+                </a:extLst>
+              </p:cNvPr>
+              <p:cNvSpPr/>
+              <p:nvPr/>
+            </p:nvSpPr>
+            <p:spPr>
+              <a:xfrm>
+                <a:off x="3059168" y="3409081"/>
+                <a:ext cx="914400" cy="914400"/>
+              </a:xfrm>
+              <a:prstGeom prst="ellipse">
+                <a:avLst/>
+              </a:prstGeom>
+              <a:solidFill>
+                <a:schemeClr val="bg1">
+                  <a:lumMod val="95000"/>
+                </a:schemeClr>
+              </a:solidFill>
+              <a:ln w="76200">
+                <a:solidFill>
+                  <a:srgbClr val="8409B5"/>
+                </a:solidFill>
+              </a:ln>
+            </p:spPr>
+            <p:style>
+              <a:lnRef idx="2">
+                <a:schemeClr val="accent1">
+                  <a:shade val="50000"/>
+                </a:schemeClr>
+              </a:lnRef>
+              <a:fillRef idx="1">
+                <a:schemeClr val="accent1"/>
+              </a:fillRef>
+              <a:effectRef idx="0">
+                <a:schemeClr val="accent1"/>
+              </a:effectRef>
+              <a:fontRef idx="minor">
+                <a:schemeClr val="lt1"/>
+              </a:fontRef>
+            </p:style>
+            <p:txBody>
+              <a:bodyPr rtlCol="0" anchor="ctr"/>
+              <a:lstStyle/>
+              <a:p>
+                <a:pPr algn="ctr"/>
+                <a:r>
+                  <a:rPr lang="en-US" sz="4000" dirty="0">
+                    <a:solidFill>
+                      <a:schemeClr val="tx1"/>
+                    </a:solidFill>
+                    <a:latin typeface="Segoe UI Semibold" panose="020B0702040204020203" pitchFamily="34" charset="0"/>
+                    <a:cs typeface="Segoe UI Semibold" panose="020B0702040204020203" pitchFamily="34" charset="0"/>
+                  </a:rPr>
+                  <a:t>D</a:t>
+                </a:r>
+                <a:endParaRPr lang="hu-HU" sz="4000" dirty="0">
+                  <a:solidFill>
+                    <a:schemeClr val="tx1"/>
+                  </a:solidFill>
+                  <a:latin typeface="Segoe UI Semibold" panose="020B0702040204020203" pitchFamily="34" charset="0"/>
+                  <a:cs typeface="Segoe UI Semibold" panose="020B0702040204020203" pitchFamily="34" charset="0"/>
+                </a:endParaRPr>
+              </a:p>
+            </p:txBody>
+          </p:sp>
+        </p:grpSp>
+        <p:sp>
+          <p:nvSpPr>
+            <p:cNvPr id="44" name="Title 1">
+              <a:extLst>
+                <a:ext uri="{FF2B5EF4-FFF2-40B4-BE49-F238E27FC236}">
+                  <a16:creationId xmlns:a16="http://schemas.microsoft.com/office/drawing/2014/main" id="{3D548C4F-C0D6-41ED-8E6C-0842DA7564B6}"/>
+                </a:ext>
+              </a:extLst>
+            </p:cNvPr>
+            <p:cNvSpPr txBox="1">
+              <a:spLocks/>
+            </p:cNvSpPr>
+            <p:nvPr/>
+          </p:nvSpPr>
+          <p:spPr>
+            <a:xfrm>
+              <a:off x="8267242" y="1499836"/>
+              <a:ext cx="852298" cy="1325563"/>
+            </a:xfrm>
+            <a:prstGeom prst="rect">
+              <a:avLst/>
+            </a:prstGeom>
+          </p:spPr>
+          <p:txBody>
+            <a:bodyPr vert="horz" lIns="91440" tIns="45720" rIns="91440" bIns="45720" rtlCol="0" anchor="ctr">
+              <a:normAutofit/>
+            </a:bodyPr>
+            <a:lstStyle>
+              <a:lvl1pPr algn="l" defTabSz="914400" rtl="0" eaLnBrk="1" latinLnBrk="0" hangingPunct="1">
+                <a:lnSpc>
+                  <a:spcPct val="90000"/>
+                </a:lnSpc>
+                <a:spcBef>
+                  <a:spcPct val="0"/>
+                </a:spcBef>
+                <a:buNone/>
+                <a:defRPr sz="4400" kern="1200">
+                  <a:solidFill>
+                    <a:schemeClr val="tx1"/>
+                  </a:solidFill>
+                  <a:latin typeface="+mj-lt"/>
+                  <a:ea typeface="+mj-ea"/>
+                  <a:cs typeface="+mj-cs"/>
+                </a:defRPr>
+              </a:lvl1pPr>
+            </a:lstStyle>
+            <a:p>
+              <a:pPr algn="ctr"/>
+              <a:r>
+                <a:rPr lang="en-US" dirty="0">
+                  <a:latin typeface="Segoe UI Semibold" panose="020B0702040204020203" pitchFamily="34" charset="0"/>
+                  <a:cs typeface="Segoe UI Semibold" panose="020B0702040204020203" pitchFamily="34" charset="0"/>
+                </a:rPr>
+                <a:t>G’</a:t>
+              </a:r>
+              <a:endParaRPr lang="hu-HU" dirty="0">
+                <a:latin typeface="Segoe UI Semibold" panose="020B0702040204020203" pitchFamily="34" charset="0"/>
+                <a:cs typeface="Segoe UI Semibold" panose="020B0702040204020203" pitchFamily="34" charset="0"/>
+              </a:endParaRPr>
+            </a:p>
+          </p:txBody>
+        </p:sp>
+        <p:sp>
+          <p:nvSpPr>
+            <p:cNvPr id="54" name="TextBox 53">
+              <a:extLst>
+                <a:ext uri="{FF2B5EF4-FFF2-40B4-BE49-F238E27FC236}">
+                  <a16:creationId xmlns:a16="http://schemas.microsoft.com/office/drawing/2014/main" id="{62DE3B12-E622-410B-AA8E-BDB6D352AACA}"/>
+                </a:ext>
+              </a:extLst>
+            </p:cNvPr>
+            <p:cNvSpPr txBox="1"/>
+            <p:nvPr/>
+          </p:nvSpPr>
+          <p:spPr>
+            <a:xfrm>
+              <a:off x="7242660" y="5833883"/>
+              <a:ext cx="2901462" cy="369332"/>
+            </a:xfrm>
+            <a:prstGeom prst="rect">
+              <a:avLst/>
+            </a:prstGeom>
+            <a:noFill/>
+          </p:spPr>
+          <p:txBody>
+            <a:bodyPr wrap="square" rtlCol="0">
+              <a:spAutoFit/>
+            </a:bodyPr>
+            <a:lstStyle/>
+            <a:p>
+              <a:pPr algn="ctr"/>
+              <a:r>
+                <a:rPr lang="en-US" dirty="0">
+                  <a:latin typeface="Segoe UI" panose="020B0502040204020203" pitchFamily="34" charset="0"/>
+                  <a:cs typeface="Segoe UI" panose="020B0502040204020203" pitchFamily="34" charset="0"/>
+                </a:rPr>
+                <a:t>Independent Set of size 3</a:t>
+              </a:r>
+              <a:endParaRPr lang="hu-HU" dirty="0">
+                <a:latin typeface="Segoe UI" panose="020B0502040204020203" pitchFamily="34" charset="0"/>
+                <a:cs typeface="Segoe UI" panose="020B0502040204020203" pitchFamily="34" charset="0"/>
+              </a:endParaRPr>
+            </a:p>
+          </p:txBody>
+        </p:sp>
+      </p:grpSp>
+      <p:cxnSp>
+        <p:nvCxnSpPr>
+          <p:cNvPr id="47" name="Straight Connector 46">
+            <a:extLst>
+              <a:ext uri="{FF2B5EF4-FFF2-40B4-BE49-F238E27FC236}">
+                <a16:creationId xmlns:a16="http://schemas.microsoft.com/office/drawing/2014/main" id="{2DE40938-A72F-4B06-8004-D06EDF753498}"/>
+              </a:ext>
+            </a:extLst>
+          </p:cNvPr>
+          <p:cNvCxnSpPr>
+            <a:cxnSpLocks/>
+            <a:stCxn id="37" idx="5"/>
+            <a:endCxn id="40" idx="1"/>
+          </p:cNvCxnSpPr>
+          <p:nvPr/>
+        </p:nvCxnSpPr>
+        <p:spPr>
+          <a:xfrm>
+            <a:off x="2517531" y="3481089"/>
+            <a:ext cx="1511373" cy="1278937"/>
+          </a:xfrm>
+          <a:prstGeom prst="line">
+            <a:avLst/>
+          </a:prstGeom>
+          <a:ln w="38100">
+            <a:solidFill>
+              <a:schemeClr val="tx1"/>
+            </a:solidFill>
+          </a:ln>
+        </p:spPr>
+        <p:style>
+          <a:lnRef idx="1">
+            <a:schemeClr val="accent1"/>
+          </a:lnRef>
+          <a:fillRef idx="0">
+            <a:schemeClr val="accent1"/>
+          </a:fillRef>
+          <a:effectRef idx="0">
+            <a:schemeClr val="accent1"/>
+          </a:effectRef>
+          <a:fontRef idx="minor">
+            <a:schemeClr val="tx1"/>
+          </a:fontRef>
+        </p:style>
+      </p:cxnSp>
+      <p:cxnSp>
+        <p:nvCxnSpPr>
+          <p:cNvPr id="51" name="Straight Connector 50">
+            <a:extLst>
+              <a:ext uri="{FF2B5EF4-FFF2-40B4-BE49-F238E27FC236}">
+                <a16:creationId xmlns:a16="http://schemas.microsoft.com/office/drawing/2014/main" id="{26E94EE9-B646-48B7-A0E2-2BACA374A6DA}"/>
+              </a:ext>
+            </a:extLst>
+          </p:cNvPr>
+          <p:cNvCxnSpPr>
+            <a:cxnSpLocks/>
+            <a:stCxn id="39" idx="6"/>
+            <a:endCxn id="40" idx="2"/>
+          </p:cNvCxnSpPr>
+          <p:nvPr/>
+        </p:nvCxnSpPr>
+        <p:spPr>
+          <a:xfrm flipV="1">
+            <a:off x="2651442" y="5083315"/>
+            <a:ext cx="1243551" cy="4897"/>
+          </a:xfrm>
+          <a:prstGeom prst="line">
+            <a:avLst/>
+          </a:prstGeom>
+          <a:ln w="38100">
+            <a:solidFill>
+              <a:schemeClr val="tx1"/>
+            </a:solidFill>
+          </a:ln>
+        </p:spPr>
+        <p:style>
+          <a:lnRef idx="1">
+            <a:schemeClr val="accent1"/>
+          </a:lnRef>
+          <a:fillRef idx="0">
+            <a:schemeClr val="accent1"/>
+          </a:fillRef>
+          <a:effectRef idx="0">
+            <a:schemeClr val="accent1"/>
+          </a:effectRef>
+          <a:fontRef idx="minor">
+            <a:schemeClr val="tx1"/>
+          </a:fontRef>
+        </p:style>
+      </p:cxnSp>
+      <p:sp>
+        <p:nvSpPr>
+          <p:cNvPr id="70" name="Title 1">
+            <a:extLst>
+              <a:ext uri="{FF2B5EF4-FFF2-40B4-BE49-F238E27FC236}">
+                <a16:creationId xmlns:a16="http://schemas.microsoft.com/office/drawing/2014/main" id="{01537E7E-5393-48CC-93CE-167DE0E00E97}"/>
+              </a:ext>
+            </a:extLst>
+          </p:cNvPr>
+          <p:cNvSpPr txBox="1">
+            <a:spLocks/>
+          </p:cNvSpPr>
+          <p:nvPr/>
+        </p:nvSpPr>
+        <p:spPr>
+          <a:xfrm>
+            <a:off x="829408" y="365125"/>
+            <a:ext cx="11256390" cy="1325563"/>
+          </a:xfrm>
+          <a:prstGeom prst="rect">
+            <a:avLst/>
+          </a:prstGeom>
+        </p:spPr>
+        <p:txBody>
+          <a:bodyPr vert="horz" lIns="91440" tIns="45720" rIns="91440" bIns="45720" rtlCol="0" anchor="ctr">
+            <a:normAutofit/>
+          </a:bodyPr>
+          <a:lstStyle>
+            <a:lvl1pPr algn="l" defTabSz="914400" rtl="0" eaLnBrk="1" latinLnBrk="0" hangingPunct="1">
+              <a:lnSpc>
+                <a:spcPct val="90000"/>
+              </a:lnSpc>
+              <a:spcBef>
+                <a:spcPct val="0"/>
+              </a:spcBef>
+              <a:buNone/>
+              <a:defRPr sz="4400" kern="1200">
+                <a:solidFill>
+                  <a:schemeClr val="tx1"/>
+                </a:solidFill>
+                <a:latin typeface="+mj-lt"/>
+                <a:ea typeface="+mj-ea"/>
+                <a:cs typeface="+mj-cs"/>
+              </a:defRPr>
+            </a:lvl1pPr>
+          </a:lstStyle>
+          <a:p>
+            <a:r>
+              <a:rPr lang="en-US" dirty="0">
+                <a:latin typeface="Segoe UI Semibold" panose="020B0702040204020203" pitchFamily="34" charset="0"/>
+                <a:cs typeface="Segoe UI Semibold" panose="020B0702040204020203" pitchFamily="34" charset="0"/>
+              </a:rPr>
+              <a:t>Reduction – Independent Set to Max Clique</a:t>
+            </a:r>
+            <a:endParaRPr lang="hu-HU" dirty="0">
+              <a:latin typeface="Segoe UI Semibold" panose="020B0702040204020203" pitchFamily="34" charset="0"/>
+              <a:cs typeface="Segoe UI Semibold" panose="020B0702040204020203" pitchFamily="34" charset="0"/>
+            </a:endParaRPr>
+          </a:p>
+        </p:txBody>
+      </p:sp>
+      <p:sp>
+        <p:nvSpPr>
+          <p:cNvPr id="71" name="TextBox 70">
+            <a:extLst>
+              <a:ext uri="{FF2B5EF4-FFF2-40B4-BE49-F238E27FC236}">
+                <a16:creationId xmlns:a16="http://schemas.microsoft.com/office/drawing/2014/main" id="{D2F8EE60-0174-4F8A-88DB-7205946ACD15}"/>
+              </a:ext>
+            </a:extLst>
+          </p:cNvPr>
+          <p:cNvSpPr txBox="1"/>
+          <p:nvPr/>
+        </p:nvSpPr>
+        <p:spPr>
+          <a:xfrm>
+            <a:off x="5723793" y="3793681"/>
+            <a:ext cx="901211" cy="769441"/>
+          </a:xfrm>
+          <a:prstGeom prst="rect">
+            <a:avLst/>
+          </a:prstGeom>
+          <a:noFill/>
+        </p:spPr>
+        <p:txBody>
+          <a:bodyPr wrap="square" rtlCol="0">
+            <a:spAutoFit/>
+          </a:bodyPr>
+          <a:lstStyle/>
+          <a:p>
+            <a:pPr algn="ctr"/>
+            <a:r>
+              <a:rPr lang="en-US" sz="4400" dirty="0">
+                <a:latin typeface="Segoe UI Semibold" panose="020B0702040204020203" pitchFamily="34" charset="0"/>
+                <a:cs typeface="Segoe UI Semibold" panose="020B0702040204020203" pitchFamily="34" charset="0"/>
+              </a:rPr>
+              <a:t>≤</a:t>
+            </a:r>
+            <a:r>
+              <a:rPr lang="en-US" sz="4400" baseline="-25000" dirty="0">
+                <a:latin typeface="Segoe UI Semibold" panose="020B0702040204020203" pitchFamily="34" charset="0"/>
+                <a:cs typeface="Segoe UI Semibold" panose="020B0702040204020203" pitchFamily="34" charset="0"/>
+              </a:rPr>
+              <a:t>P</a:t>
+            </a:r>
+            <a:endParaRPr lang="hu-HU" sz="4400" dirty="0"/>
+          </a:p>
+        </p:txBody>
+      </p:sp>
+    </p:spTree>
+    <p:extLst>
+      <p:ext uri="{BB962C8B-B14F-4D97-AF65-F5344CB8AC3E}">
+        <p14:creationId xmlns:p14="http://schemas.microsoft.com/office/powerpoint/2010/main" val="153378656"/>
+      </p:ext>
+    </p:extLst>
+  </p:cSld>
+  <p:clrMapOvr>
+    <a:masterClrMapping/>
+  </p:clrMapOvr>
+</p:sld>
+</file>
+
+<file path=ppt/slides/slide6.xml><?xml version="1.0" encoding="utf-8"?>
 <p:sld xmlns:a="http://schemas.openxmlformats.org/drawingml/2006/main" xmlns:r="http://schemas.openxmlformats.org/officeDocument/2006/relationships" xmlns:p="http://schemas.openxmlformats.org/presentationml/2006/main">
   <p:cSld>
     <p:spTree>

--- a/problem_presentation.pptx
+++ b/problem_presentation.pptx
@@ -10,7 +10,10 @@
     <p:sldId id="258" r:id="rId4"/>
     <p:sldId id="259" r:id="rId5"/>
     <p:sldId id="261" r:id="rId6"/>
-    <p:sldId id="260" r:id="rId7"/>
+    <p:sldId id="262" r:id="rId7"/>
+    <p:sldId id="263" r:id="rId8"/>
+    <p:sldId id="264" r:id="rId9"/>
+    <p:sldId id="260" r:id="rId10"/>
   </p:sldIdLst>
   <p:sldSz cx="12192000" cy="6858000"/>
   <p:notesSz cx="6858000" cy="9144000"/>
@@ -266,7 +269,7 @@
           <a:p>
             <a:fld id="{7E5A36A6-AF8C-4D74-B4ED-EE1D5753B021}" type="datetimeFigureOut">
               <a:rPr lang="hu-HU" smtClean="0"/>
-              <a:t>2022. 04. 27.</a:t>
+              <a:t>2022. 04. 29.</a:t>
             </a:fld>
             <a:endParaRPr lang="hu-HU"/>
           </a:p>
@@ -466,7 +469,7 @@
           <a:p>
             <a:fld id="{7E5A36A6-AF8C-4D74-B4ED-EE1D5753B021}" type="datetimeFigureOut">
               <a:rPr lang="hu-HU" smtClean="0"/>
-              <a:t>2022. 04. 27.</a:t>
+              <a:t>2022. 04. 29.</a:t>
             </a:fld>
             <a:endParaRPr lang="hu-HU"/>
           </a:p>
@@ -676,7 +679,7 @@
           <a:p>
             <a:fld id="{7E5A36A6-AF8C-4D74-B4ED-EE1D5753B021}" type="datetimeFigureOut">
               <a:rPr lang="hu-HU" smtClean="0"/>
-              <a:t>2022. 04. 27.</a:t>
+              <a:t>2022. 04. 29.</a:t>
             </a:fld>
             <a:endParaRPr lang="hu-HU"/>
           </a:p>
@@ -876,7 +879,7 @@
           <a:p>
             <a:fld id="{7E5A36A6-AF8C-4D74-B4ED-EE1D5753B021}" type="datetimeFigureOut">
               <a:rPr lang="hu-HU" smtClean="0"/>
-              <a:t>2022. 04. 27.</a:t>
+              <a:t>2022. 04. 29.</a:t>
             </a:fld>
             <a:endParaRPr lang="hu-HU"/>
           </a:p>
@@ -1152,7 +1155,7 @@
           <a:p>
             <a:fld id="{7E5A36A6-AF8C-4D74-B4ED-EE1D5753B021}" type="datetimeFigureOut">
               <a:rPr lang="hu-HU" smtClean="0"/>
-              <a:t>2022. 04. 27.</a:t>
+              <a:t>2022. 04. 29.</a:t>
             </a:fld>
             <a:endParaRPr lang="hu-HU"/>
           </a:p>
@@ -1420,7 +1423,7 @@
           <a:p>
             <a:fld id="{7E5A36A6-AF8C-4D74-B4ED-EE1D5753B021}" type="datetimeFigureOut">
               <a:rPr lang="hu-HU" smtClean="0"/>
-              <a:t>2022. 04. 27.</a:t>
+              <a:t>2022. 04. 29.</a:t>
             </a:fld>
             <a:endParaRPr lang="hu-HU"/>
           </a:p>
@@ -1835,7 +1838,7 @@
           <a:p>
             <a:fld id="{7E5A36A6-AF8C-4D74-B4ED-EE1D5753B021}" type="datetimeFigureOut">
               <a:rPr lang="hu-HU" smtClean="0"/>
-              <a:t>2022. 04. 27.</a:t>
+              <a:t>2022. 04. 29.</a:t>
             </a:fld>
             <a:endParaRPr lang="hu-HU"/>
           </a:p>
@@ -1977,7 +1980,7 @@
           <a:p>
             <a:fld id="{7E5A36A6-AF8C-4D74-B4ED-EE1D5753B021}" type="datetimeFigureOut">
               <a:rPr lang="hu-HU" smtClean="0"/>
-              <a:t>2022. 04. 27.</a:t>
+              <a:t>2022. 04. 29.</a:t>
             </a:fld>
             <a:endParaRPr lang="hu-HU"/>
           </a:p>
@@ -2090,7 +2093,7 @@
           <a:p>
             <a:fld id="{7E5A36A6-AF8C-4D74-B4ED-EE1D5753B021}" type="datetimeFigureOut">
               <a:rPr lang="hu-HU" smtClean="0"/>
-              <a:t>2022. 04. 27.</a:t>
+              <a:t>2022. 04. 29.</a:t>
             </a:fld>
             <a:endParaRPr lang="hu-HU"/>
           </a:p>
@@ -2403,7 +2406,7 @@
           <a:p>
             <a:fld id="{7E5A36A6-AF8C-4D74-B4ED-EE1D5753B021}" type="datetimeFigureOut">
               <a:rPr lang="hu-HU" smtClean="0"/>
-              <a:t>2022. 04. 27.</a:t>
+              <a:t>2022. 04. 29.</a:t>
             </a:fld>
             <a:endParaRPr lang="hu-HU"/>
           </a:p>
@@ -2692,7 +2695,7 @@
           <a:p>
             <a:fld id="{7E5A36A6-AF8C-4D74-B4ED-EE1D5753B021}" type="datetimeFigureOut">
               <a:rPr lang="hu-HU" smtClean="0"/>
-              <a:t>2022. 04. 27.</a:t>
+              <a:t>2022. 04. 29.</a:t>
             </a:fld>
             <a:endParaRPr lang="hu-HU"/>
           </a:p>
@@ -2935,7 +2938,7 @@
           <a:p>
             <a:fld id="{7E5A36A6-AF8C-4D74-B4ED-EE1D5753B021}" type="datetimeFigureOut">
               <a:rPr lang="hu-HU" smtClean="0"/>
-              <a:t>2022. 04. 27.</a:t>
+              <a:t>2022. 04. 29.</a:t>
             </a:fld>
             <a:endParaRPr lang="hu-HU"/>
           </a:p>
@@ -4609,8 +4612,24 @@
                 <a:latin typeface="Segoe UI" panose="020B0502040204020203" pitchFamily="34" charset="0"/>
                 <a:cs typeface="Segoe UI" panose="020B0502040204020203" pitchFamily="34" charset="0"/>
               </a:rPr>
-              <a:t>The first line is an integer n representing the number of vertices in the graph.</a:t>
-            </a:r>
+              <a:t>The first line is an integer n representing the number of vertices in the </a:t>
+            </a:r>
+            <a:r>
+              <a:rPr lang="en-US" sz="2200">
+                <a:latin typeface="Segoe UI" panose="020B0502040204020203" pitchFamily="34" charset="0"/>
+                <a:cs typeface="Segoe UI" panose="020B0502040204020203" pitchFamily="34" charset="0"/>
+              </a:rPr>
+              <a:t>graph.</a:t>
+            </a:r>
+          </a:p>
+          <a:p>
+            <a:pPr marL="0" indent="0">
+              <a:buNone/>
+            </a:pPr>
+            <a:endParaRPr lang="en-US" sz="2200" dirty="0">
+              <a:latin typeface="Segoe UI" panose="020B0502040204020203" pitchFamily="34" charset="0"/>
+              <a:cs typeface="Segoe UI" panose="020B0502040204020203" pitchFamily="34" charset="0"/>
+            </a:endParaRPr>
           </a:p>
           <a:p>
             <a:pPr marL="0" indent="0">
@@ -6806,10 +6825,71 @@
       </p:grpSpPr>
       <p:sp>
         <p:nvSpPr>
+          <p:cNvPr id="4" name="Rectangle: Rounded Corners 3">
+            <a:extLst>
+              <a:ext uri="{FF2B5EF4-FFF2-40B4-BE49-F238E27FC236}">
+                <a16:creationId xmlns:a16="http://schemas.microsoft.com/office/drawing/2014/main" id="{646CC432-DEDD-478C-8289-64F4545C5DDF}"/>
+              </a:ext>
+            </a:extLst>
+          </p:cNvPr>
+          <p:cNvSpPr/>
+          <p:nvPr/>
+        </p:nvSpPr>
+        <p:spPr>
+          <a:xfrm>
+            <a:off x="628650" y="1494692"/>
+            <a:ext cx="6541476" cy="4682271"/>
+          </a:xfrm>
+          <a:prstGeom prst="roundRect">
+            <a:avLst/>
+          </a:prstGeom>
+          <a:solidFill>
+            <a:schemeClr val="bg1">
+              <a:lumMod val="95000"/>
+            </a:schemeClr>
+          </a:solidFill>
+          <a:ln>
+            <a:noFill/>
+          </a:ln>
+          <a:effectLst>
+            <a:outerShdw blurRad="50800" dist="38100" dir="2700000" algn="tl" rotWithShape="0">
+              <a:prstClr val="black">
+                <a:alpha val="40000"/>
+              </a:prstClr>
+            </a:outerShdw>
+          </a:effectLst>
+        </p:spPr>
+        <p:style>
+          <a:lnRef idx="2">
+            <a:schemeClr val="accent1">
+              <a:shade val="50000"/>
+            </a:schemeClr>
+          </a:lnRef>
+          <a:fillRef idx="1">
+            <a:schemeClr val="accent1"/>
+          </a:fillRef>
+          <a:effectRef idx="0">
+            <a:schemeClr val="accent1"/>
+          </a:effectRef>
+          <a:fontRef idx="minor">
+            <a:schemeClr val="lt1"/>
+          </a:fontRef>
+        </p:style>
+        <p:txBody>
+          <a:bodyPr rtlCol="0" anchor="ctr"/>
+          <a:lstStyle/>
+          <a:p>
+            <a:pPr algn="ctr"/>
+            <a:endParaRPr lang="hu-HU"/>
+          </a:p>
+        </p:txBody>
+      </p:sp>
+      <p:sp>
+        <p:nvSpPr>
           <p:cNvPr id="2" name="Title 1">
             <a:extLst>
               <a:ext uri="{FF2B5EF4-FFF2-40B4-BE49-F238E27FC236}">
-                <a16:creationId xmlns:a16="http://schemas.microsoft.com/office/drawing/2014/main" id="{75945223-524E-48B9-BD6D-0AC5864ACD6D}"/>
+                <a16:creationId xmlns:a16="http://schemas.microsoft.com/office/drawing/2014/main" id="{9C508B4B-FACF-42E2-8E36-496ABB6FEA31}"/>
               </a:ext>
             </a:extLst>
           </p:cNvPr>
@@ -6820,12 +6900,29 @@
             <p:ph type="title"/>
           </p:nvPr>
         </p:nvSpPr>
-        <p:spPr/>
-        <p:txBody>
-          <a:bodyPr/>
+        <p:spPr>
+          <a:xfrm>
+            <a:off x="829408" y="365125"/>
+            <a:ext cx="11256390" cy="1325563"/>
+          </a:xfrm>
+        </p:spPr>
+        <p:txBody>
+          <a:bodyPr>
+            <a:normAutofit/>
+          </a:bodyPr>
           <a:lstStyle/>
           <a:p>
-            <a:endParaRPr lang="hu-HU"/>
+            <a:r>
+              <a:rPr lang="en-US" dirty="0">
+                <a:latin typeface="Segoe UI Semibold" panose="020B0702040204020203" pitchFamily="34" charset="0"/>
+                <a:cs typeface="Segoe UI Semibold" panose="020B0702040204020203" pitchFamily="34" charset="0"/>
+              </a:rPr>
+              <a:t>Exact Solution in Pseudocode</a:t>
+            </a:r>
+            <a:endParaRPr lang="hu-HU" dirty="0">
+              <a:latin typeface="Segoe UI Semibold" panose="020B0702040204020203" pitchFamily="34" charset="0"/>
+              <a:cs typeface="Segoe UI Semibold" panose="020B0702040204020203" pitchFamily="34" charset="0"/>
+            </a:endParaRPr>
           </a:p>
         </p:txBody>
       </p:sp>
@@ -6834,7 +6931,7 @@
           <p:cNvPr id="3" name="Content Placeholder 2">
             <a:extLst>
               <a:ext uri="{FF2B5EF4-FFF2-40B4-BE49-F238E27FC236}">
-                <a16:creationId xmlns:a16="http://schemas.microsoft.com/office/drawing/2014/main" id="{92FE70CF-BF3D-45C2-841E-505E767264F7}"/>
+                <a16:creationId xmlns:a16="http://schemas.microsoft.com/office/drawing/2014/main" id="{1C3EB100-A0AE-4D03-8FF5-296623074D43}"/>
               </a:ext>
             </a:extLst>
           </p:cNvPr>
@@ -6845,22 +6942,235 @@
             <p:ph idx="1"/>
           </p:nvPr>
         </p:nvSpPr>
-        <p:spPr/>
+        <p:spPr>
+          <a:xfrm>
+            <a:off x="838200" y="1690688"/>
+            <a:ext cx="6331926" cy="4486275"/>
+          </a:xfrm>
+        </p:spPr>
         <p:txBody>
           <a:bodyPr/>
           <a:lstStyle/>
           <a:p>
-            <a:endParaRPr lang="hu-HU" dirty="0"/>
+            <a:pPr marL="0" indent="0">
+              <a:buNone/>
+            </a:pPr>
+            <a:r>
+              <a:rPr lang="en-US" dirty="0">
+                <a:latin typeface="Segoe UI" panose="020B0502040204020203" pitchFamily="34" charset="0"/>
+                <a:cs typeface="Segoe UI" panose="020B0502040204020203" pitchFamily="34" charset="0"/>
+              </a:rPr>
+              <a:t>Given graph G and int n representing the number of vertices:</a:t>
+            </a:r>
+          </a:p>
+          <a:p>
+            <a:pPr marL="0" indent="0">
+              <a:buNone/>
+            </a:pPr>
+            <a:r>
+              <a:rPr lang="en-US" sz="2200" dirty="0">
+                <a:latin typeface="Segoe UI" panose="020B0502040204020203" pitchFamily="34" charset="0"/>
+                <a:cs typeface="Segoe UI" panose="020B0502040204020203" pitchFamily="34" charset="0"/>
+              </a:rPr>
+              <a:t>for </a:t>
+            </a:r>
+            <a:r>
+              <a:rPr lang="en-US" sz="2200" dirty="0" err="1">
+                <a:latin typeface="Segoe UI" panose="020B0502040204020203" pitchFamily="34" charset="0"/>
+                <a:cs typeface="Segoe UI" panose="020B0502040204020203" pitchFamily="34" charset="0"/>
+              </a:rPr>
+              <a:t>i</a:t>
+            </a:r>
+            <a:r>
+              <a:rPr lang="en-US" sz="2200" dirty="0">
+                <a:latin typeface="Segoe UI" panose="020B0502040204020203" pitchFamily="34" charset="0"/>
+                <a:cs typeface="Segoe UI" panose="020B0502040204020203" pitchFamily="34" charset="0"/>
+              </a:rPr>
+              <a:t> in range(2, n):</a:t>
+            </a:r>
+          </a:p>
+          <a:p>
+            <a:pPr marL="0" indent="0">
+              <a:buNone/>
+            </a:pPr>
+            <a:r>
+              <a:rPr lang="en-US" sz="2200" dirty="0">
+                <a:latin typeface="Segoe UI" panose="020B0502040204020203" pitchFamily="34" charset="0"/>
+                <a:cs typeface="Segoe UI" panose="020B0502040204020203" pitchFamily="34" charset="0"/>
+              </a:rPr>
+              <a:t>    create combinations of v ⋲ V of sizes 2…</a:t>
+            </a:r>
+            <a:r>
+              <a:rPr lang="en-US" sz="2200" dirty="0" err="1">
+                <a:latin typeface="Segoe UI" panose="020B0502040204020203" pitchFamily="34" charset="0"/>
+                <a:cs typeface="Segoe UI" panose="020B0502040204020203" pitchFamily="34" charset="0"/>
+              </a:rPr>
+              <a:t>i</a:t>
+            </a:r>
+            <a:endParaRPr lang="en-US" sz="2200" dirty="0">
+              <a:latin typeface="Segoe UI" panose="020B0502040204020203" pitchFamily="34" charset="0"/>
+              <a:cs typeface="Segoe UI" panose="020B0502040204020203" pitchFamily="34" charset="0"/>
+            </a:endParaRPr>
+          </a:p>
+          <a:p>
+            <a:pPr marL="0" indent="0">
+              <a:buNone/>
+            </a:pPr>
+            <a:r>
+              <a:rPr lang="en-US" sz="2200" dirty="0">
+                <a:latin typeface="Segoe UI" panose="020B0502040204020203" pitchFamily="34" charset="0"/>
+                <a:cs typeface="Segoe UI" panose="020B0502040204020203" pitchFamily="34" charset="0"/>
+              </a:rPr>
+              <a:t>    for each generated combination:</a:t>
+            </a:r>
+          </a:p>
+          <a:p>
+            <a:pPr marL="0" indent="0">
+              <a:buNone/>
+            </a:pPr>
+            <a:r>
+              <a:rPr lang="en-US" sz="2200" dirty="0">
+                <a:latin typeface="Segoe UI" panose="020B0502040204020203" pitchFamily="34" charset="0"/>
+                <a:cs typeface="Segoe UI" panose="020B0502040204020203" pitchFamily="34" charset="0"/>
+              </a:rPr>
+              <a:t>        if combination is a clique:</a:t>
+            </a:r>
+          </a:p>
+          <a:p>
+            <a:pPr marL="0" indent="0">
+              <a:buNone/>
+            </a:pPr>
+            <a:r>
+              <a:rPr lang="en-US" sz="2200" dirty="0">
+                <a:latin typeface="Segoe UI" panose="020B0502040204020203" pitchFamily="34" charset="0"/>
+                <a:cs typeface="Segoe UI" panose="020B0502040204020203" pitchFamily="34" charset="0"/>
+              </a:rPr>
+              <a:t>            </a:t>
+            </a:r>
+            <a:r>
+              <a:rPr lang="en-US" sz="2200" dirty="0" err="1">
+                <a:latin typeface="Segoe UI" panose="020B0502040204020203" pitchFamily="34" charset="0"/>
+                <a:cs typeface="Segoe UI" panose="020B0502040204020203" pitchFamily="34" charset="0"/>
+              </a:rPr>
+              <a:t>clique_size</a:t>
+            </a:r>
+            <a:r>
+              <a:rPr lang="en-US" sz="2200" dirty="0">
+                <a:latin typeface="Segoe UI" panose="020B0502040204020203" pitchFamily="34" charset="0"/>
+                <a:cs typeface="Segoe UI" panose="020B0502040204020203" pitchFamily="34" charset="0"/>
+              </a:rPr>
+              <a:t> = </a:t>
+            </a:r>
+            <a:r>
+              <a:rPr lang="en-US" sz="2200" dirty="0" err="1">
+                <a:latin typeface="Segoe UI" panose="020B0502040204020203" pitchFamily="34" charset="0"/>
+                <a:cs typeface="Segoe UI" panose="020B0502040204020203" pitchFamily="34" charset="0"/>
+              </a:rPr>
+              <a:t>len</a:t>
+            </a:r>
+            <a:r>
+              <a:rPr lang="en-US" sz="2200" dirty="0">
+                <a:latin typeface="Segoe UI" panose="020B0502040204020203" pitchFamily="34" charset="0"/>
+                <a:cs typeface="Segoe UI" panose="020B0502040204020203" pitchFamily="34" charset="0"/>
+              </a:rPr>
+              <a:t>(clique)</a:t>
+            </a:r>
+          </a:p>
+          <a:p>
+            <a:pPr marL="0" indent="0">
+              <a:buNone/>
+            </a:pPr>
+            <a:r>
+              <a:rPr lang="en-US" sz="2200" dirty="0">
+                <a:latin typeface="Segoe UI" panose="020B0502040204020203" pitchFamily="34" charset="0"/>
+                <a:cs typeface="Segoe UI" panose="020B0502040204020203" pitchFamily="34" charset="0"/>
+              </a:rPr>
+              <a:t>            </a:t>
+            </a:r>
+            <a:r>
+              <a:rPr lang="en-US" sz="2200" dirty="0" err="1">
+                <a:latin typeface="Segoe UI" panose="020B0502040204020203" pitchFamily="34" charset="0"/>
+                <a:cs typeface="Segoe UI" panose="020B0502040204020203" pitchFamily="34" charset="0"/>
+              </a:rPr>
+              <a:t>max_clique</a:t>
+            </a:r>
+            <a:r>
+              <a:rPr lang="en-US" sz="2200" dirty="0">
+                <a:latin typeface="Segoe UI" panose="020B0502040204020203" pitchFamily="34" charset="0"/>
+                <a:cs typeface="Segoe UI" panose="020B0502040204020203" pitchFamily="34" charset="0"/>
+              </a:rPr>
+              <a:t> = max(</a:t>
+            </a:r>
+            <a:r>
+              <a:rPr lang="en-US" sz="2200" dirty="0" err="1">
+                <a:latin typeface="Segoe UI" panose="020B0502040204020203" pitchFamily="34" charset="0"/>
+                <a:cs typeface="Segoe UI" panose="020B0502040204020203" pitchFamily="34" charset="0"/>
+              </a:rPr>
+              <a:t>clique_size</a:t>
+            </a:r>
+            <a:r>
+              <a:rPr lang="en-US" sz="2200" dirty="0">
+                <a:latin typeface="Segoe UI" panose="020B0502040204020203" pitchFamily="34" charset="0"/>
+                <a:cs typeface="Segoe UI" panose="020B0502040204020203" pitchFamily="34" charset="0"/>
+              </a:rPr>
+              <a:t>, </a:t>
+            </a:r>
+            <a:r>
+              <a:rPr lang="en-US" sz="2200" dirty="0" err="1">
+                <a:latin typeface="Segoe UI" panose="020B0502040204020203" pitchFamily="34" charset="0"/>
+                <a:cs typeface="Segoe UI" panose="020B0502040204020203" pitchFamily="34" charset="0"/>
+              </a:rPr>
+              <a:t>max_clique</a:t>
+            </a:r>
+            <a:r>
+              <a:rPr lang="en-US" sz="2200" dirty="0">
+                <a:latin typeface="Segoe UI" panose="020B0502040204020203" pitchFamily="34" charset="0"/>
+                <a:cs typeface="Segoe UI" panose="020B0502040204020203" pitchFamily="34" charset="0"/>
+              </a:rPr>
+              <a:t>)</a:t>
+            </a:r>
+          </a:p>
+          <a:p>
+            <a:pPr marL="0" indent="0">
+              <a:buNone/>
+            </a:pPr>
+            <a:r>
+              <a:rPr lang="en-US" sz="2200" dirty="0">
+                <a:latin typeface="Segoe UI" panose="020B0502040204020203" pitchFamily="34" charset="0"/>
+                <a:cs typeface="Segoe UI" panose="020B0502040204020203" pitchFamily="34" charset="0"/>
+              </a:rPr>
+              <a:t>return </a:t>
+            </a:r>
+            <a:r>
+              <a:rPr lang="en-US" sz="2200" dirty="0" err="1">
+                <a:latin typeface="Segoe UI" panose="020B0502040204020203" pitchFamily="34" charset="0"/>
+                <a:cs typeface="Segoe UI" panose="020B0502040204020203" pitchFamily="34" charset="0"/>
+              </a:rPr>
+              <a:t>max_clique</a:t>
+            </a:r>
+            <a:endParaRPr lang="en-US" sz="2200" dirty="0">
+              <a:latin typeface="Segoe UI" panose="020B0502040204020203" pitchFamily="34" charset="0"/>
+              <a:cs typeface="Segoe UI" panose="020B0502040204020203" pitchFamily="34" charset="0"/>
+            </a:endParaRPr>
+          </a:p>
+          <a:p>
+            <a:pPr marL="0" indent="0">
+              <a:buNone/>
+            </a:pPr>
+            <a:endParaRPr lang="en-US" sz="2200" dirty="0">
+              <a:latin typeface="Segoe UI" panose="020B0502040204020203" pitchFamily="34" charset="0"/>
+              <a:cs typeface="Segoe UI" panose="020B0502040204020203" pitchFamily="34" charset="0"/>
+            </a:endParaRPr>
           </a:p>
         </p:txBody>
       </p:sp>
       <p:pic>
         <p:nvPicPr>
-          <p:cNvPr id="1026" name="Picture 2">
+          <p:cNvPr id="6" name="Picture 2">
             <a:hlinkClick r:id="rId2"/>
             <a:extLst>
               <a:ext uri="{FF2B5EF4-FFF2-40B4-BE49-F238E27FC236}">
-                <a16:creationId xmlns:a16="http://schemas.microsoft.com/office/drawing/2014/main" id="{59FE4712-79E6-4708-99C3-B512D1902022}"/>
+                <a16:creationId xmlns:a16="http://schemas.microsoft.com/office/drawing/2014/main" id="{2B859745-5218-48ED-97BC-712925997B30}"/>
               </a:ext>
             </a:extLst>
           </p:cNvPr>
@@ -6884,8 +7194,8 @@
         </p:blipFill>
         <p:spPr bwMode="auto">
           <a:xfrm>
-            <a:off x="4667250" y="2014538"/>
-            <a:ext cx="2857500" cy="2828925"/>
+            <a:off x="7868630" y="1579651"/>
+            <a:ext cx="3925454" cy="3886200"/>
           </a:xfrm>
           <a:prstGeom prst="rect">
             <a:avLst/>
@@ -6902,6 +7212,1180 @@
           </a:extLst>
         </p:spPr>
       </p:pic>
+      <p:sp>
+        <p:nvSpPr>
+          <p:cNvPr id="7" name="TextBox 6">
+            <a:extLst>
+              <a:ext uri="{FF2B5EF4-FFF2-40B4-BE49-F238E27FC236}">
+                <a16:creationId xmlns:a16="http://schemas.microsoft.com/office/drawing/2014/main" id="{947D35A7-EBEC-4889-8AD5-E03D3AADD36D}"/>
+              </a:ext>
+            </a:extLst>
+          </p:cNvPr>
+          <p:cNvSpPr txBox="1"/>
+          <p:nvPr/>
+        </p:nvSpPr>
+        <p:spPr>
+          <a:xfrm>
+            <a:off x="7868630" y="5465851"/>
+            <a:ext cx="3961420" cy="646331"/>
+          </a:xfrm>
+          <a:prstGeom prst="rect">
+            <a:avLst/>
+          </a:prstGeom>
+          <a:noFill/>
+        </p:spPr>
+        <p:txBody>
+          <a:bodyPr wrap="square" rtlCol="0">
+            <a:spAutoFit/>
+          </a:bodyPr>
+          <a:lstStyle/>
+          <a:p>
+            <a:pPr algn="ctr"/>
+            <a:r>
+              <a:rPr lang="en-US" dirty="0">
+                <a:latin typeface="Segoe UI" panose="020B0502040204020203" pitchFamily="34" charset="0"/>
+                <a:cs typeface="Segoe UI" panose="020B0502040204020203" pitchFamily="34" charset="0"/>
+              </a:rPr>
+              <a:t>All possible combinations of four vertices in a given graph.</a:t>
+            </a:r>
+            <a:endParaRPr lang="hu-HU" dirty="0">
+              <a:latin typeface="Segoe UI" panose="020B0502040204020203" pitchFamily="34" charset="0"/>
+              <a:cs typeface="Segoe UI" panose="020B0502040204020203" pitchFamily="34" charset="0"/>
+            </a:endParaRPr>
+          </a:p>
+        </p:txBody>
+      </p:sp>
+    </p:spTree>
+    <p:extLst>
+      <p:ext uri="{BB962C8B-B14F-4D97-AF65-F5344CB8AC3E}">
+        <p14:creationId xmlns:p14="http://schemas.microsoft.com/office/powerpoint/2010/main" val="3834999474"/>
+      </p:ext>
+    </p:extLst>
+  </p:cSld>
+  <p:clrMapOvr>
+    <a:masterClrMapping/>
+  </p:clrMapOvr>
+</p:sld>
+</file>
+
+<file path=ppt/slides/slide7.xml><?xml version="1.0" encoding="utf-8"?>
+<p:sld xmlns:a="http://schemas.openxmlformats.org/drawingml/2006/main" xmlns:r="http://schemas.openxmlformats.org/officeDocument/2006/relationships" xmlns:p="http://schemas.openxmlformats.org/presentationml/2006/main">
+  <p:cSld>
+    <p:spTree>
+      <p:nvGrpSpPr>
+        <p:cNvPr id="1" name=""/>
+        <p:cNvGrpSpPr/>
+        <p:nvPr/>
+      </p:nvGrpSpPr>
+      <p:grpSpPr>
+        <a:xfrm>
+          <a:off x="0" y="0"/>
+          <a:ext cx="0" cy="0"/>
+          <a:chOff x="0" y="0"/>
+          <a:chExt cx="0" cy="0"/>
+        </a:xfrm>
+      </p:grpSpPr>
+      <p:sp>
+        <p:nvSpPr>
+          <p:cNvPr id="2" name="Title 1">
+            <a:extLst>
+              <a:ext uri="{FF2B5EF4-FFF2-40B4-BE49-F238E27FC236}">
+                <a16:creationId xmlns:a16="http://schemas.microsoft.com/office/drawing/2014/main" id="{9C508B4B-FACF-42E2-8E36-496ABB6FEA31}"/>
+              </a:ext>
+            </a:extLst>
+          </p:cNvPr>
+          <p:cNvSpPr>
+            <a:spLocks noGrp="1"/>
+          </p:cNvSpPr>
+          <p:nvPr>
+            <p:ph type="title"/>
+          </p:nvPr>
+        </p:nvSpPr>
+        <p:spPr>
+          <a:xfrm>
+            <a:off x="829408" y="365125"/>
+            <a:ext cx="11256390" cy="1325563"/>
+          </a:xfrm>
+        </p:spPr>
+        <p:txBody>
+          <a:bodyPr>
+            <a:normAutofit/>
+          </a:bodyPr>
+          <a:lstStyle/>
+          <a:p>
+            <a:r>
+              <a:rPr lang="en-US" dirty="0">
+                <a:latin typeface="Segoe UI Semibold" panose="020B0702040204020203" pitchFamily="34" charset="0"/>
+                <a:cs typeface="Segoe UI Semibold" panose="020B0702040204020203" pitchFamily="34" charset="0"/>
+              </a:rPr>
+              <a:t>There is No Worst-Case.</a:t>
+            </a:r>
+            <a:endParaRPr lang="hu-HU" dirty="0">
+              <a:latin typeface="Segoe UI Semibold" panose="020B0702040204020203" pitchFamily="34" charset="0"/>
+              <a:cs typeface="Segoe UI Semibold" panose="020B0702040204020203" pitchFamily="34" charset="0"/>
+            </a:endParaRPr>
+          </a:p>
+        </p:txBody>
+      </p:sp>
+      <p:pic>
+        <p:nvPicPr>
+          <p:cNvPr id="1026" name="Picture 2">
+            <a:extLst>
+              <a:ext uri="{FF2B5EF4-FFF2-40B4-BE49-F238E27FC236}">
+                <a16:creationId xmlns:a16="http://schemas.microsoft.com/office/drawing/2014/main" id="{6448BE21-3D9B-4E81-AC72-A027E1C38DAA}"/>
+              </a:ext>
+            </a:extLst>
+          </p:cNvPr>
+          <p:cNvPicPr>
+            <a:picLocks noChangeAspect="1" noChangeArrowheads="1"/>
+          </p:cNvPicPr>
+          <p:nvPr/>
+        </p:nvPicPr>
+        <p:blipFill rotWithShape="1">
+          <a:blip r:embed="rId2">
+            <a:extLst>
+              <a:ext uri="{28A0092B-C50C-407E-A947-70E740481C1C}">
+                <a14:useLocalDpi xmlns:a14="http://schemas.microsoft.com/office/drawing/2010/main" val="0"/>
+              </a:ext>
+            </a:extLst>
+          </a:blip>
+          <a:srcRect l="793" r="15849"/>
+          <a:stretch/>
+        </p:blipFill>
+        <p:spPr bwMode="auto">
+          <a:xfrm>
+            <a:off x="2334165" y="1257006"/>
+            <a:ext cx="7523670" cy="4343988"/>
+          </a:xfrm>
+          <a:prstGeom prst="rect">
+            <a:avLst/>
+          </a:prstGeom>
+          <a:noFill/>
+          <a:extLst>
+            <a:ext uri="{909E8E84-426E-40DD-AFC4-6F175D3DCCD1}">
+              <a14:hiddenFill xmlns:a14="http://schemas.microsoft.com/office/drawing/2010/main">
+                <a:solidFill>
+                  <a:srgbClr val="FFFFFF"/>
+                </a:solidFill>
+              </a14:hiddenFill>
+            </a:ext>
+          </a:extLst>
+        </p:spPr>
+      </p:pic>
+      <p:sp>
+        <p:nvSpPr>
+          <p:cNvPr id="10" name="TextBox 9">
+            <a:extLst>
+              <a:ext uri="{FF2B5EF4-FFF2-40B4-BE49-F238E27FC236}">
+                <a16:creationId xmlns:a16="http://schemas.microsoft.com/office/drawing/2014/main" id="{006B5C9B-1A16-4757-9C94-4F0BECEC203A}"/>
+              </a:ext>
+            </a:extLst>
+          </p:cNvPr>
+          <p:cNvSpPr txBox="1"/>
+          <p:nvPr/>
+        </p:nvSpPr>
+        <p:spPr>
+          <a:xfrm>
+            <a:off x="2334164" y="5600994"/>
+            <a:ext cx="7523669" cy="646331"/>
+          </a:xfrm>
+          <a:prstGeom prst="rect">
+            <a:avLst/>
+          </a:prstGeom>
+          <a:noFill/>
+        </p:spPr>
+        <p:txBody>
+          <a:bodyPr wrap="square" rtlCol="0">
+            <a:spAutoFit/>
+          </a:bodyPr>
+          <a:lstStyle/>
+          <a:p>
+            <a:pPr algn="ctr"/>
+            <a:r>
+              <a:rPr lang="en-US" dirty="0">
+                <a:latin typeface="Segoe UI" panose="020B0502040204020203" pitchFamily="34" charset="0"/>
+                <a:cs typeface="Segoe UI" panose="020B0502040204020203" pitchFamily="34" charset="0"/>
+              </a:rPr>
+              <a:t>The exact solution must check every possible combination of vertices giving it a runtime of </a:t>
+            </a:r>
+            <a:r>
+              <a:rPr lang="el-GR" b="1" i="0" dirty="0">
+                <a:solidFill>
+                  <a:srgbClr val="202122"/>
+                </a:solidFill>
+                <a:effectLst/>
+                <a:latin typeface="Arial" panose="020B0604020202020204" pitchFamily="34" charset="0"/>
+              </a:rPr>
+              <a:t>Θ</a:t>
+            </a:r>
+            <a:r>
+              <a:rPr lang="en-US" b="1" dirty="0">
+                <a:latin typeface="Segoe UI" panose="020B0502040204020203" pitchFamily="34" charset="0"/>
+                <a:cs typeface="Segoe UI" panose="020B0502040204020203" pitchFamily="34" charset="0"/>
+              </a:rPr>
+              <a:t>(n!)</a:t>
+            </a:r>
+            <a:r>
+              <a:rPr lang="en-US" dirty="0">
+                <a:latin typeface="Segoe UI" panose="020B0502040204020203" pitchFamily="34" charset="0"/>
+                <a:cs typeface="Segoe UI" panose="020B0502040204020203" pitchFamily="34" charset="0"/>
+              </a:rPr>
+              <a:t>.</a:t>
+            </a:r>
+            <a:endParaRPr lang="hu-HU" dirty="0">
+              <a:latin typeface="Segoe UI" panose="020B0502040204020203" pitchFamily="34" charset="0"/>
+              <a:cs typeface="Segoe UI" panose="020B0502040204020203" pitchFamily="34" charset="0"/>
+            </a:endParaRPr>
+          </a:p>
+        </p:txBody>
+      </p:sp>
+    </p:spTree>
+    <p:extLst>
+      <p:ext uri="{BB962C8B-B14F-4D97-AF65-F5344CB8AC3E}">
+        <p14:creationId xmlns:p14="http://schemas.microsoft.com/office/powerpoint/2010/main" val="65665440"/>
+      </p:ext>
+    </p:extLst>
+  </p:cSld>
+  <p:clrMapOvr>
+    <a:masterClrMapping/>
+  </p:clrMapOvr>
+</p:sld>
+</file>
+
+<file path=ppt/slides/slide8.xml><?xml version="1.0" encoding="utf-8"?>
+<p:sld xmlns:a="http://schemas.openxmlformats.org/drawingml/2006/main" xmlns:r="http://schemas.openxmlformats.org/officeDocument/2006/relationships" xmlns:p="http://schemas.openxmlformats.org/presentationml/2006/main">
+  <p:cSld>
+    <p:spTree>
+      <p:nvGrpSpPr>
+        <p:cNvPr id="1" name=""/>
+        <p:cNvGrpSpPr/>
+        <p:nvPr/>
+      </p:nvGrpSpPr>
+      <p:grpSpPr>
+        <a:xfrm>
+          <a:off x="0" y="0"/>
+          <a:ext cx="0" cy="0"/>
+          <a:chOff x="0" y="0"/>
+          <a:chExt cx="0" cy="0"/>
+        </a:xfrm>
+      </p:grpSpPr>
+      <p:sp>
+        <p:nvSpPr>
+          <p:cNvPr id="4" name="Rectangle: Rounded Corners 3">
+            <a:extLst>
+              <a:ext uri="{FF2B5EF4-FFF2-40B4-BE49-F238E27FC236}">
+                <a16:creationId xmlns:a16="http://schemas.microsoft.com/office/drawing/2014/main" id="{646CC432-DEDD-478C-8289-64F4545C5DDF}"/>
+              </a:ext>
+            </a:extLst>
+          </p:cNvPr>
+          <p:cNvSpPr/>
+          <p:nvPr/>
+        </p:nvSpPr>
+        <p:spPr>
+          <a:xfrm>
+            <a:off x="628649" y="1494692"/>
+            <a:ext cx="7627327" cy="4682271"/>
+          </a:xfrm>
+          <a:prstGeom prst="roundRect">
+            <a:avLst/>
+          </a:prstGeom>
+          <a:solidFill>
+            <a:schemeClr val="bg1">
+              <a:lumMod val="95000"/>
+            </a:schemeClr>
+          </a:solidFill>
+          <a:ln>
+            <a:noFill/>
+          </a:ln>
+          <a:effectLst>
+            <a:outerShdw blurRad="50800" dist="38100" dir="2700000" algn="tl" rotWithShape="0">
+              <a:prstClr val="black">
+                <a:alpha val="40000"/>
+              </a:prstClr>
+            </a:outerShdw>
+          </a:effectLst>
+        </p:spPr>
+        <p:style>
+          <a:lnRef idx="2">
+            <a:schemeClr val="accent1">
+              <a:shade val="50000"/>
+            </a:schemeClr>
+          </a:lnRef>
+          <a:fillRef idx="1">
+            <a:schemeClr val="accent1"/>
+          </a:fillRef>
+          <a:effectRef idx="0">
+            <a:schemeClr val="accent1"/>
+          </a:effectRef>
+          <a:fontRef idx="minor">
+            <a:schemeClr val="lt1"/>
+          </a:fontRef>
+        </p:style>
+        <p:txBody>
+          <a:bodyPr rtlCol="0" anchor="ctr"/>
+          <a:lstStyle/>
+          <a:p>
+            <a:pPr algn="ctr"/>
+            <a:endParaRPr lang="hu-HU"/>
+          </a:p>
+        </p:txBody>
+      </p:sp>
+      <p:sp>
+        <p:nvSpPr>
+          <p:cNvPr id="2" name="Title 1">
+            <a:extLst>
+              <a:ext uri="{FF2B5EF4-FFF2-40B4-BE49-F238E27FC236}">
+                <a16:creationId xmlns:a16="http://schemas.microsoft.com/office/drawing/2014/main" id="{9C508B4B-FACF-42E2-8E36-496ABB6FEA31}"/>
+              </a:ext>
+            </a:extLst>
+          </p:cNvPr>
+          <p:cNvSpPr>
+            <a:spLocks noGrp="1"/>
+          </p:cNvSpPr>
+          <p:nvPr>
+            <p:ph type="title"/>
+          </p:nvPr>
+        </p:nvSpPr>
+        <p:spPr>
+          <a:xfrm>
+            <a:off x="829408" y="365125"/>
+            <a:ext cx="11256390" cy="1325563"/>
+          </a:xfrm>
+        </p:spPr>
+        <p:txBody>
+          <a:bodyPr>
+            <a:normAutofit/>
+          </a:bodyPr>
+          <a:lstStyle/>
+          <a:p>
+            <a:r>
+              <a:rPr lang="en-US" dirty="0">
+                <a:latin typeface="Segoe UI Semibold" panose="020B0702040204020203" pitchFamily="34" charset="0"/>
+                <a:cs typeface="Segoe UI Semibold" panose="020B0702040204020203" pitchFamily="34" charset="0"/>
+              </a:rPr>
+              <a:t>Test Case Generation</a:t>
+            </a:r>
+            <a:endParaRPr lang="hu-HU" dirty="0">
+              <a:latin typeface="Segoe UI Semibold" panose="020B0702040204020203" pitchFamily="34" charset="0"/>
+              <a:cs typeface="Segoe UI Semibold" panose="020B0702040204020203" pitchFamily="34" charset="0"/>
+            </a:endParaRPr>
+          </a:p>
+        </p:txBody>
+      </p:sp>
+      <p:sp>
+        <p:nvSpPr>
+          <p:cNvPr id="3" name="Content Placeholder 2">
+            <a:extLst>
+              <a:ext uri="{FF2B5EF4-FFF2-40B4-BE49-F238E27FC236}">
+                <a16:creationId xmlns:a16="http://schemas.microsoft.com/office/drawing/2014/main" id="{1C3EB100-A0AE-4D03-8FF5-296623074D43}"/>
+              </a:ext>
+            </a:extLst>
+          </p:cNvPr>
+          <p:cNvSpPr>
+            <a:spLocks noGrp="1"/>
+          </p:cNvSpPr>
+          <p:nvPr>
+            <p:ph idx="1"/>
+          </p:nvPr>
+        </p:nvSpPr>
+        <p:spPr>
+          <a:xfrm>
+            <a:off x="838199" y="1690688"/>
+            <a:ext cx="7189177" cy="4486275"/>
+          </a:xfrm>
+        </p:spPr>
+        <p:txBody>
+          <a:bodyPr>
+            <a:normAutofit fontScale="92500" lnSpcReduction="10000"/>
+          </a:bodyPr>
+          <a:lstStyle/>
+          <a:p>
+            <a:pPr marL="0" indent="0">
+              <a:buNone/>
+            </a:pPr>
+            <a:r>
+              <a:rPr lang="en-US" dirty="0">
+                <a:latin typeface="Segoe UI" panose="020B0502040204020203" pitchFamily="34" charset="0"/>
+                <a:cs typeface="Segoe UI" panose="020B0502040204020203" pitchFamily="34" charset="0"/>
+              </a:rPr>
+              <a:t>Test cases were generated by a python script that takes in:</a:t>
+            </a:r>
+          </a:p>
+          <a:p>
+            <a:pPr marL="0" indent="0">
+              <a:buNone/>
+            </a:pPr>
+            <a:endParaRPr lang="en-US" sz="2200" dirty="0">
+              <a:latin typeface="Segoe UI" panose="020B0502040204020203" pitchFamily="34" charset="0"/>
+              <a:cs typeface="Segoe UI" panose="020B0502040204020203" pitchFamily="34" charset="0"/>
+            </a:endParaRPr>
+          </a:p>
+          <a:p>
+            <a:pPr marL="0" indent="0">
+              <a:buNone/>
+            </a:pPr>
+            <a:r>
+              <a:rPr lang="en-US" sz="2200" dirty="0">
+                <a:latin typeface="Segoe UI" panose="020B0502040204020203" pitchFamily="34" charset="0"/>
+                <a:cs typeface="Segoe UI" panose="020B0502040204020203" pitchFamily="34" charset="0"/>
+              </a:rPr>
+              <a:t>int n representing number of vertices.</a:t>
+            </a:r>
+          </a:p>
+          <a:p>
+            <a:pPr marL="0" indent="0">
+              <a:buNone/>
+            </a:pPr>
+            <a:r>
+              <a:rPr lang="en-US" sz="2200" dirty="0">
+                <a:latin typeface="Segoe UI" panose="020B0502040204020203" pitchFamily="34" charset="0"/>
+                <a:cs typeface="Segoe UI" panose="020B0502040204020203" pitchFamily="34" charset="0"/>
+              </a:rPr>
+              <a:t>int c representing the size of the clique.</a:t>
+            </a:r>
+          </a:p>
+          <a:p>
+            <a:pPr marL="0" indent="0">
+              <a:buNone/>
+            </a:pPr>
+            <a:endParaRPr lang="en-US" sz="2200" dirty="0">
+              <a:latin typeface="Segoe UI" panose="020B0502040204020203" pitchFamily="34" charset="0"/>
+              <a:cs typeface="Segoe UI" panose="020B0502040204020203" pitchFamily="34" charset="0"/>
+            </a:endParaRPr>
+          </a:p>
+          <a:p>
+            <a:pPr marL="0" indent="0">
+              <a:buNone/>
+            </a:pPr>
+            <a:r>
+              <a:rPr lang="en-US" sz="2200" dirty="0">
+                <a:latin typeface="Segoe UI" panose="020B0502040204020203" pitchFamily="34" charset="0"/>
+                <a:cs typeface="Segoe UI" panose="020B0502040204020203" pitchFamily="34" charset="0"/>
+              </a:rPr>
+              <a:t>The clique is generated first, then random edges are added to the graph such that the degree of any added edge is less than the size of the max clique.</a:t>
+            </a:r>
+          </a:p>
+          <a:p>
+            <a:pPr marL="0" indent="0">
+              <a:buNone/>
+            </a:pPr>
+            <a:endParaRPr lang="en-US" sz="2200" dirty="0">
+              <a:latin typeface="Segoe UI" panose="020B0502040204020203" pitchFamily="34" charset="0"/>
+              <a:cs typeface="Segoe UI" panose="020B0502040204020203" pitchFamily="34" charset="0"/>
+            </a:endParaRPr>
+          </a:p>
+          <a:p>
+            <a:pPr marL="0" indent="0">
+              <a:buNone/>
+            </a:pPr>
+            <a:r>
+              <a:rPr lang="en-US" dirty="0">
+                <a:latin typeface="Segoe UI" panose="020B0502040204020203" pitchFamily="34" charset="0"/>
+                <a:cs typeface="Segoe UI" panose="020B0502040204020203" pitchFamily="34" charset="0"/>
+              </a:rPr>
+              <a:t>The output is formatted as an adjacency list and is paired with an expected max clique size.</a:t>
+            </a:r>
+          </a:p>
+          <a:p>
+            <a:pPr marL="0" indent="0">
+              <a:buNone/>
+            </a:pPr>
+            <a:endParaRPr lang="en-US" sz="2200" dirty="0">
+              <a:latin typeface="Segoe UI" panose="020B0502040204020203" pitchFamily="34" charset="0"/>
+              <a:cs typeface="Segoe UI" panose="020B0502040204020203" pitchFamily="34" charset="0"/>
+            </a:endParaRPr>
+          </a:p>
+        </p:txBody>
+      </p:sp>
+      <p:grpSp>
+        <p:nvGrpSpPr>
+          <p:cNvPr id="5" name="Group 4">
+            <a:extLst>
+              <a:ext uri="{FF2B5EF4-FFF2-40B4-BE49-F238E27FC236}">
+                <a16:creationId xmlns:a16="http://schemas.microsoft.com/office/drawing/2014/main" id="{29CBD9E4-5576-4E86-9F79-937437E31ABF}"/>
+              </a:ext>
+            </a:extLst>
+          </p:cNvPr>
+          <p:cNvGrpSpPr/>
+          <p:nvPr/>
+        </p:nvGrpSpPr>
+        <p:grpSpPr>
+          <a:xfrm>
+            <a:off x="8286022" y="1690688"/>
+            <a:ext cx="3961420" cy="4351338"/>
+            <a:chOff x="8299210" y="1193119"/>
+            <a:chExt cx="3961420" cy="4351338"/>
+          </a:xfrm>
+        </p:grpSpPr>
+        <p:sp>
+          <p:nvSpPr>
+            <p:cNvPr id="7" name="TextBox 6">
+              <a:extLst>
+                <a:ext uri="{FF2B5EF4-FFF2-40B4-BE49-F238E27FC236}">
+                  <a16:creationId xmlns:a16="http://schemas.microsoft.com/office/drawing/2014/main" id="{947D35A7-EBEC-4889-8AD5-E03D3AADD36D}"/>
+                </a:ext>
+              </a:extLst>
+            </p:cNvPr>
+            <p:cNvSpPr txBox="1"/>
+            <p:nvPr/>
+          </p:nvSpPr>
+          <p:spPr>
+            <a:xfrm>
+              <a:off x="8299210" y="4969085"/>
+              <a:ext cx="3961420" cy="369332"/>
+            </a:xfrm>
+            <a:prstGeom prst="rect">
+              <a:avLst/>
+            </a:prstGeom>
+            <a:noFill/>
+          </p:spPr>
+          <p:txBody>
+            <a:bodyPr wrap="square" rtlCol="0">
+              <a:spAutoFit/>
+            </a:bodyPr>
+            <a:lstStyle/>
+            <a:p>
+              <a:pPr algn="ctr"/>
+              <a:r>
+                <a:rPr lang="en-US" dirty="0">
+                  <a:latin typeface="Segoe UI" panose="020B0502040204020203" pitchFamily="34" charset="0"/>
+                  <a:cs typeface="Segoe UI" panose="020B0502040204020203" pitchFamily="34" charset="0"/>
+                </a:rPr>
+                <a:t>Example test case.</a:t>
+              </a:r>
+              <a:endParaRPr lang="hu-HU" dirty="0">
+                <a:latin typeface="Segoe UI" panose="020B0502040204020203" pitchFamily="34" charset="0"/>
+                <a:cs typeface="Segoe UI" panose="020B0502040204020203" pitchFamily="34" charset="0"/>
+              </a:endParaRPr>
+            </a:p>
+          </p:txBody>
+        </p:sp>
+        <p:sp>
+          <p:nvSpPr>
+            <p:cNvPr id="8" name="Content Placeholder 2">
+              <a:extLst>
+                <a:ext uri="{FF2B5EF4-FFF2-40B4-BE49-F238E27FC236}">
+                  <a16:creationId xmlns:a16="http://schemas.microsoft.com/office/drawing/2014/main" id="{62C22815-41CF-44D9-B902-7A0A7241BD3B}"/>
+                </a:ext>
+              </a:extLst>
+            </p:cNvPr>
+            <p:cNvSpPr txBox="1">
+              <a:spLocks/>
+            </p:cNvSpPr>
+            <p:nvPr/>
+          </p:nvSpPr>
+          <p:spPr>
+            <a:xfrm>
+              <a:off x="9108344" y="1193119"/>
+              <a:ext cx="2343152" cy="4351338"/>
+            </a:xfrm>
+            <a:prstGeom prst="rect">
+              <a:avLst/>
+            </a:prstGeom>
+          </p:spPr>
+          <p:txBody>
+            <a:bodyPr vert="horz" lIns="91440" tIns="45720" rIns="91440" bIns="45720" rtlCol="0">
+              <a:normAutofit/>
+            </a:bodyPr>
+            <a:lstStyle>
+              <a:lvl1pPr marL="228600" indent="-228600" algn="l" defTabSz="914400" rtl="0" eaLnBrk="1" latinLnBrk="0" hangingPunct="1">
+                <a:lnSpc>
+                  <a:spcPct val="90000"/>
+                </a:lnSpc>
+                <a:spcBef>
+                  <a:spcPts val="1000"/>
+                </a:spcBef>
+                <a:buFont typeface="Arial" panose="020B0604020202020204" pitchFamily="34" charset="0"/>
+                <a:buChar char="•"/>
+                <a:defRPr sz="2800" kern="1200">
+                  <a:solidFill>
+                    <a:schemeClr val="tx1"/>
+                  </a:solidFill>
+                  <a:latin typeface="+mn-lt"/>
+                  <a:ea typeface="+mn-ea"/>
+                  <a:cs typeface="+mn-cs"/>
+                </a:defRPr>
+              </a:lvl1pPr>
+              <a:lvl2pPr marL="685800" indent="-228600" algn="l" defTabSz="914400" rtl="0" eaLnBrk="1" latinLnBrk="0" hangingPunct="1">
+                <a:lnSpc>
+                  <a:spcPct val="90000"/>
+                </a:lnSpc>
+                <a:spcBef>
+                  <a:spcPts val="500"/>
+                </a:spcBef>
+                <a:buFont typeface="Arial" panose="020B0604020202020204" pitchFamily="34" charset="0"/>
+                <a:buChar char="•"/>
+                <a:defRPr sz="2400" kern="1200">
+                  <a:solidFill>
+                    <a:schemeClr val="tx1"/>
+                  </a:solidFill>
+                  <a:latin typeface="+mn-lt"/>
+                  <a:ea typeface="+mn-ea"/>
+                  <a:cs typeface="+mn-cs"/>
+                </a:defRPr>
+              </a:lvl2pPr>
+              <a:lvl3pPr marL="1143000" indent="-228600" algn="l" defTabSz="914400" rtl="0" eaLnBrk="1" latinLnBrk="0" hangingPunct="1">
+                <a:lnSpc>
+                  <a:spcPct val="90000"/>
+                </a:lnSpc>
+                <a:spcBef>
+                  <a:spcPts val="500"/>
+                </a:spcBef>
+                <a:buFont typeface="Arial" panose="020B0604020202020204" pitchFamily="34" charset="0"/>
+                <a:buChar char="•"/>
+                <a:defRPr sz="2000" kern="1200">
+                  <a:solidFill>
+                    <a:schemeClr val="tx1"/>
+                  </a:solidFill>
+                  <a:latin typeface="+mn-lt"/>
+                  <a:ea typeface="+mn-ea"/>
+                  <a:cs typeface="+mn-cs"/>
+                </a:defRPr>
+              </a:lvl3pPr>
+              <a:lvl4pPr marL="1600200" indent="-228600" algn="l" defTabSz="914400" rtl="0" eaLnBrk="1" latinLnBrk="0" hangingPunct="1">
+                <a:lnSpc>
+                  <a:spcPct val="90000"/>
+                </a:lnSpc>
+                <a:spcBef>
+                  <a:spcPts val="500"/>
+                </a:spcBef>
+                <a:buFont typeface="Arial" panose="020B0604020202020204" pitchFamily="34" charset="0"/>
+                <a:buChar char="•"/>
+                <a:defRPr sz="1800" kern="1200">
+                  <a:solidFill>
+                    <a:schemeClr val="tx1"/>
+                  </a:solidFill>
+                  <a:latin typeface="+mn-lt"/>
+                  <a:ea typeface="+mn-ea"/>
+                  <a:cs typeface="+mn-cs"/>
+                </a:defRPr>
+              </a:lvl4pPr>
+              <a:lvl5pPr marL="2057400" indent="-228600" algn="l" defTabSz="914400" rtl="0" eaLnBrk="1" latinLnBrk="0" hangingPunct="1">
+                <a:lnSpc>
+                  <a:spcPct val="90000"/>
+                </a:lnSpc>
+                <a:spcBef>
+                  <a:spcPts val="500"/>
+                </a:spcBef>
+                <a:buFont typeface="Arial" panose="020B0604020202020204" pitchFamily="34" charset="0"/>
+                <a:buChar char="•"/>
+                <a:defRPr sz="1800" kern="1200">
+                  <a:solidFill>
+                    <a:schemeClr val="tx1"/>
+                  </a:solidFill>
+                  <a:latin typeface="+mn-lt"/>
+                  <a:ea typeface="+mn-ea"/>
+                  <a:cs typeface="+mn-cs"/>
+                </a:defRPr>
+              </a:lvl5pPr>
+              <a:lvl6pPr marL="2514600" indent="-228600" algn="l" defTabSz="914400" rtl="0" eaLnBrk="1" latinLnBrk="0" hangingPunct="1">
+                <a:lnSpc>
+                  <a:spcPct val="90000"/>
+                </a:lnSpc>
+                <a:spcBef>
+                  <a:spcPts val="500"/>
+                </a:spcBef>
+                <a:buFont typeface="Arial" panose="020B0604020202020204" pitchFamily="34" charset="0"/>
+                <a:buChar char="•"/>
+                <a:defRPr sz="1800" kern="1200">
+                  <a:solidFill>
+                    <a:schemeClr val="tx1"/>
+                  </a:solidFill>
+                  <a:latin typeface="+mn-lt"/>
+                  <a:ea typeface="+mn-ea"/>
+                  <a:cs typeface="+mn-cs"/>
+                </a:defRPr>
+              </a:lvl6pPr>
+              <a:lvl7pPr marL="2971800" indent="-228600" algn="l" defTabSz="914400" rtl="0" eaLnBrk="1" latinLnBrk="0" hangingPunct="1">
+                <a:lnSpc>
+                  <a:spcPct val="90000"/>
+                </a:lnSpc>
+                <a:spcBef>
+                  <a:spcPts val="500"/>
+                </a:spcBef>
+                <a:buFont typeface="Arial" panose="020B0604020202020204" pitchFamily="34" charset="0"/>
+                <a:buChar char="•"/>
+                <a:defRPr sz="1800" kern="1200">
+                  <a:solidFill>
+                    <a:schemeClr val="tx1"/>
+                  </a:solidFill>
+                  <a:latin typeface="+mn-lt"/>
+                  <a:ea typeface="+mn-ea"/>
+                  <a:cs typeface="+mn-cs"/>
+                </a:defRPr>
+              </a:lvl7pPr>
+              <a:lvl8pPr marL="3429000" indent="-228600" algn="l" defTabSz="914400" rtl="0" eaLnBrk="1" latinLnBrk="0" hangingPunct="1">
+                <a:lnSpc>
+                  <a:spcPct val="90000"/>
+                </a:lnSpc>
+                <a:spcBef>
+                  <a:spcPts val="500"/>
+                </a:spcBef>
+                <a:buFont typeface="Arial" panose="020B0604020202020204" pitchFamily="34" charset="0"/>
+                <a:buChar char="•"/>
+                <a:defRPr sz="1800" kern="1200">
+                  <a:solidFill>
+                    <a:schemeClr val="tx1"/>
+                  </a:solidFill>
+                  <a:latin typeface="+mn-lt"/>
+                  <a:ea typeface="+mn-ea"/>
+                  <a:cs typeface="+mn-cs"/>
+                </a:defRPr>
+              </a:lvl8pPr>
+              <a:lvl9pPr marL="3886200" indent="-228600" algn="l" defTabSz="914400" rtl="0" eaLnBrk="1" latinLnBrk="0" hangingPunct="1">
+                <a:lnSpc>
+                  <a:spcPct val="90000"/>
+                </a:lnSpc>
+                <a:spcBef>
+                  <a:spcPts val="500"/>
+                </a:spcBef>
+                <a:buFont typeface="Arial" panose="020B0604020202020204" pitchFamily="34" charset="0"/>
+                <a:buChar char="•"/>
+                <a:defRPr sz="1800" kern="1200">
+                  <a:solidFill>
+                    <a:schemeClr val="tx1"/>
+                  </a:solidFill>
+                  <a:latin typeface="+mn-lt"/>
+                  <a:ea typeface="+mn-ea"/>
+                  <a:cs typeface="+mn-cs"/>
+                </a:defRPr>
+              </a:lvl9pPr>
+            </a:lstStyle>
+            <a:p>
+              <a:pPr marL="0" indent="0" algn="l" rtl="0">
+                <a:spcBef>
+                  <a:spcPts val="0"/>
+                </a:spcBef>
+                <a:spcAft>
+                  <a:spcPts val="0"/>
+                </a:spcAft>
+                <a:buNone/>
+              </a:pPr>
+              <a:r>
+                <a:rPr lang="hu-HU" sz="2200" b="0" i="0" u="none" strike="noStrike" dirty="0">
+                  <a:solidFill>
+                    <a:srgbClr val="000000"/>
+                  </a:solidFill>
+                  <a:effectLst/>
+                  <a:latin typeface="Segoe UI" panose="020B0502040204020203" pitchFamily="34" charset="0"/>
+                  <a:cs typeface="Segoe UI" panose="020B0502040204020203" pitchFamily="34" charset="0"/>
+                </a:rPr>
+                <a:t>9</a:t>
+              </a:r>
+              <a:endParaRPr lang="hu-HU" sz="2200" b="0" i="0" dirty="0">
+                <a:solidFill>
+                  <a:srgbClr val="222222"/>
+                </a:solidFill>
+                <a:effectLst/>
+                <a:latin typeface="Segoe UI" panose="020B0502040204020203" pitchFamily="34" charset="0"/>
+                <a:cs typeface="Segoe UI" panose="020B0502040204020203" pitchFamily="34" charset="0"/>
+              </a:endParaRPr>
+            </a:p>
+            <a:p>
+              <a:pPr marL="0" indent="0" algn="l" rtl="0">
+                <a:spcBef>
+                  <a:spcPts val="0"/>
+                </a:spcBef>
+                <a:spcAft>
+                  <a:spcPts val="0"/>
+                </a:spcAft>
+                <a:buNone/>
+              </a:pPr>
+              <a:r>
+                <a:rPr lang="hu-HU" sz="2200" b="0" i="0" u="none" strike="noStrike" dirty="0">
+                  <a:solidFill>
+                    <a:srgbClr val="000000"/>
+                  </a:solidFill>
+                  <a:effectLst/>
+                  <a:latin typeface="Segoe UI" panose="020B0502040204020203" pitchFamily="34" charset="0"/>
+                  <a:cs typeface="Segoe UI" panose="020B0502040204020203" pitchFamily="34" charset="0"/>
+                </a:rPr>
+                <a:t>0 2 8 1</a:t>
+              </a:r>
+              <a:endParaRPr lang="hu-HU" sz="2200" b="0" i="0" dirty="0">
+                <a:solidFill>
+                  <a:srgbClr val="222222"/>
+                </a:solidFill>
+                <a:effectLst/>
+                <a:latin typeface="Segoe UI" panose="020B0502040204020203" pitchFamily="34" charset="0"/>
+                <a:cs typeface="Segoe UI" panose="020B0502040204020203" pitchFamily="34" charset="0"/>
+              </a:endParaRPr>
+            </a:p>
+            <a:p>
+              <a:pPr marL="0" indent="0" algn="l" rtl="0">
+                <a:spcBef>
+                  <a:spcPts val="0"/>
+                </a:spcBef>
+                <a:spcAft>
+                  <a:spcPts val="0"/>
+                </a:spcAft>
+                <a:buNone/>
+              </a:pPr>
+              <a:r>
+                <a:rPr lang="hu-HU" sz="2200" b="0" i="0" u="none" strike="noStrike" dirty="0">
+                  <a:solidFill>
+                    <a:srgbClr val="000000"/>
+                  </a:solidFill>
+                  <a:effectLst/>
+                  <a:latin typeface="Segoe UI" panose="020B0502040204020203" pitchFamily="34" charset="0"/>
+                  <a:cs typeface="Segoe UI" panose="020B0502040204020203" pitchFamily="34" charset="0"/>
+                </a:rPr>
+                <a:t>1 6 1 2</a:t>
+              </a:r>
+              <a:endParaRPr lang="hu-HU" sz="2200" b="0" i="0" dirty="0">
+                <a:solidFill>
+                  <a:srgbClr val="222222"/>
+                </a:solidFill>
+                <a:effectLst/>
+                <a:latin typeface="Segoe UI" panose="020B0502040204020203" pitchFamily="34" charset="0"/>
+                <a:cs typeface="Segoe UI" panose="020B0502040204020203" pitchFamily="34" charset="0"/>
+              </a:endParaRPr>
+            </a:p>
+            <a:p>
+              <a:pPr marL="0" indent="0" algn="l" rtl="0">
+                <a:spcBef>
+                  <a:spcPts val="0"/>
+                </a:spcBef>
+                <a:spcAft>
+                  <a:spcPts val="0"/>
+                </a:spcAft>
+                <a:buNone/>
+              </a:pPr>
+              <a:r>
+                <a:rPr lang="hu-HU" sz="2200" b="0" i="0" u="none" strike="noStrike" dirty="0">
+                  <a:solidFill>
+                    <a:srgbClr val="000000"/>
+                  </a:solidFill>
+                  <a:effectLst/>
+                  <a:latin typeface="Segoe UI" panose="020B0502040204020203" pitchFamily="34" charset="0"/>
+                  <a:cs typeface="Segoe UI" panose="020B0502040204020203" pitchFamily="34" charset="0"/>
+                </a:rPr>
+                <a:t>2 1 2</a:t>
+              </a:r>
+              <a:endParaRPr lang="hu-HU" sz="2200" b="0" i="0" dirty="0">
+                <a:solidFill>
+                  <a:srgbClr val="222222"/>
+                </a:solidFill>
+                <a:effectLst/>
+                <a:latin typeface="Segoe UI" panose="020B0502040204020203" pitchFamily="34" charset="0"/>
+                <a:cs typeface="Segoe UI" panose="020B0502040204020203" pitchFamily="34" charset="0"/>
+              </a:endParaRPr>
+            </a:p>
+            <a:p>
+              <a:pPr marL="0" indent="0" algn="l" rtl="0">
+                <a:spcBef>
+                  <a:spcPts val="0"/>
+                </a:spcBef>
+                <a:spcAft>
+                  <a:spcPts val="0"/>
+                </a:spcAft>
+                <a:buNone/>
+              </a:pPr>
+              <a:r>
+                <a:rPr lang="hu-HU" sz="2200" b="0" i="0" u="none" strike="noStrike" dirty="0">
+                  <a:solidFill>
+                    <a:srgbClr val="000000"/>
+                  </a:solidFill>
+                  <a:effectLst/>
+                  <a:latin typeface="Segoe UI" panose="020B0502040204020203" pitchFamily="34" charset="0"/>
+                  <a:cs typeface="Segoe UI" panose="020B0502040204020203" pitchFamily="34" charset="0"/>
+                </a:rPr>
+                <a:t>3</a:t>
+              </a:r>
+              <a:endParaRPr lang="hu-HU" sz="2200" b="0" i="0" dirty="0">
+                <a:solidFill>
+                  <a:srgbClr val="222222"/>
+                </a:solidFill>
+                <a:effectLst/>
+                <a:latin typeface="Segoe UI" panose="020B0502040204020203" pitchFamily="34" charset="0"/>
+                <a:cs typeface="Segoe UI" panose="020B0502040204020203" pitchFamily="34" charset="0"/>
+              </a:endParaRPr>
+            </a:p>
+            <a:p>
+              <a:pPr marL="0" indent="0" algn="l" rtl="0">
+                <a:spcBef>
+                  <a:spcPts val="0"/>
+                </a:spcBef>
+                <a:spcAft>
+                  <a:spcPts val="0"/>
+                </a:spcAft>
+                <a:buNone/>
+              </a:pPr>
+              <a:r>
+                <a:rPr lang="hu-HU" sz="2200" b="0" i="0" u="none" strike="noStrike" dirty="0">
+                  <a:solidFill>
+                    <a:srgbClr val="000000"/>
+                  </a:solidFill>
+                  <a:effectLst/>
+                  <a:latin typeface="Segoe UI" panose="020B0502040204020203" pitchFamily="34" charset="0"/>
+                  <a:cs typeface="Segoe UI" panose="020B0502040204020203" pitchFamily="34" charset="0"/>
+                </a:rPr>
+                <a:t>4 5 6 7 8</a:t>
+              </a:r>
+              <a:endParaRPr lang="hu-HU" sz="2200" b="0" i="0" dirty="0">
+                <a:solidFill>
+                  <a:srgbClr val="222222"/>
+                </a:solidFill>
+                <a:effectLst/>
+                <a:latin typeface="Segoe UI" panose="020B0502040204020203" pitchFamily="34" charset="0"/>
+                <a:cs typeface="Segoe UI" panose="020B0502040204020203" pitchFamily="34" charset="0"/>
+              </a:endParaRPr>
+            </a:p>
+            <a:p>
+              <a:pPr marL="0" indent="0" algn="l" rtl="0">
+                <a:spcBef>
+                  <a:spcPts val="0"/>
+                </a:spcBef>
+                <a:spcAft>
+                  <a:spcPts val="0"/>
+                </a:spcAft>
+                <a:buNone/>
+              </a:pPr>
+              <a:r>
+                <a:rPr lang="hu-HU" sz="2200" b="0" i="0" u="none" strike="noStrike" dirty="0">
+                  <a:solidFill>
+                    <a:srgbClr val="000000"/>
+                  </a:solidFill>
+                  <a:effectLst/>
+                  <a:latin typeface="Segoe UI" panose="020B0502040204020203" pitchFamily="34" charset="0"/>
+                  <a:cs typeface="Segoe UI" panose="020B0502040204020203" pitchFamily="34" charset="0"/>
+                </a:rPr>
+                <a:t>5 4 6 7 8</a:t>
+              </a:r>
+              <a:endParaRPr lang="hu-HU" sz="2200" b="0" i="0" dirty="0">
+                <a:solidFill>
+                  <a:srgbClr val="222222"/>
+                </a:solidFill>
+                <a:effectLst/>
+                <a:latin typeface="Segoe UI" panose="020B0502040204020203" pitchFamily="34" charset="0"/>
+                <a:cs typeface="Segoe UI" panose="020B0502040204020203" pitchFamily="34" charset="0"/>
+              </a:endParaRPr>
+            </a:p>
+            <a:p>
+              <a:pPr marL="0" indent="0" algn="l" rtl="0">
+                <a:spcBef>
+                  <a:spcPts val="0"/>
+                </a:spcBef>
+                <a:spcAft>
+                  <a:spcPts val="0"/>
+                </a:spcAft>
+                <a:buNone/>
+              </a:pPr>
+              <a:r>
+                <a:rPr lang="hu-HU" sz="2200" b="0" i="0" u="none" strike="noStrike" dirty="0">
+                  <a:solidFill>
+                    <a:srgbClr val="000000"/>
+                  </a:solidFill>
+                  <a:effectLst/>
+                  <a:latin typeface="Segoe UI" panose="020B0502040204020203" pitchFamily="34" charset="0"/>
+                  <a:cs typeface="Segoe UI" panose="020B0502040204020203" pitchFamily="34" charset="0"/>
+                </a:rPr>
+                <a:t>6 4 5 7 8</a:t>
+              </a:r>
+              <a:endParaRPr lang="hu-HU" sz="2200" b="0" i="0" dirty="0">
+                <a:solidFill>
+                  <a:srgbClr val="222222"/>
+                </a:solidFill>
+                <a:effectLst/>
+                <a:latin typeface="Segoe UI" panose="020B0502040204020203" pitchFamily="34" charset="0"/>
+                <a:cs typeface="Segoe UI" panose="020B0502040204020203" pitchFamily="34" charset="0"/>
+              </a:endParaRPr>
+            </a:p>
+            <a:p>
+              <a:pPr marL="0" indent="0" algn="l" rtl="0">
+                <a:spcBef>
+                  <a:spcPts val="0"/>
+                </a:spcBef>
+                <a:spcAft>
+                  <a:spcPts val="0"/>
+                </a:spcAft>
+                <a:buNone/>
+              </a:pPr>
+              <a:r>
+                <a:rPr lang="hu-HU" sz="2200" b="0" i="0" u="none" strike="noStrike" dirty="0">
+                  <a:solidFill>
+                    <a:srgbClr val="000000"/>
+                  </a:solidFill>
+                  <a:effectLst/>
+                  <a:latin typeface="Segoe UI" panose="020B0502040204020203" pitchFamily="34" charset="0"/>
+                  <a:cs typeface="Segoe UI" panose="020B0502040204020203" pitchFamily="34" charset="0"/>
+                </a:rPr>
+                <a:t>7 4 5 6 8</a:t>
+              </a:r>
+              <a:endParaRPr lang="hu-HU" sz="2200" b="0" i="0" dirty="0">
+                <a:solidFill>
+                  <a:srgbClr val="222222"/>
+                </a:solidFill>
+                <a:effectLst/>
+                <a:latin typeface="Segoe UI" panose="020B0502040204020203" pitchFamily="34" charset="0"/>
+                <a:cs typeface="Segoe UI" panose="020B0502040204020203" pitchFamily="34" charset="0"/>
+              </a:endParaRPr>
+            </a:p>
+            <a:p>
+              <a:pPr marL="0" indent="0" algn="l" rtl="0">
+                <a:spcBef>
+                  <a:spcPts val="0"/>
+                </a:spcBef>
+                <a:spcAft>
+                  <a:spcPts val="0"/>
+                </a:spcAft>
+                <a:buNone/>
+              </a:pPr>
+              <a:r>
+                <a:rPr lang="hu-HU" sz="2200" b="0" i="0" u="none" strike="noStrike" dirty="0">
+                  <a:solidFill>
+                    <a:srgbClr val="000000"/>
+                  </a:solidFill>
+                  <a:effectLst/>
+                  <a:latin typeface="Segoe UI" panose="020B0502040204020203" pitchFamily="34" charset="0"/>
+                  <a:cs typeface="Segoe UI" panose="020B0502040204020203" pitchFamily="34" charset="0"/>
+                </a:rPr>
+                <a:t>8 4 5 6 7</a:t>
+              </a:r>
+              <a:endParaRPr lang="en-US" sz="2200" b="0" i="0" u="none" strike="noStrike" dirty="0">
+                <a:solidFill>
+                  <a:srgbClr val="000000"/>
+                </a:solidFill>
+                <a:effectLst/>
+                <a:latin typeface="Segoe UI" panose="020B0502040204020203" pitchFamily="34" charset="0"/>
+                <a:cs typeface="Segoe UI" panose="020B0502040204020203" pitchFamily="34" charset="0"/>
+              </a:endParaRPr>
+            </a:p>
+            <a:p>
+              <a:pPr marL="0" indent="0" algn="l" rtl="0">
+                <a:spcBef>
+                  <a:spcPts val="0"/>
+                </a:spcBef>
+                <a:spcAft>
+                  <a:spcPts val="0"/>
+                </a:spcAft>
+                <a:buNone/>
+              </a:pPr>
+              <a:endParaRPr lang="en-US" dirty="0">
+                <a:solidFill>
+                  <a:srgbClr val="000000"/>
+                </a:solidFill>
+                <a:latin typeface="Segoe UI" panose="020B0502040204020203" pitchFamily="34" charset="0"/>
+                <a:cs typeface="Segoe UI" panose="020B0502040204020203" pitchFamily="34" charset="0"/>
+              </a:endParaRPr>
+            </a:p>
+            <a:p>
+              <a:pPr marL="0" indent="0" algn="l" rtl="0">
+                <a:spcBef>
+                  <a:spcPts val="0"/>
+                </a:spcBef>
+                <a:spcAft>
+                  <a:spcPts val="0"/>
+                </a:spcAft>
+                <a:buNone/>
+              </a:pPr>
+              <a:r>
+                <a:rPr lang="en-US" sz="2200" b="0" i="0" dirty="0">
+                  <a:solidFill>
+                    <a:srgbClr val="222222"/>
+                  </a:solidFill>
+                  <a:effectLst/>
+                  <a:latin typeface="Segoe UI" panose="020B0502040204020203" pitchFamily="34" charset="0"/>
+                  <a:cs typeface="Segoe UI" panose="020B0502040204020203" pitchFamily="34" charset="0"/>
+                </a:rPr>
+                <a:t>Max clique size: 5</a:t>
+              </a:r>
+              <a:endParaRPr lang="hu-HU" sz="2200" b="0" i="0" dirty="0">
+                <a:solidFill>
+                  <a:srgbClr val="222222"/>
+                </a:solidFill>
+                <a:effectLst/>
+                <a:latin typeface="Segoe UI" panose="020B0502040204020203" pitchFamily="34" charset="0"/>
+                <a:cs typeface="Segoe UI" panose="020B0502040204020203" pitchFamily="34" charset="0"/>
+              </a:endParaRPr>
+            </a:p>
+          </p:txBody>
+        </p:sp>
+      </p:grpSp>
+    </p:spTree>
+    <p:extLst>
+      <p:ext uri="{BB962C8B-B14F-4D97-AF65-F5344CB8AC3E}">
+        <p14:creationId xmlns:p14="http://schemas.microsoft.com/office/powerpoint/2010/main" val="3990036527"/>
+      </p:ext>
+    </p:extLst>
+  </p:cSld>
+  <p:clrMapOvr>
+    <a:masterClrMapping/>
+  </p:clrMapOvr>
+</p:sld>
+</file>
+
+<file path=ppt/slides/slide9.xml><?xml version="1.0" encoding="utf-8"?>
+<p:sld xmlns:a="http://schemas.openxmlformats.org/drawingml/2006/main" xmlns:r="http://schemas.openxmlformats.org/officeDocument/2006/relationships" xmlns:p="http://schemas.openxmlformats.org/presentationml/2006/main">
+  <p:cSld>
+    <p:spTree>
+      <p:nvGrpSpPr>
+        <p:cNvPr id="1" name=""/>
+        <p:cNvGrpSpPr/>
+        <p:nvPr/>
+      </p:nvGrpSpPr>
+      <p:grpSpPr>
+        <a:xfrm>
+          <a:off x="0" y="0"/>
+          <a:ext cx="0" cy="0"/>
+          <a:chOff x="0" y="0"/>
+          <a:chExt cx="0" cy="0"/>
+        </a:xfrm>
+      </p:grpSpPr>
+      <p:sp>
+        <p:nvSpPr>
+          <p:cNvPr id="2" name="Title 1">
+            <a:extLst>
+              <a:ext uri="{FF2B5EF4-FFF2-40B4-BE49-F238E27FC236}">
+                <a16:creationId xmlns:a16="http://schemas.microsoft.com/office/drawing/2014/main" id="{75945223-524E-48B9-BD6D-0AC5864ACD6D}"/>
+              </a:ext>
+            </a:extLst>
+          </p:cNvPr>
+          <p:cNvSpPr>
+            <a:spLocks noGrp="1"/>
+          </p:cNvSpPr>
+          <p:nvPr>
+            <p:ph type="title"/>
+          </p:nvPr>
+        </p:nvSpPr>
+        <p:spPr/>
+        <p:txBody>
+          <a:bodyPr/>
+          <a:lstStyle/>
+          <a:p>
+            <a:r>
+              <a:rPr lang="en-US" dirty="0"/>
+              <a:t>Approximation slide… </a:t>
+            </a:r>
+            <a:endParaRPr lang="hu-HU" dirty="0"/>
+          </a:p>
+        </p:txBody>
+      </p:sp>
+      <p:sp>
+        <p:nvSpPr>
+          <p:cNvPr id="3" name="Content Placeholder 2">
+            <a:extLst>
+              <a:ext uri="{FF2B5EF4-FFF2-40B4-BE49-F238E27FC236}">
+                <a16:creationId xmlns:a16="http://schemas.microsoft.com/office/drawing/2014/main" id="{92FE70CF-BF3D-45C2-841E-505E767264F7}"/>
+              </a:ext>
+            </a:extLst>
+          </p:cNvPr>
+          <p:cNvSpPr>
+            <a:spLocks noGrp="1"/>
+          </p:cNvSpPr>
+          <p:nvPr>
+            <p:ph idx="1"/>
+          </p:nvPr>
+        </p:nvSpPr>
+        <p:spPr/>
+        <p:txBody>
+          <a:bodyPr/>
+          <a:lstStyle/>
+          <a:p>
+            <a:endParaRPr lang="hu-HU" dirty="0"/>
+          </a:p>
+        </p:txBody>
+      </p:sp>
     </p:spTree>
     <p:extLst>
       <p:ext uri="{BB962C8B-B14F-4D97-AF65-F5344CB8AC3E}">

--- a/problem_presentation.pptx
+++ b/problem_presentation.pptx
@@ -7271,6 +7271,14 @@
 <file path=ppt/slides/slide7.xml><?xml version="1.0" encoding="utf-8"?>
 <p:sld xmlns:a="http://schemas.openxmlformats.org/drawingml/2006/main" xmlns:r="http://schemas.openxmlformats.org/officeDocument/2006/relationships" xmlns:p="http://schemas.openxmlformats.org/presentationml/2006/main">
   <p:cSld>
+    <p:bg>
+      <p:bgPr>
+        <a:solidFill>
+          <a:schemeClr val="bg1"/>
+        </a:solidFill>
+        <a:effectLst/>
+      </p:bgPr>
+    </p:bg>
     <p:spTree>
       <p:nvGrpSpPr>
         <p:cNvPr id="1" name=""/>
@@ -7285,6 +7293,66 @@
           <a:chExt cx="0" cy="0"/>
         </a:xfrm>
       </p:grpSpPr>
+      <p:sp useBgFill="1">
+        <p:nvSpPr>
+          <p:cNvPr id="15" name="Rectangle 14">
+            <a:extLst>
+              <a:ext uri="{FF2B5EF4-FFF2-40B4-BE49-F238E27FC236}">
+                <a16:creationId xmlns:a16="http://schemas.microsoft.com/office/drawing/2014/main" id="{2B97F24A-32CE-4C1C-A50D-3016B394DCFB}"/>
+              </a:ext>
+              <a:ext uri="{C183D7F6-B498-43B3-948B-1728B52AA6E4}">
+                <adec:decorative xmlns:adec="http://schemas.microsoft.com/office/drawing/2017/decorative" val="1"/>
+              </a:ext>
+            </a:extLst>
+          </p:cNvPr>
+          <p:cNvSpPr>
+            <a:spLocks noGrp="1" noRot="1" noChangeAspect="1" noMove="1" noResize="1" noEditPoints="1" noAdjustHandles="1" noChangeArrowheads="1" noChangeShapeType="1" noTextEdit="1"/>
+          </p:cNvSpPr>
+          <p:nvPr>
+            <p:extLst>
+              <p:ext uri="{386F3935-93C4-4BCD-93E2-E3B085C9AB24}">
+                <p16:designElem xmlns:p16="http://schemas.microsoft.com/office/powerpoint/2015/main" val="1"/>
+              </p:ext>
+            </p:extLst>
+          </p:nvPr>
+        </p:nvSpPr>
+        <p:spPr>
+          <a:xfrm>
+            <a:off x="0" y="0"/>
+            <a:ext cx="12192000" cy="6858000"/>
+          </a:xfrm>
+          <a:prstGeom prst="rect">
+            <a:avLst/>
+          </a:prstGeom>
+          <a:ln>
+            <a:noFill/>
+          </a:ln>
+        </p:spPr>
+        <p:style>
+          <a:lnRef idx="2">
+            <a:schemeClr val="accent1">
+              <a:shade val="50000"/>
+            </a:schemeClr>
+          </a:lnRef>
+          <a:fillRef idx="1">
+            <a:schemeClr val="accent1"/>
+          </a:fillRef>
+          <a:effectRef idx="0">
+            <a:schemeClr val="accent1"/>
+          </a:effectRef>
+          <a:fontRef idx="minor">
+            <a:schemeClr val="lt1"/>
+          </a:fontRef>
+        </p:style>
+        <p:txBody>
+          <a:bodyPr rtlCol="0" anchor="ctr"/>
+          <a:lstStyle/>
+          <a:p>
+            <a:pPr algn="ctr"/>
+            <a:endParaRPr lang="en-US"/>
+          </a:p>
+        </p:txBody>
+      </p:sp>
       <p:sp>
         <p:nvSpPr>
           <p:cNvPr id="2" name="Title 1">
@@ -7303,142 +7371,397 @@
         </p:nvSpPr>
         <p:spPr>
           <a:xfrm>
-            <a:off x="829408" y="365125"/>
-            <a:ext cx="11256390" cy="1325563"/>
+            <a:off x="630936" y="639520"/>
+            <a:ext cx="3429000" cy="1719072"/>
           </a:xfrm>
         </p:spPr>
         <p:txBody>
-          <a:bodyPr>
+          <a:bodyPr vert="horz" lIns="91440" tIns="45720" rIns="91440" bIns="45720" rtlCol="0" anchor="b">
             <a:normAutofit/>
           </a:bodyPr>
           <a:lstStyle/>
           <a:p>
             <a:r>
-              <a:rPr lang="en-US" dirty="0">
-                <a:latin typeface="Segoe UI Semibold" panose="020B0702040204020203" pitchFamily="34" charset="0"/>
-                <a:cs typeface="Segoe UI Semibold" panose="020B0702040204020203" pitchFamily="34" charset="0"/>
+              <a:rPr lang="en-US" sz="5000" kern="1200">
+                <a:solidFill>
+                  <a:schemeClr val="tx1"/>
+                </a:solidFill>
+                <a:latin typeface="+mj-lt"/>
+                <a:ea typeface="+mj-ea"/>
+                <a:cs typeface="+mj-cs"/>
               </a:rPr>
               <a:t>There is No Worst-Case.</a:t>
             </a:r>
-            <a:endParaRPr lang="hu-HU" dirty="0">
-              <a:latin typeface="Segoe UI Semibold" panose="020B0702040204020203" pitchFamily="34" charset="0"/>
-              <a:cs typeface="Segoe UI Semibold" panose="020B0702040204020203" pitchFamily="34" charset="0"/>
-            </a:endParaRPr>
-          </a:p>
-        </p:txBody>
-      </p:sp>
-      <p:pic>
-        <p:nvPicPr>
-          <p:cNvPr id="1026" name="Picture 2">
-            <a:extLst>
-              <a:ext uri="{FF2B5EF4-FFF2-40B4-BE49-F238E27FC236}">
-                <a16:creationId xmlns:a16="http://schemas.microsoft.com/office/drawing/2014/main" id="{6448BE21-3D9B-4E81-AC72-A027E1C38DAA}"/>
-              </a:ext>
-            </a:extLst>
-          </p:cNvPr>
-          <p:cNvPicPr>
-            <a:picLocks noChangeAspect="1" noChangeArrowheads="1"/>
-          </p:cNvPicPr>
+          </a:p>
+        </p:txBody>
+      </p:sp>
+      <p:sp>
+        <p:nvSpPr>
+          <p:cNvPr id="17" name="sketch line">
+            <a:extLst>
+              <a:ext uri="{FF2B5EF4-FFF2-40B4-BE49-F238E27FC236}">
+                <a16:creationId xmlns:a16="http://schemas.microsoft.com/office/drawing/2014/main" id="{6357EC4F-235E-4222-A36F-C7878ACE37F2}"/>
+              </a:ext>
+              <a:ext uri="{C183D7F6-B498-43B3-948B-1728B52AA6E4}">
+                <adec:decorative xmlns:adec="http://schemas.microsoft.com/office/drawing/2017/decorative" val="1"/>
+              </a:ext>
+            </a:extLst>
+          </p:cNvPr>
+          <p:cNvSpPr>
+            <a:spLocks noGrp="1" noRot="1" noChangeAspect="1" noMove="1" noResize="1" noEditPoints="1" noAdjustHandles="1" noChangeArrowheads="1" noChangeShapeType="1" noTextEdit="1"/>
+          </p:cNvSpPr>
+          <p:nvPr>
+            <p:extLst>
+              <p:ext uri="{386F3935-93C4-4BCD-93E2-E3B085C9AB24}">
+                <p16:designElem xmlns:p16="http://schemas.microsoft.com/office/powerpoint/2015/main" val="1"/>
+              </p:ext>
+            </p:extLst>
+          </p:nvPr>
+        </p:nvSpPr>
+        <p:spPr>
+          <a:xfrm>
+            <a:off x="643278" y="2573756"/>
+            <a:ext cx="3255095" cy="18288"/>
+          </a:xfrm>
+          <a:custGeom>
+            <a:avLst/>
+            <a:gdLst>
+              <a:gd name="connsiteX0" fmla="*/ 0 w 3255095"/>
+              <a:gd name="connsiteY0" fmla="*/ 0 h 18288"/>
+              <a:gd name="connsiteX1" fmla="*/ 618468 w 3255095"/>
+              <a:gd name="connsiteY1" fmla="*/ 0 h 18288"/>
+              <a:gd name="connsiteX2" fmla="*/ 1269487 w 3255095"/>
+              <a:gd name="connsiteY2" fmla="*/ 0 h 18288"/>
+              <a:gd name="connsiteX3" fmla="*/ 1953057 w 3255095"/>
+              <a:gd name="connsiteY3" fmla="*/ 0 h 18288"/>
+              <a:gd name="connsiteX4" fmla="*/ 2636627 w 3255095"/>
+              <a:gd name="connsiteY4" fmla="*/ 0 h 18288"/>
+              <a:gd name="connsiteX5" fmla="*/ 3255095 w 3255095"/>
+              <a:gd name="connsiteY5" fmla="*/ 0 h 18288"/>
+              <a:gd name="connsiteX6" fmla="*/ 3255095 w 3255095"/>
+              <a:gd name="connsiteY6" fmla="*/ 18288 h 18288"/>
+              <a:gd name="connsiteX7" fmla="*/ 2538974 w 3255095"/>
+              <a:gd name="connsiteY7" fmla="*/ 18288 h 18288"/>
+              <a:gd name="connsiteX8" fmla="*/ 1822853 w 3255095"/>
+              <a:gd name="connsiteY8" fmla="*/ 18288 h 18288"/>
+              <a:gd name="connsiteX9" fmla="*/ 1171834 w 3255095"/>
+              <a:gd name="connsiteY9" fmla="*/ 18288 h 18288"/>
+              <a:gd name="connsiteX10" fmla="*/ 0 w 3255095"/>
+              <a:gd name="connsiteY10" fmla="*/ 18288 h 18288"/>
+              <a:gd name="connsiteX11" fmla="*/ 0 w 3255095"/>
+              <a:gd name="connsiteY11" fmla="*/ 0 h 18288"/>
+            </a:gdLst>
+            <a:ahLst/>
+            <a:cxnLst>
+              <a:cxn ang="0">
+                <a:pos x="connsiteX0" y="connsiteY0"/>
+              </a:cxn>
+              <a:cxn ang="0">
+                <a:pos x="connsiteX1" y="connsiteY1"/>
+              </a:cxn>
+              <a:cxn ang="0">
+                <a:pos x="connsiteX2" y="connsiteY2"/>
+              </a:cxn>
+              <a:cxn ang="0">
+                <a:pos x="connsiteX3" y="connsiteY3"/>
+              </a:cxn>
+              <a:cxn ang="0">
+                <a:pos x="connsiteX4" y="connsiteY4"/>
+              </a:cxn>
+              <a:cxn ang="0">
+                <a:pos x="connsiteX5" y="connsiteY5"/>
+              </a:cxn>
+              <a:cxn ang="0">
+                <a:pos x="connsiteX6" y="connsiteY6"/>
+              </a:cxn>
+              <a:cxn ang="0">
+                <a:pos x="connsiteX7" y="connsiteY7"/>
+              </a:cxn>
+              <a:cxn ang="0">
+                <a:pos x="connsiteX8" y="connsiteY8"/>
+              </a:cxn>
+              <a:cxn ang="0">
+                <a:pos x="connsiteX9" y="connsiteY9"/>
+              </a:cxn>
+              <a:cxn ang="0">
+                <a:pos x="connsiteX10" y="connsiteY10"/>
+              </a:cxn>
+              <a:cxn ang="0">
+                <a:pos x="connsiteX11" y="connsiteY11"/>
+              </a:cxn>
+            </a:cxnLst>
+            <a:rect l="l" t="t" r="r" b="b"/>
+            <a:pathLst>
+              <a:path w="3255095" h="18288" fill="none" extrusionOk="0">
+                <a:moveTo>
+                  <a:pt x="0" y="0"/>
+                </a:moveTo>
+                <a:cubicBezTo>
+                  <a:pt x="240201" y="-22123"/>
+                  <a:pt x="462021" y="-19623"/>
+                  <a:pt x="618468" y="0"/>
+                </a:cubicBezTo>
+                <a:cubicBezTo>
+                  <a:pt x="774915" y="19623"/>
+                  <a:pt x="974734" y="2035"/>
+                  <a:pt x="1269487" y="0"/>
+                </a:cubicBezTo>
+                <a:cubicBezTo>
+                  <a:pt x="1564240" y="-2035"/>
+                  <a:pt x="1733579" y="10639"/>
+                  <a:pt x="1953057" y="0"/>
+                </a:cubicBezTo>
+                <a:cubicBezTo>
+                  <a:pt x="2172535" y="-10639"/>
+                  <a:pt x="2453962" y="14018"/>
+                  <a:pt x="2636627" y="0"/>
+                </a:cubicBezTo>
+                <a:cubicBezTo>
+                  <a:pt x="2819292" y="-14018"/>
+                  <a:pt x="3121375" y="5399"/>
+                  <a:pt x="3255095" y="0"/>
+                </a:cubicBezTo>
+                <a:cubicBezTo>
+                  <a:pt x="3254386" y="8157"/>
+                  <a:pt x="3254682" y="12125"/>
+                  <a:pt x="3255095" y="18288"/>
+                </a:cubicBezTo>
+                <a:cubicBezTo>
+                  <a:pt x="3088545" y="23203"/>
+                  <a:pt x="2687475" y="7419"/>
+                  <a:pt x="2538974" y="18288"/>
+                </a:cubicBezTo>
+                <a:cubicBezTo>
+                  <a:pt x="2390473" y="29157"/>
+                  <a:pt x="2137381" y="-8959"/>
+                  <a:pt x="1822853" y="18288"/>
+                </a:cubicBezTo>
+                <a:cubicBezTo>
+                  <a:pt x="1508325" y="45535"/>
+                  <a:pt x="1466437" y="20385"/>
+                  <a:pt x="1171834" y="18288"/>
+                </a:cubicBezTo>
+                <a:cubicBezTo>
+                  <a:pt x="877231" y="16191"/>
+                  <a:pt x="561097" y="37643"/>
+                  <a:pt x="0" y="18288"/>
+                </a:cubicBezTo>
+                <a:cubicBezTo>
+                  <a:pt x="-46" y="12483"/>
+                  <a:pt x="-203" y="6491"/>
+                  <a:pt x="0" y="0"/>
+                </a:cubicBezTo>
+                <a:close/>
+              </a:path>
+              <a:path w="3255095" h="18288" stroke="0" extrusionOk="0">
+                <a:moveTo>
+                  <a:pt x="0" y="0"/>
+                </a:moveTo>
+                <a:cubicBezTo>
+                  <a:pt x="291965" y="19429"/>
+                  <a:pt x="363155" y="8568"/>
+                  <a:pt x="618468" y="0"/>
+                </a:cubicBezTo>
+                <a:cubicBezTo>
+                  <a:pt x="873781" y="-8568"/>
+                  <a:pt x="904459" y="-19505"/>
+                  <a:pt x="1171834" y="0"/>
+                </a:cubicBezTo>
+                <a:cubicBezTo>
+                  <a:pt x="1439209" y="19505"/>
+                  <a:pt x="1744369" y="9790"/>
+                  <a:pt x="1887955" y="0"/>
+                </a:cubicBezTo>
+                <a:cubicBezTo>
+                  <a:pt x="2031541" y="-9790"/>
+                  <a:pt x="2346378" y="21240"/>
+                  <a:pt x="2506423" y="0"/>
+                </a:cubicBezTo>
+                <a:cubicBezTo>
+                  <a:pt x="2666468" y="-21240"/>
+                  <a:pt x="2990257" y="30414"/>
+                  <a:pt x="3255095" y="0"/>
+                </a:cubicBezTo>
+                <a:cubicBezTo>
+                  <a:pt x="3254831" y="4493"/>
+                  <a:pt x="3255479" y="9472"/>
+                  <a:pt x="3255095" y="18288"/>
+                </a:cubicBezTo>
+                <a:cubicBezTo>
+                  <a:pt x="3120743" y="16690"/>
+                  <a:pt x="2759628" y="42462"/>
+                  <a:pt x="2604076" y="18288"/>
+                </a:cubicBezTo>
+                <a:cubicBezTo>
+                  <a:pt x="2448524" y="-5886"/>
+                  <a:pt x="2184336" y="19599"/>
+                  <a:pt x="1887955" y="18288"/>
+                </a:cubicBezTo>
+                <a:cubicBezTo>
+                  <a:pt x="1591574" y="16977"/>
+                  <a:pt x="1548845" y="6870"/>
+                  <a:pt x="1334589" y="18288"/>
+                </a:cubicBezTo>
+                <a:cubicBezTo>
+                  <a:pt x="1120333" y="29706"/>
+                  <a:pt x="996014" y="9662"/>
+                  <a:pt x="683570" y="18288"/>
+                </a:cubicBezTo>
+                <a:cubicBezTo>
+                  <a:pt x="371126" y="26914"/>
+                  <a:pt x="198687" y="16167"/>
+                  <a:pt x="0" y="18288"/>
+                </a:cubicBezTo>
+                <a:cubicBezTo>
+                  <a:pt x="843" y="9577"/>
+                  <a:pt x="371" y="6900"/>
+                  <a:pt x="0" y="0"/>
+                </a:cubicBezTo>
+                <a:close/>
+              </a:path>
+            </a:pathLst>
+          </a:custGeom>
+          <a:solidFill>
+            <a:schemeClr val="accent2"/>
+          </a:solidFill>
+          <a:ln w="38100" cap="rnd">
+            <a:solidFill>
+              <a:schemeClr val="accent2"/>
+            </a:solidFill>
+            <a:round/>
+            <a:extLst>
+              <a:ext uri="{C807C97D-BFC1-408E-A445-0C87EB9F89A2}">
+                <ask:lineSketchStyleProps xmlns:ask="http://schemas.microsoft.com/office/drawing/2018/sketchyshapes" sd="1219033472">
+                  <a:prstGeom prst="rect">
+                    <a:avLst/>
+                  </a:prstGeom>
+                  <ask:type>
+                    <ask:lineSketchFreehand/>
+                  </ask:type>
+                </ask:lineSketchStyleProps>
+              </a:ext>
+            </a:extLst>
+          </a:ln>
+        </p:spPr>
+        <p:style>
+          <a:lnRef idx="2">
+            <a:schemeClr val="accent1">
+              <a:shade val="50000"/>
+            </a:schemeClr>
+          </a:lnRef>
+          <a:fillRef idx="1">
+            <a:schemeClr val="accent1"/>
+          </a:fillRef>
+          <a:effectRef idx="0">
+            <a:schemeClr val="accent1"/>
+          </a:effectRef>
+          <a:fontRef idx="minor">
+            <a:schemeClr val="lt1"/>
+          </a:fontRef>
+        </p:style>
+        <p:txBody>
+          <a:bodyPr rtlCol="0" anchor="ctr"/>
+          <a:lstStyle/>
+          <a:p>
+            <a:pPr algn="ctr"/>
+            <a:endParaRPr lang="en-US"/>
+          </a:p>
+        </p:txBody>
+      </p:sp>
+      <p:sp>
+        <p:nvSpPr>
+          <p:cNvPr id="10" name="TextBox 9">
+            <a:extLst>
+              <a:ext uri="{FF2B5EF4-FFF2-40B4-BE49-F238E27FC236}">
+                <a16:creationId xmlns:a16="http://schemas.microsoft.com/office/drawing/2014/main" id="{006B5C9B-1A16-4757-9C94-4F0BECEC203A}"/>
+              </a:ext>
+            </a:extLst>
+          </p:cNvPr>
+          <p:cNvSpPr txBox="1"/>
           <p:nvPr/>
-        </p:nvPicPr>
-        <p:blipFill rotWithShape="1">
-          <a:blip r:embed="rId2">
-            <a:extLst>
-              <a:ext uri="{28A0092B-C50C-407E-A947-70E740481C1C}">
-                <a14:useLocalDpi xmlns:a14="http://schemas.microsoft.com/office/drawing/2010/main" val="0"/>
-              </a:ext>
-            </a:extLst>
-          </a:blip>
-          <a:srcRect l="793" r="15849"/>
-          <a:stretch/>
-        </p:blipFill>
-        <p:spPr bwMode="auto">
+        </p:nvSpPr>
+        <p:spPr>
           <a:xfrm>
-            <a:off x="2334165" y="1257006"/>
-            <a:ext cx="7523670" cy="4343988"/>
+            <a:off x="630936" y="2807208"/>
+            <a:ext cx="3429000" cy="3410712"/>
           </a:xfrm>
           <a:prstGeom prst="rect">
             <a:avLst/>
           </a:prstGeom>
-          <a:noFill/>
-          <a:extLst>
-            <a:ext uri="{909E8E84-426E-40DD-AFC4-6F175D3DCCD1}">
-              <a14:hiddenFill xmlns:a14="http://schemas.microsoft.com/office/drawing/2010/main">
-                <a:solidFill>
-                  <a:srgbClr val="FFFFFF"/>
-                </a:solidFill>
-              </a14:hiddenFill>
-            </a:ext>
-          </a:extLst>
         </p:spPr>
-      </p:pic>
-      <p:sp>
-        <p:nvSpPr>
-          <p:cNvPr id="10" name="TextBox 9">
-            <a:extLst>
-              <a:ext uri="{FF2B5EF4-FFF2-40B4-BE49-F238E27FC236}">
-                <a16:creationId xmlns:a16="http://schemas.microsoft.com/office/drawing/2014/main" id="{006B5C9B-1A16-4757-9C94-4F0BECEC203A}"/>
-              </a:ext>
-            </a:extLst>
-          </p:cNvPr>
-          <p:cNvSpPr txBox="1"/>
+        <p:txBody>
+          <a:bodyPr vert="horz" lIns="91440" tIns="45720" rIns="91440" bIns="45720" rtlCol="0" anchor="t">
+            <a:normAutofit/>
+          </a:bodyPr>
+          <a:lstStyle/>
+          <a:p>
+            <a:pPr indent="-228600">
+              <a:lnSpc>
+                <a:spcPct val="90000"/>
+              </a:lnSpc>
+              <a:spcAft>
+                <a:spcPts val="600"/>
+              </a:spcAft>
+              <a:buFont typeface="Arial" panose="020B0604020202020204" pitchFamily="34" charset="0"/>
+              <a:buChar char="•"/>
+            </a:pPr>
+            <a:r>
+              <a:rPr lang="en-US" sz="2200"/>
+              <a:t>The exact solution must check every possible combination of vertices giving it a runtime of </a:t>
+            </a:r>
+            <a:r>
+              <a:rPr lang="en-US" sz="2200" b="1" i="0">
+                <a:effectLst/>
+              </a:rPr>
+              <a:t>Θ</a:t>
+            </a:r>
+            <a:r>
+              <a:rPr lang="en-US" sz="2200" b="1"/>
+              <a:t>(n!)</a:t>
+            </a:r>
+            <a:r>
+              <a:rPr lang="en-US" sz="2200"/>
+              <a:t>.</a:t>
+            </a:r>
+          </a:p>
+        </p:txBody>
+      </p:sp>
+      <p:pic>
+        <p:nvPicPr>
+          <p:cNvPr id="4" name="Picture 3" descr="Chart, line chart&#10;&#10;Description automatically generated">
+            <a:extLst>
+              <a:ext uri="{FF2B5EF4-FFF2-40B4-BE49-F238E27FC236}">
+                <a16:creationId xmlns:a16="http://schemas.microsoft.com/office/drawing/2014/main" id="{B8931131-206D-FA7A-E76C-F296A6F16861}"/>
+              </a:ext>
+            </a:extLst>
+          </p:cNvPr>
+          <p:cNvPicPr>
+            <a:picLocks noChangeAspect="1"/>
+          </p:cNvPicPr>
           <p:nvPr/>
-        </p:nvSpPr>
+        </p:nvPicPr>
+        <p:blipFill>
+          <a:blip r:embed="rId2">
+            <a:extLst>
+              <a:ext uri="{28A0092B-C50C-407E-A947-70E740481C1C}">
+                <a14:useLocalDpi xmlns:a14="http://schemas.microsoft.com/office/drawing/2010/main" val="0"/>
+              </a:ext>
+            </a:extLst>
+          </a:blip>
+          <a:stretch>
+            <a:fillRect/>
+          </a:stretch>
+        </p:blipFill>
         <p:spPr>
           <a:xfrm>
-            <a:off x="2334164" y="5600994"/>
-            <a:ext cx="7523669" cy="646331"/>
+            <a:off x="4654296" y="1090366"/>
+            <a:ext cx="6903720" cy="4677268"/>
           </a:xfrm>
           <a:prstGeom prst="rect">
             <a:avLst/>
           </a:prstGeom>
-          <a:noFill/>
         </p:spPr>
-        <p:txBody>
-          <a:bodyPr wrap="square" rtlCol="0">
-            <a:spAutoFit/>
-          </a:bodyPr>
-          <a:lstStyle/>
-          <a:p>
-            <a:pPr algn="ctr"/>
-            <a:r>
-              <a:rPr lang="en-US" dirty="0">
-                <a:latin typeface="Segoe UI" panose="020B0502040204020203" pitchFamily="34" charset="0"/>
-                <a:cs typeface="Segoe UI" panose="020B0502040204020203" pitchFamily="34" charset="0"/>
-              </a:rPr>
-              <a:t>The exact solution must check every possible combination of vertices giving it a runtime of </a:t>
-            </a:r>
-            <a:r>
-              <a:rPr lang="el-GR" b="1" i="0" dirty="0">
-                <a:solidFill>
-                  <a:srgbClr val="202122"/>
-                </a:solidFill>
-                <a:effectLst/>
-                <a:latin typeface="Arial" panose="020B0604020202020204" pitchFamily="34" charset="0"/>
-              </a:rPr>
-              <a:t>Θ</a:t>
-            </a:r>
-            <a:r>
-              <a:rPr lang="en-US" b="1" dirty="0">
-                <a:latin typeface="Segoe UI" panose="020B0502040204020203" pitchFamily="34" charset="0"/>
-                <a:cs typeface="Segoe UI" panose="020B0502040204020203" pitchFamily="34" charset="0"/>
-              </a:rPr>
-              <a:t>(n!)</a:t>
-            </a:r>
-            <a:r>
-              <a:rPr lang="en-US" dirty="0">
-                <a:latin typeface="Segoe UI" panose="020B0502040204020203" pitchFamily="34" charset="0"/>
-                <a:cs typeface="Segoe UI" panose="020B0502040204020203" pitchFamily="34" charset="0"/>
-              </a:rPr>
-              <a:t>.</a:t>
-            </a:r>
-            <a:endParaRPr lang="hu-HU" dirty="0">
-              <a:latin typeface="Segoe UI" panose="020B0502040204020203" pitchFamily="34" charset="0"/>
-              <a:cs typeface="Segoe UI" panose="020B0502040204020203" pitchFamily="34" charset="0"/>
-            </a:endParaRPr>
-          </a:p>
-        </p:txBody>
-      </p:sp>
+      </p:pic>
     </p:spTree>
     <p:extLst>
       <p:ext uri="{BB962C8B-B14F-4D97-AF65-F5344CB8AC3E}">
